--- a/US CENSUS PROJECT 1.pptx
+++ b/US CENSUS PROJECT 1.pptx
@@ -8,7 +8,12 @@
     <p:sldId id="256" r:id="rId2"/>
     <p:sldId id="259" r:id="rId3"/>
     <p:sldId id="257" r:id="rId4"/>
-    <p:sldId id="258" r:id="rId5"/>
+    <p:sldId id="271" r:id="rId5"/>
+    <p:sldId id="270" r:id="rId6"/>
+    <p:sldId id="269" r:id="rId7"/>
+    <p:sldId id="261" r:id="rId8"/>
+    <p:sldId id="264" r:id="rId9"/>
+    <p:sldId id="263" r:id="rId10"/>
   </p:sldIdLst>
   <p:sldSz cx="12192000" cy="6858000"/>
   <p:notesSz cx="6858000" cy="9144000"/>
@@ -107,6 +112,11 @@
       </a:defRPr>
     </a:lvl9pPr>
   </p:defaultTextStyle>
+  <p:extLst>
+    <p:ext uri="{EFAFB233-063F-42B5-8137-9DF3F51BA10A}">
+      <p15:sldGuideLst xmlns:p15="http://schemas.microsoft.com/office/powerpoint/2012/main"/>
+    </p:ext>
+  </p:extLst>
 </p:presentation>
 </file>
 
@@ -4741,7 +4751,7 @@
                   <a:schemeClr val="bg1"/>
                 </a:solidFill>
               </a:rPr>
-              <a:t>Kristi Mar</a:t>
+              <a:t>Minerva Banuelos</a:t>
             </a:r>
           </a:p>
           <a:p>
@@ -4751,7 +4761,7 @@
                   <a:schemeClr val="bg1"/>
                 </a:solidFill>
               </a:rPr>
-              <a:t>Charlie Martinez</a:t>
+              <a:t>Matthew Hutcherson</a:t>
             </a:r>
           </a:p>
           <a:p>
@@ -4771,7 +4781,7 @@
                   <a:schemeClr val="bg1"/>
                 </a:solidFill>
               </a:rPr>
-              <a:t>Minerva Banuelos</a:t>
+              <a:t>Kristi Mar</a:t>
             </a:r>
           </a:p>
           <a:p>
@@ -4781,7 +4791,7 @@
                   <a:schemeClr val="bg1"/>
                 </a:solidFill>
               </a:rPr>
-              <a:t>Matthew Hutcherson</a:t>
+              <a:t>Charlie Martinez</a:t>
             </a:r>
           </a:p>
         </p:txBody>
@@ -5057,6 +5067,18 @@
   <p:clrMapOvr>
     <a:overrideClrMapping bg1="dk1" tx1="lt1" bg2="dk2" tx2="lt2" accent1="accent1" accent2="accent2" accent3="accent3" accent4="accent4" accent5="accent5" accent6="accent6" hlink="hlink" folHlink="folHlink"/>
   </p:clrMapOvr>
+  <mc:AlternateContent xmlns:mc="http://schemas.openxmlformats.org/markup-compatibility/2006" xmlns:p159="http://schemas.microsoft.com/office/powerpoint/2015/09/main">
+    <mc:Choice Requires="p159">
+      <p:transition xmlns:p14="http://schemas.microsoft.com/office/powerpoint/2010/main" spd="slow" p14:dur="2000" advTm="10839">
+        <p159:morph option="byObject"/>
+      </p:transition>
+    </mc:Choice>
+    <mc:Fallback xmlns="">
+      <p:transition spd="slow" advTm="10839">
+        <p:fade/>
+      </p:transition>
+    </mc:Fallback>
+  </mc:AlternateContent>
 </p:sld>
 </file>
 
@@ -5674,9 +5696,16 @@
         </p:nvSpPr>
         <p:spPr>
           <a:xfrm>
-            <a:off x="1243632" y="1559768"/>
-            <a:ext cx="9678368" cy="3135379"/>
-          </a:xfrm>
+            <a:off x="809702" y="2740194"/>
+            <a:ext cx="10435152" cy="3391452"/>
+          </a:xfrm>
+          <a:effectLst>
+            <a:outerShdw blurRad="50800" dist="38100" dir="2700000" algn="tl" rotWithShape="0">
+              <a:prstClr val="black">
+                <a:alpha val="40000"/>
+              </a:prstClr>
+            </a:outerShdw>
+          </a:effectLst>
         </p:spPr>
         <p:txBody>
           <a:bodyPr vert="horz" lIns="91440" tIns="45720" rIns="91440" bIns="45720" rtlCol="0" anchor="ctr">
@@ -5684,14 +5713,112 @@
           </a:bodyPr>
           <a:lstStyle/>
           <a:p>
-            <a:pPr algn="ctr">
+            <a:pPr marL="685800" indent="-685800">
               <a:lnSpc>
                 <a:spcPct val="83000"/>
               </a:lnSpc>
+              <a:buFont typeface="Wingdings" panose="05000000000000000000" pitchFamily="2" charset="2"/>
+              <a:buChar char="v"/>
             </a:pPr>
             <a:r>
+              <a:rPr lang="en-US" sz="5300" b="1" cap="all" spc="-100" dirty="0"/>
+              <a:t>Motivation and Summary </a:t>
+            </a:r>
+            <a:r>
+              <a:rPr lang="en-US" sz="5300" cap="all" spc="-100" dirty="0"/>
+              <a:t>:</a:t>
+            </a:r>
+            <a:br>
+              <a:rPr lang="en-US" sz="5300" cap="all" spc="-100" dirty="0"/>
+            </a:br>
+            <a:br>
               <a:rPr lang="en-US" sz="4600" cap="all" spc="-100" dirty="0"/>
-              <a:t>Motivation and Summary :</a:t>
+            </a:br>
+            <a:r>
+              <a:rPr lang="en-US" sz="2800" b="0" i="0" dirty="0">
+                <a:solidFill>
+                  <a:srgbClr val="1D1C1D"/>
+                </a:solidFill>
+                <a:effectLst/>
+                <a:latin typeface="Slack-Lato"/>
+              </a:rPr>
+              <a:t>Our project is to determine what is the best state and worst state to live in the U.S. </a:t>
+            </a:r>
+            <a:br>
+              <a:rPr lang="en-US" sz="2800" b="0" i="0" dirty="0">
+                <a:solidFill>
+                  <a:srgbClr val="1D1C1D"/>
+                </a:solidFill>
+                <a:effectLst/>
+                <a:latin typeface="Slack-Lato"/>
+              </a:rPr>
+            </a:br>
+            <a:r>
+              <a:rPr lang="en-US" sz="2800" b="0" i="0" dirty="0">
+                <a:solidFill>
+                  <a:srgbClr val="1D1C1D"/>
+                </a:solidFill>
+                <a:effectLst/>
+                <a:latin typeface="Slack-Lato"/>
+              </a:rPr>
+              <a:t>We will examine factors such as unemployment rates, income average, poverty rates, workforce (types, </a:t>
+            </a:r>
+            <a:r>
+              <a:rPr lang="en-US" sz="2800" dirty="0">
+                <a:solidFill>
+                  <a:srgbClr val="1D1C1D"/>
+                </a:solidFill>
+                <a:latin typeface="Slack-Lato"/>
+              </a:rPr>
+              <a:t>sectors), and </a:t>
+            </a:r>
+            <a:r>
+              <a:rPr lang="en-US" sz="2800" b="0" i="0" dirty="0">
+                <a:solidFill>
+                  <a:srgbClr val="1D1C1D"/>
+                </a:solidFill>
+                <a:effectLst/>
+                <a:latin typeface="Slack-Lato"/>
+              </a:rPr>
+              <a:t>population. </a:t>
+            </a:r>
+            <a:br>
+              <a:rPr lang="en-US" sz="2800" b="0" i="0" dirty="0">
+                <a:solidFill>
+                  <a:srgbClr val="1D1C1D"/>
+                </a:solidFill>
+                <a:effectLst/>
+                <a:latin typeface="Slack-Lato"/>
+              </a:rPr>
+            </a:br>
+            <a:r>
+              <a:rPr lang="en-US" sz="2800" b="0" i="0" dirty="0">
+                <a:solidFill>
+                  <a:srgbClr val="1D1C1D"/>
+                </a:solidFill>
+                <a:effectLst/>
+                <a:latin typeface="Slack-Lato"/>
+              </a:rPr>
+              <a:t>We will use two different datasets to answer our questions from the </a:t>
+            </a:r>
+            <a:br>
+              <a:rPr lang="en-US" sz="2800" b="0" i="0" dirty="0">
+                <a:solidFill>
+                  <a:srgbClr val="1D1C1D"/>
+                </a:solidFill>
+                <a:effectLst/>
+                <a:latin typeface="Slack-Lato"/>
+              </a:rPr>
+            </a:br>
+            <a:r>
+              <a:rPr lang="en-US" sz="2800" b="0" i="0" dirty="0">
+                <a:solidFill>
+                  <a:srgbClr val="1D1C1D"/>
+                </a:solidFill>
+                <a:effectLst/>
+                <a:latin typeface="Slack-Lato"/>
+              </a:rPr>
+              <a:t>US Census Demographic Data for 2015, and 2017.</a:t>
             </a:r>
             <a:br>
               <a:rPr lang="en-US" sz="4600" cap="all" spc="-100" dirty="0"/>
@@ -6509,7 +6636,7 @@
         </p:nvSpPr>
         <p:spPr>
           <a:xfrm>
-            <a:off x="680961" y="1732840"/>
+            <a:off x="679524" y="1808285"/>
             <a:ext cx="8014253" cy="2862215"/>
           </a:xfrm>
           <a:effectLst>
@@ -6821,8 +6948,8 @@
         </p:blipFill>
         <p:spPr>
           <a:xfrm>
-            <a:off x="8275199" y="1684670"/>
-            <a:ext cx="3156120" cy="3241094"/>
+            <a:off x="8633459" y="1684670"/>
+            <a:ext cx="2797860" cy="3241094"/>
           </a:xfrm>
           <a:prstGeom prst="rect">
             <a:avLst/>
@@ -6938,6 +7065,14 @@
 <file path=ppt/slides/slide4.xml><?xml version="1.0" encoding="utf-8"?>
 <p:sld xmlns:a="http://schemas.openxmlformats.org/drawingml/2006/main" xmlns:r="http://schemas.openxmlformats.org/officeDocument/2006/relationships" xmlns:p="http://schemas.openxmlformats.org/presentationml/2006/main">
   <p:cSld>
+    <p:bg>
+      <p:bgPr>
+        <a:solidFill>
+          <a:schemeClr val="bg1"/>
+        </a:solidFill>
+        <a:effectLst/>
+      </p:bgPr>
+    </p:bg>
     <p:spTree>
       <p:nvGrpSpPr>
         <p:cNvPr id="1" name=""/>
@@ -6952,10 +7087,6548 @@
           <a:chExt cx="0" cy="0"/>
         </a:xfrm>
       </p:grpSpPr>
+      <p:sp>
+        <p:nvSpPr>
+          <p:cNvPr id="80" name="Rectangle 79">
+            <a:extLst>
+              <a:ext uri="{FF2B5EF4-FFF2-40B4-BE49-F238E27FC236}">
+                <a16:creationId xmlns:a16="http://schemas.microsoft.com/office/drawing/2014/main" id="{904DB13E-F722-4ED6-BB00-556651E95281}"/>
+              </a:ext>
+              <a:ext uri="{C183D7F6-B498-43B3-948B-1728B52AA6E4}">
+                <adec:decorative xmlns:adec="http://schemas.microsoft.com/office/drawing/2017/decorative" val="1"/>
+              </a:ext>
+            </a:extLst>
+          </p:cNvPr>
+          <p:cNvSpPr>
+            <a:spLocks noGrp="1" noRot="1" noChangeAspect="1" noMove="1" noResize="1" noEditPoints="1" noAdjustHandles="1" noChangeArrowheads="1" noChangeShapeType="1" noTextEdit="1"/>
+          </p:cNvSpPr>
+          <p:nvPr>
+            <p:extLst>
+              <p:ext uri="{386F3935-93C4-4BCD-93E2-E3B085C9AB24}">
+                <p16:designElem xmlns:p16="http://schemas.microsoft.com/office/powerpoint/2015/main" val="1"/>
+              </p:ext>
+            </p:extLst>
+          </p:nvPr>
+        </p:nvSpPr>
+        <p:spPr>
+          <a:xfrm>
+            <a:off x="0" y="0"/>
+            <a:ext cx="12192000" cy="6858000"/>
+          </a:xfrm>
+          <a:prstGeom prst="rect">
+            <a:avLst/>
+          </a:prstGeom>
+          <a:solidFill>
+            <a:schemeClr val="tx1">
+              <a:lumMod val="65000"/>
+              <a:lumOff val="35000"/>
+            </a:schemeClr>
+          </a:solidFill>
+          <a:ln>
+            <a:noFill/>
+          </a:ln>
+        </p:spPr>
+        <p:style>
+          <a:lnRef idx="2">
+            <a:schemeClr val="accent1">
+              <a:shade val="50000"/>
+            </a:schemeClr>
+          </a:lnRef>
+          <a:fillRef idx="1">
+            <a:schemeClr val="accent1"/>
+          </a:fillRef>
+          <a:effectRef idx="0">
+            <a:schemeClr val="accent1"/>
+          </a:effectRef>
+          <a:fontRef idx="minor">
+            <a:schemeClr val="lt1"/>
+          </a:fontRef>
+        </p:style>
+        <p:txBody>
+          <a:bodyPr rtlCol="0" anchor="ctr"/>
+          <a:lstStyle/>
+          <a:p>
+            <a:pPr algn="ctr"/>
+            <a:endParaRPr lang="en-US"/>
+          </a:p>
+        </p:txBody>
+      </p:sp>
+      <p:sp useBgFill="1">
+        <p:nvSpPr>
+          <p:cNvPr id="82" name="Rectangle 81">
+            <a:extLst>
+              <a:ext uri="{FF2B5EF4-FFF2-40B4-BE49-F238E27FC236}">
+                <a16:creationId xmlns:a16="http://schemas.microsoft.com/office/drawing/2014/main" id="{1E8D93C5-28EB-42D0-86CE-D804955653CC}"/>
+              </a:ext>
+              <a:ext uri="{C183D7F6-B498-43B3-948B-1728B52AA6E4}">
+                <adec:decorative xmlns:adec="http://schemas.microsoft.com/office/drawing/2017/decorative" val="1"/>
+              </a:ext>
+            </a:extLst>
+          </p:cNvPr>
+          <p:cNvSpPr>
+            <a:spLocks noGrp="1" noRot="1" noChangeAspect="1" noMove="1" noResize="1" noEditPoints="1" noAdjustHandles="1" noChangeArrowheads="1" noChangeShapeType="1" noTextEdit="1"/>
+          </p:cNvSpPr>
+          <p:nvPr>
+            <p:extLst>
+              <p:ext uri="{386F3935-93C4-4BCD-93E2-E3B085C9AB24}">
+                <p16:designElem xmlns:p16="http://schemas.microsoft.com/office/powerpoint/2015/main" val="1"/>
+              </p:ext>
+            </p:extLst>
+          </p:nvPr>
+        </p:nvSpPr>
+        <p:spPr>
+          <a:xfrm>
+            <a:off x="1307870" y="1267730"/>
+            <a:ext cx="9576262" cy="4307950"/>
+          </a:xfrm>
+          <a:prstGeom prst="rect">
+            <a:avLst/>
+          </a:prstGeom>
+          <a:ln w="6350" cap="flat" cmpd="sng" algn="ctr">
+            <a:noFill/>
+            <a:prstDash val="solid"/>
+          </a:ln>
+          <a:effectLst>
+            <a:outerShdw blurRad="50800" algn="ctr" rotWithShape="0">
+              <a:prstClr val="black">
+                <a:alpha val="66000"/>
+              </a:prstClr>
+            </a:outerShdw>
+            <a:softEdge rad="0"/>
+          </a:effectLst>
+        </p:spPr>
+      </p:sp>
+      <p:sp>
+        <p:nvSpPr>
+          <p:cNvPr id="84" name="Rectangle 83">
+            <a:extLst>
+              <a:ext uri="{FF2B5EF4-FFF2-40B4-BE49-F238E27FC236}">
+                <a16:creationId xmlns:a16="http://schemas.microsoft.com/office/drawing/2014/main" id="{AB1B1E7D-F76D-4744-AF85-239E6998A4C5}"/>
+              </a:ext>
+              <a:ext uri="{C183D7F6-B498-43B3-948B-1728B52AA6E4}">
+                <adec:decorative xmlns:adec="http://schemas.microsoft.com/office/drawing/2017/decorative" val="1"/>
+              </a:ext>
+            </a:extLst>
+          </p:cNvPr>
+          <p:cNvSpPr>
+            <a:spLocks noGrp="1" noRot="1" noChangeAspect="1" noMove="1" noResize="1" noEditPoints="1" noAdjustHandles="1" noChangeArrowheads="1" noChangeShapeType="1" noTextEdit="1"/>
+          </p:cNvSpPr>
+          <p:nvPr>
+            <p:extLst>
+              <p:ext uri="{386F3935-93C4-4BCD-93E2-E3B085C9AB24}">
+                <p16:designElem xmlns:p16="http://schemas.microsoft.com/office/powerpoint/2015/main" val="1"/>
+              </p:ext>
+            </p:extLst>
+          </p:nvPr>
+        </p:nvSpPr>
+        <p:spPr>
+          <a:xfrm>
+            <a:off x="1447801" y="1411615"/>
+            <a:ext cx="9296400" cy="4034770"/>
+          </a:xfrm>
+          <a:prstGeom prst="rect">
+            <a:avLst/>
+          </a:prstGeom>
+          <a:noFill/>
+          <a:ln w="6350" cap="sq" cmpd="sng" algn="ctr">
+            <a:solidFill>
+              <a:schemeClr val="tx1">
+                <a:lumMod val="75000"/>
+                <a:lumOff val="25000"/>
+              </a:schemeClr>
+            </a:solidFill>
+            <a:prstDash val="solid"/>
+            <a:miter lim="800000"/>
+          </a:ln>
+          <a:effectLst/>
+        </p:spPr>
+      </p:sp>
+      <p:sp>
+        <p:nvSpPr>
+          <p:cNvPr id="86" name="Rectangle 85">
+            <a:extLst>
+              <a:ext uri="{FF2B5EF4-FFF2-40B4-BE49-F238E27FC236}">
+                <a16:creationId xmlns:a16="http://schemas.microsoft.com/office/drawing/2014/main" id="{3BB65211-00DB-45B6-A223-033B2D19CBE8}"/>
+              </a:ext>
+              <a:ext uri="{C183D7F6-B498-43B3-948B-1728B52AA6E4}">
+                <adec:decorative xmlns:adec="http://schemas.microsoft.com/office/drawing/2017/decorative" val="1"/>
+              </a:ext>
+            </a:extLst>
+          </p:cNvPr>
+          <p:cNvSpPr>
+            <a:spLocks noGrp="1" noRot="1" noChangeAspect="1" noMove="1" noResize="1" noEditPoints="1" noAdjustHandles="1" noChangeArrowheads="1" noChangeShapeType="1" noTextEdit="1"/>
+          </p:cNvSpPr>
+          <p:nvPr>
+            <p:extLst>
+              <p:ext uri="{386F3935-93C4-4BCD-93E2-E3B085C9AB24}">
+                <p16:designElem xmlns:p16="http://schemas.microsoft.com/office/powerpoint/2015/main" val="1"/>
+              </p:ext>
+            </p:extLst>
+          </p:nvPr>
+        </p:nvSpPr>
+        <p:spPr>
+          <a:xfrm>
+            <a:off x="5135880" y="1267730"/>
+            <a:ext cx="1920240" cy="731520"/>
+          </a:xfrm>
+          <a:prstGeom prst="rect">
+            <a:avLst/>
+          </a:prstGeom>
+          <a:solidFill>
+            <a:schemeClr val="accent1"/>
+          </a:solidFill>
+          <a:ln>
+            <a:noFill/>
+          </a:ln>
+        </p:spPr>
+        <p:style>
+          <a:lnRef idx="2">
+            <a:schemeClr val="accent1">
+              <a:shade val="50000"/>
+            </a:schemeClr>
+          </a:lnRef>
+          <a:fillRef idx="1">
+            <a:schemeClr val="accent1"/>
+          </a:fillRef>
+          <a:effectRef idx="0">
+            <a:schemeClr val="accent1"/>
+          </a:effectRef>
+          <a:fontRef idx="minor">
+            <a:schemeClr val="lt1"/>
+          </a:fontRef>
+        </p:style>
+      </p:sp>
+      <p:grpSp>
+        <p:nvGrpSpPr>
+          <p:cNvPr id="88" name="Group 87">
+            <a:extLst>
+              <a:ext uri="{FF2B5EF4-FFF2-40B4-BE49-F238E27FC236}">
+                <a16:creationId xmlns:a16="http://schemas.microsoft.com/office/drawing/2014/main" id="{E26428D7-C6F3-473D-A360-A3F5C3E8728C}"/>
+              </a:ext>
+              <a:ext uri="{C183D7F6-B498-43B3-948B-1728B52AA6E4}">
+                <adec:decorative xmlns:adec="http://schemas.microsoft.com/office/drawing/2017/decorative" val="1"/>
+              </a:ext>
+            </a:extLst>
+          </p:cNvPr>
+          <p:cNvGrpSpPr>
+            <a:grpSpLocks noGrp="1" noUngrp="1" noRot="1" noChangeAspect="1" noMove="1" noResize="1"/>
+          </p:cNvGrpSpPr>
+          <p:nvPr>
+            <p:extLst>
+              <p:ext uri="{386F3935-93C4-4BCD-93E2-E3B085C9AB24}">
+                <p16:designElem xmlns:p16="http://schemas.microsoft.com/office/powerpoint/2015/main" val="1"/>
+              </p:ext>
+            </p:extLst>
+          </p:nvPr>
+        </p:nvGrpSpPr>
+        <p:grpSpPr>
+          <a:xfrm>
+            <a:off x="5250180" y="1267730"/>
+            <a:ext cx="1691640" cy="615934"/>
+            <a:chOff x="5250180" y="1267730"/>
+            <a:chExt cx="1691640" cy="615934"/>
+          </a:xfrm>
+        </p:grpSpPr>
+        <p:cxnSp>
+          <p:nvCxnSpPr>
+            <p:cNvPr id="89" name="Straight Connector 88">
+              <a:extLst>
+                <a:ext uri="{FF2B5EF4-FFF2-40B4-BE49-F238E27FC236}">
+                  <a16:creationId xmlns:a16="http://schemas.microsoft.com/office/drawing/2014/main" id="{14DF524F-3FEF-4236-90C6-820E876A94EE}"/>
+                </a:ext>
+                <a:ext uri="{C183D7F6-B498-43B3-948B-1728B52AA6E4}">
+                  <adec:decorative xmlns:adec="http://schemas.microsoft.com/office/drawing/2017/decorative" val="1"/>
+                </a:ext>
+              </a:extLst>
+            </p:cNvPr>
+            <p:cNvCxnSpPr/>
+            <p:nvPr>
+              <p:extLst>
+                <p:ext uri="{386F3935-93C4-4BCD-93E2-E3B085C9AB24}">
+                  <p16:designElem xmlns:p16="http://schemas.microsoft.com/office/powerpoint/2015/main" val="1"/>
+                </p:ext>
+              </p:extLst>
+            </p:nvPr>
+          </p:nvCxnSpPr>
+          <p:spPr>
+            <a:xfrm>
+              <a:off x="5250180" y="1267730"/>
+              <a:ext cx="0" cy="612648"/>
+            </a:xfrm>
+            <a:prstGeom prst="line">
+              <a:avLst/>
+            </a:prstGeom>
+            <a:solidFill>
+              <a:schemeClr val="tx1">
+                <a:lumMod val="85000"/>
+                <a:lumOff val="15000"/>
+              </a:schemeClr>
+            </a:solidFill>
+            <a:ln>
+              <a:solidFill>
+                <a:srgbClr val="FFFFFF"/>
+              </a:solidFill>
+              <a:miter lim="800000"/>
+            </a:ln>
+          </p:spPr>
+          <p:style>
+            <a:lnRef idx="1">
+              <a:schemeClr val="accent1"/>
+            </a:lnRef>
+            <a:fillRef idx="0">
+              <a:schemeClr val="accent1"/>
+            </a:fillRef>
+            <a:effectRef idx="0">
+              <a:schemeClr val="accent1"/>
+            </a:effectRef>
+            <a:fontRef idx="minor">
+              <a:schemeClr val="tx1"/>
+            </a:fontRef>
+          </p:style>
+        </p:cxnSp>
+        <p:cxnSp>
+          <p:nvCxnSpPr>
+            <p:cNvPr id="90" name="Straight Connector 89">
+              <a:extLst>
+                <a:ext uri="{FF2B5EF4-FFF2-40B4-BE49-F238E27FC236}">
+                  <a16:creationId xmlns:a16="http://schemas.microsoft.com/office/drawing/2014/main" id="{2400A003-1BE9-49C2-8E57-DCD9B870FC8A}"/>
+                </a:ext>
+                <a:ext uri="{C183D7F6-B498-43B3-948B-1728B52AA6E4}">
+                  <adec:decorative xmlns:adec="http://schemas.microsoft.com/office/drawing/2017/decorative" val="1"/>
+                </a:ext>
+              </a:extLst>
+            </p:cNvPr>
+            <p:cNvCxnSpPr/>
+            <p:nvPr>
+              <p:extLst>
+                <p:ext uri="{386F3935-93C4-4BCD-93E2-E3B085C9AB24}">
+                  <p16:designElem xmlns:p16="http://schemas.microsoft.com/office/powerpoint/2015/main" val="1"/>
+                </p:ext>
+              </p:extLst>
+            </p:nvPr>
+          </p:nvCxnSpPr>
+          <p:spPr>
+            <a:xfrm>
+              <a:off x="6941820" y="1267730"/>
+              <a:ext cx="0" cy="612648"/>
+            </a:xfrm>
+            <a:prstGeom prst="line">
+              <a:avLst/>
+            </a:prstGeom>
+            <a:solidFill>
+              <a:schemeClr val="tx1">
+                <a:lumMod val="85000"/>
+                <a:lumOff val="15000"/>
+              </a:schemeClr>
+            </a:solidFill>
+            <a:ln>
+              <a:solidFill>
+                <a:srgbClr val="FFFFFF"/>
+              </a:solidFill>
+              <a:miter lim="800000"/>
+            </a:ln>
+          </p:spPr>
+          <p:style>
+            <a:lnRef idx="1">
+              <a:schemeClr val="accent1"/>
+            </a:lnRef>
+            <a:fillRef idx="0">
+              <a:schemeClr val="accent1"/>
+            </a:fillRef>
+            <a:effectRef idx="0">
+              <a:schemeClr val="accent1"/>
+            </a:effectRef>
+            <a:fontRef idx="minor">
+              <a:schemeClr val="tx1"/>
+            </a:fontRef>
+          </p:style>
+        </p:cxnSp>
+        <p:cxnSp>
+          <p:nvCxnSpPr>
+            <p:cNvPr id="91" name="Straight Connector 90">
+              <a:extLst>
+                <a:ext uri="{FF2B5EF4-FFF2-40B4-BE49-F238E27FC236}">
+                  <a16:creationId xmlns:a16="http://schemas.microsoft.com/office/drawing/2014/main" id="{83BF0991-F9A1-4282-99DB-92D70239F6A9}"/>
+                </a:ext>
+                <a:ext uri="{C183D7F6-B498-43B3-948B-1728B52AA6E4}">
+                  <adec:decorative xmlns:adec="http://schemas.microsoft.com/office/drawing/2017/decorative" val="1"/>
+                </a:ext>
+              </a:extLst>
+            </p:cNvPr>
+            <p:cNvCxnSpPr/>
+            <p:nvPr>
+              <p:extLst>
+                <p:ext uri="{386F3935-93C4-4BCD-93E2-E3B085C9AB24}">
+                  <p16:designElem xmlns:p16="http://schemas.microsoft.com/office/powerpoint/2015/main" val="1"/>
+                </p:ext>
+              </p:extLst>
+            </p:nvPr>
+          </p:nvCxnSpPr>
+          <p:spPr>
+            <a:xfrm>
+              <a:off x="5250180" y="1883664"/>
+              <a:ext cx="1691640" cy="0"/>
+            </a:xfrm>
+            <a:prstGeom prst="line">
+              <a:avLst/>
+            </a:prstGeom>
+            <a:solidFill>
+              <a:schemeClr val="tx1">
+                <a:lumMod val="85000"/>
+                <a:lumOff val="15000"/>
+              </a:schemeClr>
+            </a:solidFill>
+            <a:ln>
+              <a:solidFill>
+                <a:srgbClr val="FFFFFF"/>
+              </a:solidFill>
+              <a:miter lim="800000"/>
+            </a:ln>
+          </p:spPr>
+          <p:style>
+            <a:lnRef idx="1">
+              <a:schemeClr val="accent1"/>
+            </a:lnRef>
+            <a:fillRef idx="0">
+              <a:schemeClr val="accent1"/>
+            </a:fillRef>
+            <a:effectRef idx="0">
+              <a:schemeClr val="accent1"/>
+            </a:effectRef>
+            <a:fontRef idx="minor">
+              <a:schemeClr val="tx1"/>
+            </a:fontRef>
+          </p:style>
+        </p:cxnSp>
+      </p:grpSp>
+      <p:sp>
+        <p:nvSpPr>
+          <p:cNvPr id="93" name="Rectangle 92">
+            <a:extLst>
+              <a:ext uri="{FF2B5EF4-FFF2-40B4-BE49-F238E27FC236}">
+                <a16:creationId xmlns:a16="http://schemas.microsoft.com/office/drawing/2014/main" id="{C8AC92D2-D6DE-4772-A874-5D65F883FCDB}"/>
+              </a:ext>
+              <a:ext uri="{C183D7F6-B498-43B3-948B-1728B52AA6E4}">
+                <adec:decorative xmlns:adec="http://schemas.microsoft.com/office/drawing/2017/decorative" val="1"/>
+              </a:ext>
+            </a:extLst>
+          </p:cNvPr>
+          <p:cNvSpPr>
+            <a:spLocks noGrp="1" noRot="1" noChangeAspect="1" noMove="1" noResize="1" noEditPoints="1" noAdjustHandles="1" noChangeArrowheads="1" noChangeShapeType="1" noTextEdit="1"/>
+          </p:cNvSpPr>
+          <p:nvPr>
+            <p:extLst>
+              <p:ext uri="{386F3935-93C4-4BCD-93E2-E3B085C9AB24}">
+                <p16:designElem xmlns:p16="http://schemas.microsoft.com/office/powerpoint/2015/main" val="1"/>
+              </p:ext>
+            </p:extLst>
+          </p:nvPr>
+        </p:nvSpPr>
+        <p:spPr>
+          <a:xfrm>
+            <a:off x="453190" y="457200"/>
+            <a:ext cx="11281609" cy="5943603"/>
+          </a:xfrm>
+          <a:prstGeom prst="rect">
+            <a:avLst/>
+          </a:prstGeom>
+          <a:solidFill>
+            <a:srgbClr val="FFFFFF"/>
+          </a:solidFill>
+          <a:ln w="6350" cap="flat" cmpd="sng" algn="ctr">
+            <a:noFill/>
+            <a:prstDash val="solid"/>
+          </a:ln>
+          <a:effectLst>
+            <a:outerShdw blurRad="50800" algn="ctr" rotWithShape="0">
+              <a:prstClr val="black">
+                <a:alpha val="66000"/>
+              </a:prstClr>
+            </a:outerShdw>
+            <a:softEdge rad="0"/>
+          </a:effectLst>
+        </p:spPr>
+      </p:sp>
+      <p:sp useBgFill="1">
+        <p:nvSpPr>
+          <p:cNvPr id="95" name="Rectangle 94">
+            <a:extLst>
+              <a:ext uri="{FF2B5EF4-FFF2-40B4-BE49-F238E27FC236}">
+                <a16:creationId xmlns:a16="http://schemas.microsoft.com/office/drawing/2014/main" id="{0F2E3678-25D0-49F9-9BD6-8D4D605650E5}"/>
+              </a:ext>
+              <a:ext uri="{C183D7F6-B498-43B3-948B-1728B52AA6E4}">
+                <adec:decorative xmlns:adec="http://schemas.microsoft.com/office/drawing/2017/decorative" val="1"/>
+              </a:ext>
+            </a:extLst>
+          </p:cNvPr>
+          <p:cNvSpPr>
+            <a:spLocks noGrp="1" noRot="1" noChangeAspect="1" noMove="1" noResize="1" noEditPoints="1" noAdjustHandles="1" noChangeArrowheads="1" noChangeShapeType="1" noTextEdit="1"/>
+          </p:cNvSpPr>
+          <p:nvPr>
+            <p:extLst>
+              <p:ext uri="{386F3935-93C4-4BCD-93E2-E3B085C9AB24}">
+                <p16:designElem xmlns:p16="http://schemas.microsoft.com/office/powerpoint/2015/main" val="1"/>
+              </p:ext>
+            </p:extLst>
+          </p:nvPr>
+        </p:nvSpPr>
+        <p:spPr>
+          <a:xfrm>
+            <a:off x="616738" y="621793"/>
+            <a:ext cx="10954512" cy="5614416"/>
+          </a:xfrm>
+          <a:prstGeom prst="rect">
+            <a:avLst/>
+          </a:prstGeom>
+          <a:ln w="6350" cap="sq" cmpd="sng" algn="ctr">
+            <a:solidFill>
+              <a:schemeClr val="tx1">
+                <a:lumMod val="75000"/>
+                <a:lumOff val="25000"/>
+              </a:schemeClr>
+            </a:solidFill>
+            <a:prstDash val="solid"/>
+            <a:miter lim="800000"/>
+          </a:ln>
+          <a:effectLst/>
+        </p:spPr>
+      </p:sp>
+      <p:sp>
+        <p:nvSpPr>
+          <p:cNvPr id="2" name="Title 1">
+            <a:extLst>
+              <a:ext uri="{FF2B5EF4-FFF2-40B4-BE49-F238E27FC236}">
+                <a16:creationId xmlns:a16="http://schemas.microsoft.com/office/drawing/2014/main" id="{45FE64F7-323E-4148-8304-8E70372E1808}"/>
+              </a:ext>
+            </a:extLst>
+          </p:cNvPr>
+          <p:cNvSpPr>
+            <a:spLocks noGrp="1"/>
+          </p:cNvSpPr>
+          <p:nvPr>
+            <p:ph type="title"/>
+          </p:nvPr>
+        </p:nvSpPr>
+        <p:spPr>
+          <a:xfrm>
+            <a:off x="679524" y="1808285"/>
+            <a:ext cx="8014253" cy="1620715"/>
+          </a:xfrm>
+          <a:effectLst>
+            <a:outerShdw blurRad="50800" dist="38100" dir="2700000" algn="tl" rotWithShape="0">
+              <a:prstClr val="black">
+                <a:alpha val="40000"/>
+              </a:prstClr>
+            </a:outerShdw>
+          </a:effectLst>
+        </p:spPr>
+        <p:txBody>
+          <a:bodyPr vert="horz" lIns="91440" tIns="45720" rIns="91440" bIns="45720" rtlCol="0" anchor="ctr">
+            <a:normAutofit fontScale="90000"/>
+          </a:bodyPr>
+          <a:lstStyle/>
+          <a:p>
+            <a:pPr algn="ctr">
+              <a:lnSpc>
+                <a:spcPct val="83000"/>
+              </a:lnSpc>
+            </a:pPr>
+            <a:r>
+              <a:rPr lang="en-US" sz="6000" b="1" cap="all" spc="-100" dirty="0"/>
+              <a:t>DATA CLEANING and EXPLORATION</a:t>
+            </a:r>
+            <a:br>
+              <a:rPr lang="en-US" sz="6000" b="1" cap="all" spc="-100" dirty="0"/>
+            </a:br>
+            <a:br>
+              <a:rPr lang="en-US" sz="6000" cap="all" spc="-100" dirty="0"/>
+            </a:br>
+            <a:r>
+              <a:rPr lang="en-US" sz="6000" cap="all" spc="-100" dirty="0"/>
+              <a:t> </a:t>
+            </a:r>
+          </a:p>
+        </p:txBody>
+      </p:sp>
+      <p:sp>
+        <p:nvSpPr>
+          <p:cNvPr id="97" name="Rectangle 96">
+            <a:extLst>
+              <a:ext uri="{FF2B5EF4-FFF2-40B4-BE49-F238E27FC236}">
+                <a16:creationId xmlns:a16="http://schemas.microsoft.com/office/drawing/2014/main" id="{63A45CD5-61B0-48E1-8090-7584418C274A}"/>
+              </a:ext>
+              <a:ext uri="{C183D7F6-B498-43B3-948B-1728B52AA6E4}">
+                <adec:decorative xmlns:adec="http://schemas.microsoft.com/office/drawing/2017/decorative" val="1"/>
+              </a:ext>
+            </a:extLst>
+          </p:cNvPr>
+          <p:cNvSpPr>
+            <a:spLocks noGrp="1" noRot="1" noChangeAspect="1" noMove="1" noResize="1" noEditPoints="1" noAdjustHandles="1" noChangeArrowheads="1" noChangeShapeType="1" noTextEdit="1"/>
+          </p:cNvSpPr>
+          <p:nvPr>
+            <p:extLst>
+              <p:ext uri="{386F3935-93C4-4BCD-93E2-E3B085C9AB24}">
+                <p16:designElem xmlns:p16="http://schemas.microsoft.com/office/powerpoint/2015/main" val="1"/>
+              </p:ext>
+            </p:extLst>
+          </p:nvPr>
+        </p:nvSpPr>
+        <p:spPr>
+          <a:xfrm>
+            <a:off x="3034898" y="446824"/>
+            <a:ext cx="1920240" cy="731520"/>
+          </a:xfrm>
+          <a:prstGeom prst="rect">
+            <a:avLst/>
+          </a:prstGeom>
+          <a:solidFill>
+            <a:schemeClr val="accent1"/>
+          </a:solidFill>
+          <a:ln>
+            <a:noFill/>
+          </a:ln>
+        </p:spPr>
+        <p:style>
+          <a:lnRef idx="2">
+            <a:schemeClr val="accent1">
+              <a:shade val="50000"/>
+            </a:schemeClr>
+          </a:lnRef>
+          <a:fillRef idx="1">
+            <a:schemeClr val="accent1"/>
+          </a:fillRef>
+          <a:effectRef idx="0">
+            <a:schemeClr val="accent1"/>
+          </a:effectRef>
+          <a:fontRef idx="minor">
+            <a:schemeClr val="lt1"/>
+          </a:fontRef>
+        </p:style>
+      </p:sp>
+      <p:cxnSp>
+        <p:nvCxnSpPr>
+          <p:cNvPr id="99" name="Straight Connector 98">
+            <a:extLst>
+              <a:ext uri="{FF2B5EF4-FFF2-40B4-BE49-F238E27FC236}">
+                <a16:creationId xmlns:a16="http://schemas.microsoft.com/office/drawing/2014/main" id="{C6D4C1FD-C274-4FA8-939A-09E6498EFC7D}"/>
+              </a:ext>
+              <a:ext uri="{C183D7F6-B498-43B3-948B-1728B52AA6E4}">
+                <adec:decorative xmlns:adec="http://schemas.microsoft.com/office/drawing/2017/decorative" val="1"/>
+              </a:ext>
+            </a:extLst>
+          </p:cNvPr>
+          <p:cNvCxnSpPr>
+            <a:cxnSpLocks noGrp="1" noRot="1" noChangeAspect="1" noMove="1" noResize="1" noEditPoints="1" noAdjustHandles="1" noChangeArrowheads="1" noChangeShapeType="1"/>
+          </p:cNvCxnSpPr>
+          <p:nvPr>
+            <p:extLst>
+              <p:ext uri="{386F3935-93C4-4BCD-93E2-E3B085C9AB24}">
+                <p16:designElem xmlns:p16="http://schemas.microsoft.com/office/powerpoint/2015/main" val="1"/>
+              </p:ext>
+            </p:extLst>
+          </p:nvPr>
+        </p:nvCxnSpPr>
+        <p:spPr>
+          <a:xfrm>
+            <a:off x="3149198" y="446823"/>
+            <a:ext cx="0" cy="640080"/>
+          </a:xfrm>
+          <a:prstGeom prst="line">
+            <a:avLst/>
+          </a:prstGeom>
+          <a:solidFill>
+            <a:schemeClr val="tx1">
+              <a:lumMod val="85000"/>
+              <a:lumOff val="15000"/>
+            </a:schemeClr>
+          </a:solidFill>
+          <a:ln>
+            <a:solidFill>
+              <a:srgbClr val="FFFFFF"/>
+            </a:solidFill>
+            <a:miter lim="800000"/>
+          </a:ln>
+        </p:spPr>
+        <p:style>
+          <a:lnRef idx="1">
+            <a:schemeClr val="accent1"/>
+          </a:lnRef>
+          <a:fillRef idx="0">
+            <a:schemeClr val="accent1"/>
+          </a:fillRef>
+          <a:effectRef idx="0">
+            <a:schemeClr val="accent1"/>
+          </a:effectRef>
+          <a:fontRef idx="minor">
+            <a:schemeClr val="tx1"/>
+          </a:fontRef>
+        </p:style>
+      </p:cxnSp>
+      <p:cxnSp>
+        <p:nvCxnSpPr>
+          <p:cNvPr id="101" name="Straight Connector 100">
+            <a:extLst>
+              <a:ext uri="{FF2B5EF4-FFF2-40B4-BE49-F238E27FC236}">
+                <a16:creationId xmlns:a16="http://schemas.microsoft.com/office/drawing/2014/main" id="{C13D4426-8AD5-43D7-8033-05DBB3BFE65E}"/>
+              </a:ext>
+              <a:ext uri="{C183D7F6-B498-43B3-948B-1728B52AA6E4}">
+                <adec:decorative xmlns:adec="http://schemas.microsoft.com/office/drawing/2017/decorative" val="1"/>
+              </a:ext>
+            </a:extLst>
+          </p:cNvPr>
+          <p:cNvCxnSpPr>
+            <a:cxnSpLocks noGrp="1" noRot="1" noChangeAspect="1" noMove="1" noResize="1" noEditPoints="1" noAdjustHandles="1" noChangeArrowheads="1" noChangeShapeType="1"/>
+          </p:cNvCxnSpPr>
+          <p:nvPr>
+            <p:extLst>
+              <p:ext uri="{386F3935-93C4-4BCD-93E2-E3B085C9AB24}">
+                <p16:designElem xmlns:p16="http://schemas.microsoft.com/office/powerpoint/2015/main" val="1"/>
+              </p:ext>
+            </p:extLst>
+          </p:nvPr>
+        </p:nvCxnSpPr>
+        <p:spPr>
+          <a:xfrm>
+            <a:off x="4840838" y="446823"/>
+            <a:ext cx="0" cy="640080"/>
+          </a:xfrm>
+          <a:prstGeom prst="line">
+            <a:avLst/>
+          </a:prstGeom>
+          <a:solidFill>
+            <a:schemeClr val="tx1">
+              <a:lumMod val="85000"/>
+              <a:lumOff val="15000"/>
+            </a:schemeClr>
+          </a:solidFill>
+          <a:ln>
+            <a:solidFill>
+              <a:srgbClr val="FFFFFF"/>
+            </a:solidFill>
+            <a:miter lim="800000"/>
+          </a:ln>
+        </p:spPr>
+        <p:style>
+          <a:lnRef idx="1">
+            <a:schemeClr val="accent1"/>
+          </a:lnRef>
+          <a:fillRef idx="0">
+            <a:schemeClr val="accent1"/>
+          </a:fillRef>
+          <a:effectRef idx="0">
+            <a:schemeClr val="accent1"/>
+          </a:effectRef>
+          <a:fontRef idx="minor">
+            <a:schemeClr val="tx1"/>
+          </a:fontRef>
+        </p:style>
+      </p:cxnSp>
+      <p:cxnSp>
+        <p:nvCxnSpPr>
+          <p:cNvPr id="103" name="Straight Connector 102">
+            <a:extLst>
+              <a:ext uri="{FF2B5EF4-FFF2-40B4-BE49-F238E27FC236}">
+                <a16:creationId xmlns:a16="http://schemas.microsoft.com/office/drawing/2014/main" id="{1EC8029B-C6E2-4459-859A-7539865E0066}"/>
+              </a:ext>
+              <a:ext uri="{C183D7F6-B498-43B3-948B-1728B52AA6E4}">
+                <adec:decorative xmlns:adec="http://schemas.microsoft.com/office/drawing/2017/decorative" val="1"/>
+              </a:ext>
+            </a:extLst>
+          </p:cNvPr>
+          <p:cNvCxnSpPr>
+            <a:cxnSpLocks noGrp="1" noRot="1" noChangeAspect="1" noMove="1" noResize="1" noEditPoints="1" noAdjustHandles="1" noChangeArrowheads="1" noChangeShapeType="1"/>
+          </p:cNvCxnSpPr>
+          <p:nvPr>
+            <p:extLst>
+              <p:ext uri="{386F3935-93C4-4BCD-93E2-E3B085C9AB24}">
+                <p16:designElem xmlns:p16="http://schemas.microsoft.com/office/powerpoint/2015/main" val="1"/>
+              </p:ext>
+            </p:extLst>
+          </p:nvPr>
+        </p:nvCxnSpPr>
+        <p:spPr>
+          <a:xfrm>
+            <a:off x="3149198" y="1092118"/>
+            <a:ext cx="1691640" cy="0"/>
+          </a:xfrm>
+          <a:prstGeom prst="line">
+            <a:avLst/>
+          </a:prstGeom>
+          <a:solidFill>
+            <a:schemeClr val="tx1">
+              <a:lumMod val="85000"/>
+              <a:lumOff val="15000"/>
+            </a:schemeClr>
+          </a:solidFill>
+          <a:ln>
+            <a:solidFill>
+              <a:srgbClr val="FFFFFF"/>
+            </a:solidFill>
+            <a:miter lim="800000"/>
+          </a:ln>
+        </p:spPr>
+        <p:style>
+          <a:lnRef idx="1">
+            <a:schemeClr val="accent1"/>
+          </a:lnRef>
+          <a:fillRef idx="0">
+            <a:schemeClr val="accent1"/>
+          </a:fillRef>
+          <a:effectRef idx="0">
+            <a:schemeClr val="accent1"/>
+          </a:effectRef>
+          <a:fontRef idx="minor">
+            <a:schemeClr val="tx1"/>
+          </a:fontRef>
+        </p:style>
+      </p:cxnSp>
+      <p:sp>
+        <p:nvSpPr>
+          <p:cNvPr id="3" name="TextBox 2">
+            <a:extLst>
+              <a:ext uri="{FF2B5EF4-FFF2-40B4-BE49-F238E27FC236}">
+                <a16:creationId xmlns:a16="http://schemas.microsoft.com/office/drawing/2014/main" id="{A3351DAD-28C7-4C56-BCEA-B57E7F61F7DA}"/>
+              </a:ext>
+            </a:extLst>
+          </p:cNvPr>
+          <p:cNvSpPr txBox="1"/>
+          <p:nvPr/>
+        </p:nvSpPr>
+        <p:spPr>
+          <a:xfrm>
+            <a:off x="1144321" y="2759232"/>
+            <a:ext cx="6142887" cy="369332"/>
+          </a:xfrm>
+          <a:prstGeom prst="rect">
+            <a:avLst/>
+          </a:prstGeom>
+          <a:noFill/>
+        </p:spPr>
+        <p:txBody>
+          <a:bodyPr wrap="square" rtlCol="0">
+            <a:spAutoFit/>
+          </a:bodyPr>
+          <a:lstStyle/>
+          <a:p>
+            <a:pPr marL="285750" indent="-285750">
+              <a:buFont typeface="Arial" panose="020B0604020202020204" pitchFamily="34" charset="0"/>
+              <a:buChar char="•"/>
+            </a:pPr>
+            <a:r>
+              <a:rPr lang="en-US" sz="1800" cap="all" spc="-100" dirty="0"/>
+              <a:t>how  we  found our data</a:t>
+            </a:r>
+            <a:endParaRPr lang="en-US" dirty="0"/>
+          </a:p>
+        </p:txBody>
+      </p:sp>
+      <p:sp>
+        <p:nvSpPr>
+          <p:cNvPr id="6" name="TextBox 5">
+            <a:extLst>
+              <a:ext uri="{FF2B5EF4-FFF2-40B4-BE49-F238E27FC236}">
+                <a16:creationId xmlns:a16="http://schemas.microsoft.com/office/drawing/2014/main" id="{D68595AA-1DD6-4CFD-96A8-24342EA58252}"/>
+              </a:ext>
+            </a:extLst>
+          </p:cNvPr>
+          <p:cNvSpPr txBox="1"/>
+          <p:nvPr/>
+        </p:nvSpPr>
+        <p:spPr>
+          <a:xfrm>
+            <a:off x="1144320" y="3204961"/>
+            <a:ext cx="6142887" cy="1015663"/>
+          </a:xfrm>
+          <a:prstGeom prst="rect">
+            <a:avLst/>
+          </a:prstGeom>
+          <a:noFill/>
+        </p:spPr>
+        <p:txBody>
+          <a:bodyPr wrap="square" rtlCol="0">
+            <a:spAutoFit/>
+          </a:bodyPr>
+          <a:lstStyle/>
+          <a:p>
+            <a:pPr marL="285750" indent="-285750">
+              <a:buFont typeface="Arial" panose="020B0604020202020204" pitchFamily="34" charset="0"/>
+              <a:buChar char="•"/>
+            </a:pPr>
+            <a:r>
+              <a:rPr lang="en-US" sz="1800" cap="all" spc="-100" dirty="0"/>
+              <a:t>CLEANING PROCESS: </a:t>
+            </a:r>
+          </a:p>
+          <a:p>
+            <a:pPr marL="742950" lvl="1" indent="-285750">
+              <a:buFont typeface="Wingdings" panose="05000000000000000000" pitchFamily="2" charset="2"/>
+              <a:buChar char="Ø"/>
+            </a:pPr>
+            <a:r>
+              <a:rPr lang="en-US" sz="1400" cap="all" spc="-100" dirty="0"/>
+              <a:t>Conversion of values</a:t>
+            </a:r>
+          </a:p>
+          <a:p>
+            <a:pPr marL="742950" lvl="1" indent="-285750">
+              <a:buFont typeface="Wingdings" panose="05000000000000000000" pitchFamily="2" charset="2"/>
+              <a:buChar char="Ø"/>
+            </a:pPr>
+            <a:r>
+              <a:rPr lang="en-US" sz="1400" cap="all" spc="-100" dirty="0"/>
+              <a:t>dropped nulls and FILLING IN blanks</a:t>
+            </a:r>
+          </a:p>
+          <a:p>
+            <a:pPr marL="742950" lvl="1" indent="-285750">
+              <a:buFont typeface="Wingdings" panose="05000000000000000000" pitchFamily="2" charset="2"/>
+              <a:buChar char="Ø"/>
+            </a:pPr>
+            <a:r>
+              <a:rPr lang="en-US" sz="1400" cap="all" spc="-100" dirty="0"/>
+              <a:t>RENAMING COLUMNS</a:t>
+            </a:r>
+            <a:endParaRPr lang="en-US" sz="1400" dirty="0"/>
+          </a:p>
+        </p:txBody>
+      </p:sp>
+      <p:sp>
+        <p:nvSpPr>
+          <p:cNvPr id="8" name="TextBox 7">
+            <a:extLst>
+              <a:ext uri="{FF2B5EF4-FFF2-40B4-BE49-F238E27FC236}">
+                <a16:creationId xmlns:a16="http://schemas.microsoft.com/office/drawing/2014/main" id="{BDE1DE3D-001C-46C5-AD62-E9773AC88C05}"/>
+              </a:ext>
+            </a:extLst>
+          </p:cNvPr>
+          <p:cNvSpPr txBox="1"/>
+          <p:nvPr/>
+        </p:nvSpPr>
+        <p:spPr>
+          <a:xfrm>
+            <a:off x="1144319" y="4324760"/>
+            <a:ext cx="6142887" cy="1015663"/>
+          </a:xfrm>
+          <a:prstGeom prst="rect">
+            <a:avLst/>
+          </a:prstGeom>
+          <a:noFill/>
+        </p:spPr>
+        <p:txBody>
+          <a:bodyPr wrap="square" rtlCol="0">
+            <a:spAutoFit/>
+          </a:bodyPr>
+          <a:lstStyle/>
+          <a:p>
+            <a:pPr marL="285750" indent="-285750">
+              <a:buFont typeface="Arial" panose="020B0604020202020204" pitchFamily="34" charset="0"/>
+              <a:buChar char="•"/>
+            </a:pPr>
+            <a:r>
+              <a:rPr lang="en-US" sz="1800" cap="all" spc="-100" dirty="0"/>
+              <a:t>INSIGHTS:</a:t>
+            </a:r>
+          </a:p>
+          <a:p>
+            <a:pPr marL="742950" lvl="1" indent="-285750">
+              <a:buFont typeface="Wingdings" panose="05000000000000000000" pitchFamily="2" charset="2"/>
+              <a:buChar char="Ø"/>
+            </a:pPr>
+            <a:r>
+              <a:rPr lang="en-US" sz="1400" cap="all" spc="-100" dirty="0"/>
+              <a:t>Initial view of the data seemed very straight forward.</a:t>
+            </a:r>
+          </a:p>
+          <a:p>
+            <a:pPr marL="742950" lvl="1" indent="-285750">
+              <a:buFont typeface="Wingdings" panose="05000000000000000000" pitchFamily="2" charset="2"/>
+              <a:buChar char="Ø"/>
+            </a:pPr>
+            <a:r>
+              <a:rPr lang="en-US" sz="1400" cap="all" spc="-100" dirty="0"/>
+              <a:t>WE  did not anticipate the amount of time and energy we need ed to spend cleaning the data</a:t>
+            </a:r>
+            <a:endParaRPr lang="en-US" sz="1400" dirty="0"/>
+          </a:p>
+        </p:txBody>
+      </p:sp>
+      <p:grpSp>
+        <p:nvGrpSpPr>
+          <p:cNvPr id="9" name="Graphic 76" descr="Flask">
+            <a:extLst>
+              <a:ext uri="{FF2B5EF4-FFF2-40B4-BE49-F238E27FC236}">
+                <a16:creationId xmlns:a16="http://schemas.microsoft.com/office/drawing/2014/main" id="{B8B1C6AA-6BCC-49F2-BE9E-BED675D0A275}"/>
+              </a:ext>
+            </a:extLst>
+          </p:cNvPr>
+          <p:cNvGrpSpPr/>
+          <p:nvPr/>
+        </p:nvGrpSpPr>
+        <p:grpSpPr>
+          <a:xfrm>
+            <a:off x="8461417" y="1772742"/>
+            <a:ext cx="2797860" cy="3241094"/>
+            <a:chOff x="8633459" y="1684670"/>
+            <a:chExt cx="2797860" cy="3241094"/>
+          </a:xfrm>
+        </p:grpSpPr>
+        <p:sp>
+          <p:nvSpPr>
+            <p:cNvPr id="10" name="Freeform: Shape 9">
+              <a:extLst>
+                <a:ext uri="{FF2B5EF4-FFF2-40B4-BE49-F238E27FC236}">
+                  <a16:creationId xmlns:a16="http://schemas.microsoft.com/office/drawing/2014/main" id="{6A107F10-E02C-43CD-9A96-646B64AEBC91}"/>
+                </a:ext>
+              </a:extLst>
+            </p:cNvPr>
+            <p:cNvSpPr/>
+            <p:nvPr/>
+          </p:nvSpPr>
+          <p:spPr>
+            <a:xfrm>
+              <a:off x="10003244" y="1819715"/>
+              <a:ext cx="174866" cy="202568"/>
+            </a:xfrm>
+            <a:custGeom>
+              <a:avLst/>
+              <a:gdLst>
+                <a:gd name="connsiteX0" fmla="*/ 174866 w 174866"/>
+                <a:gd name="connsiteY0" fmla="*/ 101284 h 202568"/>
+                <a:gd name="connsiteX1" fmla="*/ 87433 w 174866"/>
+                <a:gd name="connsiteY1" fmla="*/ 202568 h 202568"/>
+                <a:gd name="connsiteX2" fmla="*/ 0 w 174866"/>
+                <a:gd name="connsiteY2" fmla="*/ 101284 h 202568"/>
+                <a:gd name="connsiteX3" fmla="*/ 87433 w 174866"/>
+                <a:gd name="connsiteY3" fmla="*/ 0 h 202568"/>
+                <a:gd name="connsiteX4" fmla="*/ 174866 w 174866"/>
+                <a:gd name="connsiteY4" fmla="*/ 101284 h 202568"/>
+              </a:gdLst>
+              <a:ahLst/>
+              <a:cxnLst>
+                <a:cxn ang="0">
+                  <a:pos x="connsiteX0" y="connsiteY0"/>
+                </a:cxn>
+                <a:cxn ang="0">
+                  <a:pos x="connsiteX1" y="connsiteY1"/>
+                </a:cxn>
+                <a:cxn ang="0">
+                  <a:pos x="connsiteX2" y="connsiteY2"/>
+                </a:cxn>
+                <a:cxn ang="0">
+                  <a:pos x="connsiteX3" y="connsiteY3"/>
+                </a:cxn>
+                <a:cxn ang="0">
+                  <a:pos x="connsiteX4" y="connsiteY4"/>
+                </a:cxn>
+              </a:cxnLst>
+              <a:rect l="l" t="t" r="r" b="b"/>
+              <a:pathLst>
+                <a:path w="174866" h="202568">
+                  <a:moveTo>
+                    <a:pt x="174866" y="101284"/>
+                  </a:moveTo>
+                  <a:cubicBezTo>
+                    <a:pt x="174866" y="157222"/>
+                    <a:pt x="135721" y="202568"/>
+                    <a:pt x="87433" y="202568"/>
+                  </a:cubicBezTo>
+                  <a:cubicBezTo>
+                    <a:pt x="39145" y="202568"/>
+                    <a:pt x="0" y="157222"/>
+                    <a:pt x="0" y="101284"/>
+                  </a:cubicBezTo>
+                  <a:cubicBezTo>
+                    <a:pt x="0" y="45346"/>
+                    <a:pt x="39145" y="0"/>
+                    <a:pt x="87433" y="0"/>
+                  </a:cubicBezTo>
+                  <a:cubicBezTo>
+                    <a:pt x="135721" y="0"/>
+                    <a:pt x="174866" y="45346"/>
+                    <a:pt x="174866" y="101284"/>
+                  </a:cubicBezTo>
+                  <a:close/>
+                </a:path>
+              </a:pathLst>
+            </a:custGeom>
+            <a:solidFill>
+              <a:schemeClr val="accent1"/>
+            </a:solidFill>
+            <a:ln w="29071" cap="flat">
+              <a:solidFill>
+                <a:schemeClr val="accent1"/>
+              </a:solidFill>
+              <a:prstDash val="solid"/>
+              <a:miter/>
+            </a:ln>
+          </p:spPr>
+          <p:txBody>
+            <a:bodyPr rtlCol="0" anchor="ctr"/>
+            <a:lstStyle/>
+            <a:p>
+              <a:endParaRPr lang="en-US"/>
+            </a:p>
+          </p:txBody>
+        </p:sp>
+        <p:sp>
+          <p:nvSpPr>
+            <p:cNvPr id="11" name="Freeform: Shape 10">
+              <a:extLst>
+                <a:ext uri="{FF2B5EF4-FFF2-40B4-BE49-F238E27FC236}">
+                  <a16:creationId xmlns:a16="http://schemas.microsoft.com/office/drawing/2014/main" id="{7010BF4F-5DCB-442D-AD17-4467C059723C}"/>
+                </a:ext>
+              </a:extLst>
+            </p:cNvPr>
+            <p:cNvSpPr/>
+            <p:nvPr/>
+          </p:nvSpPr>
+          <p:spPr>
+            <a:xfrm>
+              <a:off x="10148966" y="2123568"/>
+              <a:ext cx="174866" cy="202568"/>
+            </a:xfrm>
+            <a:custGeom>
+              <a:avLst/>
+              <a:gdLst>
+                <a:gd name="connsiteX0" fmla="*/ 174866 w 174866"/>
+                <a:gd name="connsiteY0" fmla="*/ 101284 h 202568"/>
+                <a:gd name="connsiteX1" fmla="*/ 87433 w 174866"/>
+                <a:gd name="connsiteY1" fmla="*/ 202568 h 202568"/>
+                <a:gd name="connsiteX2" fmla="*/ 0 w 174866"/>
+                <a:gd name="connsiteY2" fmla="*/ 101284 h 202568"/>
+                <a:gd name="connsiteX3" fmla="*/ 87433 w 174866"/>
+                <a:gd name="connsiteY3" fmla="*/ 0 h 202568"/>
+                <a:gd name="connsiteX4" fmla="*/ 174866 w 174866"/>
+                <a:gd name="connsiteY4" fmla="*/ 101284 h 202568"/>
+              </a:gdLst>
+              <a:ahLst/>
+              <a:cxnLst>
+                <a:cxn ang="0">
+                  <a:pos x="connsiteX0" y="connsiteY0"/>
+                </a:cxn>
+                <a:cxn ang="0">
+                  <a:pos x="connsiteX1" y="connsiteY1"/>
+                </a:cxn>
+                <a:cxn ang="0">
+                  <a:pos x="connsiteX2" y="connsiteY2"/>
+                </a:cxn>
+                <a:cxn ang="0">
+                  <a:pos x="connsiteX3" y="connsiteY3"/>
+                </a:cxn>
+                <a:cxn ang="0">
+                  <a:pos x="connsiteX4" y="connsiteY4"/>
+                </a:cxn>
+              </a:cxnLst>
+              <a:rect l="l" t="t" r="r" b="b"/>
+              <a:pathLst>
+                <a:path w="174866" h="202568">
+                  <a:moveTo>
+                    <a:pt x="174866" y="101284"/>
+                  </a:moveTo>
+                  <a:cubicBezTo>
+                    <a:pt x="174866" y="157222"/>
+                    <a:pt x="135721" y="202568"/>
+                    <a:pt x="87433" y="202568"/>
+                  </a:cubicBezTo>
+                  <a:cubicBezTo>
+                    <a:pt x="39145" y="202568"/>
+                    <a:pt x="0" y="157222"/>
+                    <a:pt x="0" y="101284"/>
+                  </a:cubicBezTo>
+                  <a:cubicBezTo>
+                    <a:pt x="0" y="45346"/>
+                    <a:pt x="39145" y="0"/>
+                    <a:pt x="87433" y="0"/>
+                  </a:cubicBezTo>
+                  <a:cubicBezTo>
+                    <a:pt x="135721" y="0"/>
+                    <a:pt x="174866" y="45346"/>
+                    <a:pt x="174866" y="101284"/>
+                  </a:cubicBezTo>
+                  <a:close/>
+                </a:path>
+              </a:pathLst>
+            </a:custGeom>
+            <a:solidFill>
+              <a:schemeClr val="accent1"/>
+            </a:solidFill>
+            <a:ln w="29071" cap="flat">
+              <a:solidFill>
+                <a:schemeClr val="accent1"/>
+              </a:solidFill>
+              <a:prstDash val="solid"/>
+              <a:miter/>
+            </a:ln>
+          </p:spPr>
+          <p:txBody>
+            <a:bodyPr rtlCol="0" anchor="ctr"/>
+            <a:lstStyle/>
+            <a:p>
+              <a:endParaRPr lang="en-US"/>
+            </a:p>
+          </p:txBody>
+        </p:sp>
+        <p:sp>
+          <p:nvSpPr>
+            <p:cNvPr id="12" name="Freeform: Shape 11">
+              <a:extLst>
+                <a:ext uri="{FF2B5EF4-FFF2-40B4-BE49-F238E27FC236}">
+                  <a16:creationId xmlns:a16="http://schemas.microsoft.com/office/drawing/2014/main" id="{160661AC-000C-4B24-834E-5263C9A06B9F}"/>
+                </a:ext>
+              </a:extLst>
+            </p:cNvPr>
+            <p:cNvSpPr/>
+            <p:nvPr/>
+          </p:nvSpPr>
+          <p:spPr>
+            <a:xfrm>
+              <a:off x="9828378" y="2056045"/>
+              <a:ext cx="174866" cy="202568"/>
+            </a:xfrm>
+            <a:custGeom>
+              <a:avLst/>
+              <a:gdLst>
+                <a:gd name="connsiteX0" fmla="*/ 174866 w 174866"/>
+                <a:gd name="connsiteY0" fmla="*/ 101284 h 202568"/>
+                <a:gd name="connsiteX1" fmla="*/ 87433 w 174866"/>
+                <a:gd name="connsiteY1" fmla="*/ 202568 h 202568"/>
+                <a:gd name="connsiteX2" fmla="*/ 0 w 174866"/>
+                <a:gd name="connsiteY2" fmla="*/ 101284 h 202568"/>
+                <a:gd name="connsiteX3" fmla="*/ 87433 w 174866"/>
+                <a:gd name="connsiteY3" fmla="*/ 0 h 202568"/>
+                <a:gd name="connsiteX4" fmla="*/ 174866 w 174866"/>
+                <a:gd name="connsiteY4" fmla="*/ 101284 h 202568"/>
+              </a:gdLst>
+              <a:ahLst/>
+              <a:cxnLst>
+                <a:cxn ang="0">
+                  <a:pos x="connsiteX0" y="connsiteY0"/>
+                </a:cxn>
+                <a:cxn ang="0">
+                  <a:pos x="connsiteX1" y="connsiteY1"/>
+                </a:cxn>
+                <a:cxn ang="0">
+                  <a:pos x="connsiteX2" y="connsiteY2"/>
+                </a:cxn>
+                <a:cxn ang="0">
+                  <a:pos x="connsiteX3" y="connsiteY3"/>
+                </a:cxn>
+                <a:cxn ang="0">
+                  <a:pos x="connsiteX4" y="connsiteY4"/>
+                </a:cxn>
+              </a:cxnLst>
+              <a:rect l="l" t="t" r="r" b="b"/>
+              <a:pathLst>
+                <a:path w="174866" h="202568">
+                  <a:moveTo>
+                    <a:pt x="174866" y="101284"/>
+                  </a:moveTo>
+                  <a:cubicBezTo>
+                    <a:pt x="174866" y="157222"/>
+                    <a:pt x="135721" y="202568"/>
+                    <a:pt x="87433" y="202568"/>
+                  </a:cubicBezTo>
+                  <a:cubicBezTo>
+                    <a:pt x="39145" y="202568"/>
+                    <a:pt x="0" y="157222"/>
+                    <a:pt x="0" y="101284"/>
+                  </a:cubicBezTo>
+                  <a:cubicBezTo>
+                    <a:pt x="0" y="45346"/>
+                    <a:pt x="39145" y="0"/>
+                    <a:pt x="87433" y="0"/>
+                  </a:cubicBezTo>
+                  <a:cubicBezTo>
+                    <a:pt x="135721" y="0"/>
+                    <a:pt x="174866" y="45346"/>
+                    <a:pt x="174866" y="101284"/>
+                  </a:cubicBezTo>
+                  <a:close/>
+                </a:path>
+              </a:pathLst>
+            </a:custGeom>
+            <a:solidFill>
+              <a:schemeClr val="accent1"/>
+            </a:solidFill>
+            <a:ln w="29071" cap="flat">
+              <a:solidFill>
+                <a:schemeClr val="accent1"/>
+              </a:solidFill>
+              <a:prstDash val="solid"/>
+              <a:miter/>
+            </a:ln>
+          </p:spPr>
+          <p:txBody>
+            <a:bodyPr rtlCol="0" anchor="ctr"/>
+            <a:lstStyle/>
+            <a:p>
+              <a:endParaRPr lang="en-US"/>
+            </a:p>
+          </p:txBody>
+        </p:sp>
+        <p:sp>
+          <p:nvSpPr>
+            <p:cNvPr id="13" name="Freeform: Shape 12">
+              <a:extLst>
+                <a:ext uri="{FF2B5EF4-FFF2-40B4-BE49-F238E27FC236}">
+                  <a16:creationId xmlns:a16="http://schemas.microsoft.com/office/drawing/2014/main" id="{3EFE6FF7-5A8E-4864-A983-A2B2DBD66220}"/>
+                </a:ext>
+              </a:extLst>
+            </p:cNvPr>
+            <p:cNvSpPr/>
+            <p:nvPr/>
+          </p:nvSpPr>
+          <p:spPr>
+            <a:xfrm>
+              <a:off x="9857522" y="2393659"/>
+              <a:ext cx="233155" cy="270091"/>
+            </a:xfrm>
+            <a:custGeom>
+              <a:avLst/>
+              <a:gdLst>
+                <a:gd name="connsiteX0" fmla="*/ 233155 w 233155"/>
+                <a:gd name="connsiteY0" fmla="*/ 135046 h 270091"/>
+                <a:gd name="connsiteX1" fmla="*/ 116578 w 233155"/>
+                <a:gd name="connsiteY1" fmla="*/ 270091 h 270091"/>
+                <a:gd name="connsiteX2" fmla="*/ 0 w 233155"/>
+                <a:gd name="connsiteY2" fmla="*/ 135046 h 270091"/>
+                <a:gd name="connsiteX3" fmla="*/ 116578 w 233155"/>
+                <a:gd name="connsiteY3" fmla="*/ 0 h 270091"/>
+                <a:gd name="connsiteX4" fmla="*/ 233155 w 233155"/>
+                <a:gd name="connsiteY4" fmla="*/ 135046 h 270091"/>
+              </a:gdLst>
+              <a:ahLst/>
+              <a:cxnLst>
+                <a:cxn ang="0">
+                  <a:pos x="connsiteX0" y="connsiteY0"/>
+                </a:cxn>
+                <a:cxn ang="0">
+                  <a:pos x="connsiteX1" y="connsiteY1"/>
+                </a:cxn>
+                <a:cxn ang="0">
+                  <a:pos x="connsiteX2" y="connsiteY2"/>
+                </a:cxn>
+                <a:cxn ang="0">
+                  <a:pos x="connsiteX3" y="connsiteY3"/>
+                </a:cxn>
+                <a:cxn ang="0">
+                  <a:pos x="connsiteX4" y="connsiteY4"/>
+                </a:cxn>
+              </a:cxnLst>
+              <a:rect l="l" t="t" r="r" b="b"/>
+              <a:pathLst>
+                <a:path w="233155" h="270091">
+                  <a:moveTo>
+                    <a:pt x="233155" y="135046"/>
+                  </a:moveTo>
+                  <a:cubicBezTo>
+                    <a:pt x="233155" y="209629"/>
+                    <a:pt x="180962" y="270091"/>
+                    <a:pt x="116578" y="270091"/>
+                  </a:cubicBezTo>
+                  <a:cubicBezTo>
+                    <a:pt x="52193" y="270091"/>
+                    <a:pt x="0" y="209629"/>
+                    <a:pt x="0" y="135046"/>
+                  </a:cubicBezTo>
+                  <a:cubicBezTo>
+                    <a:pt x="0" y="60462"/>
+                    <a:pt x="52193" y="0"/>
+                    <a:pt x="116578" y="0"/>
+                  </a:cubicBezTo>
+                  <a:cubicBezTo>
+                    <a:pt x="180962" y="0"/>
+                    <a:pt x="233155" y="60462"/>
+                    <a:pt x="233155" y="135046"/>
+                  </a:cubicBezTo>
+                  <a:close/>
+                </a:path>
+              </a:pathLst>
+            </a:custGeom>
+            <a:solidFill>
+              <a:schemeClr val="accent1"/>
+            </a:solidFill>
+            <a:ln w="29071" cap="flat">
+              <a:solidFill>
+                <a:schemeClr val="accent1"/>
+              </a:solidFill>
+              <a:prstDash val="solid"/>
+              <a:miter/>
+            </a:ln>
+          </p:spPr>
+          <p:txBody>
+            <a:bodyPr rtlCol="0" anchor="ctr"/>
+            <a:lstStyle/>
+            <a:p>
+              <a:endParaRPr lang="en-US"/>
+            </a:p>
+          </p:txBody>
+        </p:sp>
+        <p:sp>
+          <p:nvSpPr>
+            <p:cNvPr id="14" name="Freeform: Shape 13">
+              <a:extLst>
+                <a:ext uri="{FF2B5EF4-FFF2-40B4-BE49-F238E27FC236}">
+                  <a16:creationId xmlns:a16="http://schemas.microsoft.com/office/drawing/2014/main" id="{BEF19E82-803E-48DE-8C66-75E9EFC8D7C3}"/>
+                </a:ext>
+              </a:extLst>
+            </p:cNvPr>
+            <p:cNvSpPr/>
+            <p:nvPr/>
+          </p:nvSpPr>
+          <p:spPr>
+            <a:xfrm>
+              <a:off x="9449892" y="2731273"/>
+              <a:ext cx="1164993" cy="2059445"/>
+            </a:xfrm>
+            <a:custGeom>
+              <a:avLst/>
+              <a:gdLst>
+                <a:gd name="connsiteX0" fmla="*/ 1150812 w 1164993"/>
+                <a:gd name="connsiteY0" fmla="*/ 1775849 h 2059445"/>
+                <a:gd name="connsiteX1" fmla="*/ 815652 w 1164993"/>
+                <a:gd name="connsiteY1" fmla="*/ 898053 h 2059445"/>
+                <a:gd name="connsiteX2" fmla="*/ 815652 w 1164993"/>
+                <a:gd name="connsiteY2" fmla="*/ 303853 h 2059445"/>
+                <a:gd name="connsiteX3" fmla="*/ 903085 w 1164993"/>
+                <a:gd name="connsiteY3" fmla="*/ 128293 h 2059445"/>
+                <a:gd name="connsiteX4" fmla="*/ 929315 w 1164993"/>
+                <a:gd name="connsiteY4" fmla="*/ 37137 h 2059445"/>
+                <a:gd name="connsiteX5" fmla="*/ 873941 w 1164993"/>
+                <a:gd name="connsiteY5" fmla="*/ 0 h 2059445"/>
+                <a:gd name="connsiteX6" fmla="*/ 873941 w 1164993"/>
+                <a:gd name="connsiteY6" fmla="*/ 0 h 2059445"/>
+                <a:gd name="connsiteX7" fmla="*/ 291053 w 1164993"/>
+                <a:gd name="connsiteY7" fmla="*/ 0 h 2059445"/>
+                <a:gd name="connsiteX8" fmla="*/ 291053 w 1164993"/>
+                <a:gd name="connsiteY8" fmla="*/ 0 h 2059445"/>
+                <a:gd name="connsiteX9" fmla="*/ 235679 w 1164993"/>
+                <a:gd name="connsiteY9" fmla="*/ 37137 h 2059445"/>
+                <a:gd name="connsiteX10" fmla="*/ 261909 w 1164993"/>
+                <a:gd name="connsiteY10" fmla="*/ 128293 h 2059445"/>
+                <a:gd name="connsiteX11" fmla="*/ 349342 w 1164993"/>
+                <a:gd name="connsiteY11" fmla="*/ 303853 h 2059445"/>
+                <a:gd name="connsiteX12" fmla="*/ 349342 w 1164993"/>
+                <a:gd name="connsiteY12" fmla="*/ 898053 h 2059445"/>
+                <a:gd name="connsiteX13" fmla="*/ 14182 w 1164993"/>
+                <a:gd name="connsiteY13" fmla="*/ 1775849 h 2059445"/>
+                <a:gd name="connsiteX14" fmla="*/ 28754 w 1164993"/>
+                <a:gd name="connsiteY14" fmla="*/ 1968290 h 2059445"/>
+                <a:gd name="connsiteX15" fmla="*/ 174476 w 1164993"/>
+                <a:gd name="connsiteY15" fmla="*/ 2059445 h 2059445"/>
+                <a:gd name="connsiteX16" fmla="*/ 990518 w 1164993"/>
+                <a:gd name="connsiteY16" fmla="*/ 2059445 h 2059445"/>
+                <a:gd name="connsiteX17" fmla="*/ 1136240 w 1164993"/>
+                <a:gd name="connsiteY17" fmla="*/ 1968290 h 2059445"/>
+                <a:gd name="connsiteX18" fmla="*/ 1150812 w 1164993"/>
+                <a:gd name="connsiteY18" fmla="*/ 1775849 h 2059445"/>
+                <a:gd name="connsiteX19" fmla="*/ 699074 w 1164993"/>
+                <a:gd name="connsiteY19" fmla="*/ 303853 h 2059445"/>
+                <a:gd name="connsiteX20" fmla="*/ 699074 w 1164993"/>
+                <a:gd name="connsiteY20" fmla="*/ 438898 h 2059445"/>
+                <a:gd name="connsiteX21" fmla="*/ 465919 w 1164993"/>
+                <a:gd name="connsiteY21" fmla="*/ 438898 h 2059445"/>
+                <a:gd name="connsiteX22" fmla="*/ 465919 w 1164993"/>
+                <a:gd name="connsiteY22" fmla="*/ 303853 h 2059445"/>
+                <a:gd name="connsiteX23" fmla="*/ 428032 w 1164993"/>
+                <a:gd name="connsiteY23" fmla="*/ 135046 h 2059445"/>
+                <a:gd name="connsiteX24" fmla="*/ 739877 w 1164993"/>
+                <a:gd name="connsiteY24" fmla="*/ 135046 h 2059445"/>
+                <a:gd name="connsiteX25" fmla="*/ 699074 w 1164993"/>
+                <a:gd name="connsiteY25" fmla="*/ 303853 h 2059445"/>
+              </a:gdLst>
+              <a:ahLst/>
+              <a:cxnLst>
+                <a:cxn ang="0">
+                  <a:pos x="connsiteX0" y="connsiteY0"/>
+                </a:cxn>
+                <a:cxn ang="0">
+                  <a:pos x="connsiteX1" y="connsiteY1"/>
+                </a:cxn>
+                <a:cxn ang="0">
+                  <a:pos x="connsiteX2" y="connsiteY2"/>
+                </a:cxn>
+                <a:cxn ang="0">
+                  <a:pos x="connsiteX3" y="connsiteY3"/>
+                </a:cxn>
+                <a:cxn ang="0">
+                  <a:pos x="connsiteX4" y="connsiteY4"/>
+                </a:cxn>
+                <a:cxn ang="0">
+                  <a:pos x="connsiteX5" y="connsiteY5"/>
+                </a:cxn>
+                <a:cxn ang="0">
+                  <a:pos x="connsiteX6" y="connsiteY6"/>
+                </a:cxn>
+                <a:cxn ang="0">
+                  <a:pos x="connsiteX7" y="connsiteY7"/>
+                </a:cxn>
+                <a:cxn ang="0">
+                  <a:pos x="connsiteX8" y="connsiteY8"/>
+                </a:cxn>
+                <a:cxn ang="0">
+                  <a:pos x="connsiteX9" y="connsiteY9"/>
+                </a:cxn>
+                <a:cxn ang="0">
+                  <a:pos x="connsiteX10" y="connsiteY10"/>
+                </a:cxn>
+                <a:cxn ang="0">
+                  <a:pos x="connsiteX11" y="connsiteY11"/>
+                </a:cxn>
+                <a:cxn ang="0">
+                  <a:pos x="connsiteX12" y="connsiteY12"/>
+                </a:cxn>
+                <a:cxn ang="0">
+                  <a:pos x="connsiteX13" y="connsiteY13"/>
+                </a:cxn>
+                <a:cxn ang="0">
+                  <a:pos x="connsiteX14" y="connsiteY14"/>
+                </a:cxn>
+                <a:cxn ang="0">
+                  <a:pos x="connsiteX15" y="connsiteY15"/>
+                </a:cxn>
+                <a:cxn ang="0">
+                  <a:pos x="connsiteX16" y="connsiteY16"/>
+                </a:cxn>
+                <a:cxn ang="0">
+                  <a:pos x="connsiteX17" y="connsiteY17"/>
+                </a:cxn>
+                <a:cxn ang="0">
+                  <a:pos x="connsiteX18" y="connsiteY18"/>
+                </a:cxn>
+                <a:cxn ang="0">
+                  <a:pos x="connsiteX19" y="connsiteY19"/>
+                </a:cxn>
+                <a:cxn ang="0">
+                  <a:pos x="connsiteX20" y="connsiteY20"/>
+                </a:cxn>
+                <a:cxn ang="0">
+                  <a:pos x="connsiteX21" y="connsiteY21"/>
+                </a:cxn>
+                <a:cxn ang="0">
+                  <a:pos x="connsiteX22" y="connsiteY22"/>
+                </a:cxn>
+                <a:cxn ang="0">
+                  <a:pos x="connsiteX23" y="connsiteY23"/>
+                </a:cxn>
+                <a:cxn ang="0">
+                  <a:pos x="connsiteX24" y="connsiteY24"/>
+                </a:cxn>
+                <a:cxn ang="0">
+                  <a:pos x="connsiteX25" y="connsiteY25"/>
+                </a:cxn>
+              </a:cxnLst>
+              <a:rect l="l" t="t" r="r" b="b"/>
+              <a:pathLst>
+                <a:path w="1164993" h="2059445">
+                  <a:moveTo>
+                    <a:pt x="1150812" y="1775849"/>
+                  </a:moveTo>
+                  <a:lnTo>
+                    <a:pt x="815652" y="898053"/>
+                  </a:lnTo>
+                  <a:lnTo>
+                    <a:pt x="815652" y="303853"/>
+                  </a:lnTo>
+                  <a:cubicBezTo>
+                    <a:pt x="815652" y="182312"/>
+                    <a:pt x="900171" y="131670"/>
+                    <a:pt x="903085" y="128293"/>
+                  </a:cubicBezTo>
+                  <a:cubicBezTo>
+                    <a:pt x="932229" y="111413"/>
+                    <a:pt x="943887" y="70899"/>
+                    <a:pt x="929315" y="37137"/>
+                  </a:cubicBezTo>
+                  <a:cubicBezTo>
+                    <a:pt x="917657" y="13505"/>
+                    <a:pt x="897256" y="0"/>
+                    <a:pt x="873941" y="0"/>
+                  </a:cubicBezTo>
+                  <a:lnTo>
+                    <a:pt x="873941" y="0"/>
+                  </a:lnTo>
+                  <a:lnTo>
+                    <a:pt x="291053" y="0"/>
+                  </a:lnTo>
+                  <a:lnTo>
+                    <a:pt x="291053" y="0"/>
+                  </a:lnTo>
+                  <a:cubicBezTo>
+                    <a:pt x="267738" y="0"/>
+                    <a:pt x="247337" y="13505"/>
+                    <a:pt x="235679" y="37137"/>
+                  </a:cubicBezTo>
+                  <a:cubicBezTo>
+                    <a:pt x="221107" y="70899"/>
+                    <a:pt x="232764" y="111413"/>
+                    <a:pt x="261909" y="128293"/>
+                  </a:cubicBezTo>
+                  <a:cubicBezTo>
+                    <a:pt x="261909" y="128293"/>
+                    <a:pt x="349342" y="182312"/>
+                    <a:pt x="349342" y="303853"/>
+                  </a:cubicBezTo>
+                  <a:lnTo>
+                    <a:pt x="349342" y="898053"/>
+                  </a:lnTo>
+                  <a:lnTo>
+                    <a:pt x="14182" y="1775849"/>
+                  </a:lnTo>
+                  <a:cubicBezTo>
+                    <a:pt x="-9134" y="1839996"/>
+                    <a:pt x="-3305" y="1910895"/>
+                    <a:pt x="28754" y="1968290"/>
+                  </a:cubicBezTo>
+                  <a:cubicBezTo>
+                    <a:pt x="60813" y="2025684"/>
+                    <a:pt x="116187" y="2059445"/>
+                    <a:pt x="174476" y="2059445"/>
+                  </a:cubicBezTo>
+                  <a:lnTo>
+                    <a:pt x="990518" y="2059445"/>
+                  </a:lnTo>
+                  <a:cubicBezTo>
+                    <a:pt x="1048807" y="2059445"/>
+                    <a:pt x="1104181" y="2025684"/>
+                    <a:pt x="1136240" y="1968290"/>
+                  </a:cubicBezTo>
+                  <a:cubicBezTo>
+                    <a:pt x="1168299" y="1910895"/>
+                    <a:pt x="1174128" y="1839996"/>
+                    <a:pt x="1150812" y="1775849"/>
+                  </a:cubicBezTo>
+                  <a:close/>
+                  <a:moveTo>
+                    <a:pt x="699074" y="303853"/>
+                  </a:moveTo>
+                  <a:lnTo>
+                    <a:pt x="699074" y="438898"/>
+                  </a:lnTo>
+                  <a:lnTo>
+                    <a:pt x="465919" y="438898"/>
+                  </a:lnTo>
+                  <a:lnTo>
+                    <a:pt x="465919" y="303853"/>
+                  </a:lnTo>
+                  <a:cubicBezTo>
+                    <a:pt x="465919" y="232954"/>
+                    <a:pt x="448433" y="178935"/>
+                    <a:pt x="428032" y="135046"/>
+                  </a:cubicBezTo>
+                  <a:lnTo>
+                    <a:pt x="739877" y="135046"/>
+                  </a:lnTo>
+                  <a:cubicBezTo>
+                    <a:pt x="716561" y="178935"/>
+                    <a:pt x="699074" y="232954"/>
+                    <a:pt x="699074" y="303853"/>
+                  </a:cubicBezTo>
+                  <a:close/>
+                </a:path>
+              </a:pathLst>
+            </a:custGeom>
+            <a:solidFill>
+              <a:schemeClr val="accent1"/>
+            </a:solidFill>
+            <a:ln w="29071" cap="flat">
+              <a:solidFill>
+                <a:schemeClr val="accent1"/>
+              </a:solidFill>
+              <a:prstDash val="solid"/>
+              <a:miter/>
+            </a:ln>
+          </p:spPr>
+          <p:txBody>
+            <a:bodyPr rtlCol="0" anchor="ctr"/>
+            <a:lstStyle/>
+            <a:p>
+              <a:endParaRPr lang="en-US"/>
+            </a:p>
+          </p:txBody>
+        </p:sp>
+      </p:grpSp>
     </p:spTree>
     <p:extLst>
       <p:ext uri="{BB962C8B-B14F-4D97-AF65-F5344CB8AC3E}">
-        <p14:creationId xmlns:p14="http://schemas.microsoft.com/office/powerpoint/2010/main" val="4210341571"/>
+        <p14:creationId xmlns:p14="http://schemas.microsoft.com/office/powerpoint/2010/main" val="3236225171"/>
+      </p:ext>
+    </p:extLst>
+  </p:cSld>
+  <p:clrMapOvr>
+    <a:masterClrMapping/>
+  </p:clrMapOvr>
+</p:sld>
+</file>
+
+<file path=ppt/slides/slide5.xml><?xml version="1.0" encoding="utf-8"?>
+<p:sld xmlns:a="http://schemas.openxmlformats.org/drawingml/2006/main" xmlns:r="http://schemas.openxmlformats.org/officeDocument/2006/relationships" xmlns:p="http://schemas.openxmlformats.org/presentationml/2006/main">
+  <p:cSld>
+    <p:bg>
+      <p:bgPr>
+        <a:solidFill>
+          <a:schemeClr val="bg1">
+            <a:lumMod val="95000"/>
+          </a:schemeClr>
+        </a:solidFill>
+        <a:effectLst/>
+      </p:bgPr>
+    </p:bg>
+    <p:spTree>
+      <p:nvGrpSpPr>
+        <p:cNvPr id="1" name=""/>
+        <p:cNvGrpSpPr/>
+        <p:nvPr/>
+      </p:nvGrpSpPr>
+      <p:grpSpPr>
+        <a:xfrm>
+          <a:off x="0" y="0"/>
+          <a:ext cx="0" cy="0"/>
+          <a:chOff x="0" y="0"/>
+          <a:chExt cx="0" cy="0"/>
+        </a:xfrm>
+      </p:grpSpPr>
+      <p:sp>
+        <p:nvSpPr>
+          <p:cNvPr id="67" name="Rectangle 66">
+            <a:extLst>
+              <a:ext uri="{FF2B5EF4-FFF2-40B4-BE49-F238E27FC236}">
+                <a16:creationId xmlns:a16="http://schemas.microsoft.com/office/drawing/2014/main" id="{904DB13E-F722-4ED6-BB00-556651E95281}"/>
+              </a:ext>
+              <a:ext uri="{C183D7F6-B498-43B3-948B-1728B52AA6E4}">
+                <adec:decorative xmlns:adec="http://schemas.microsoft.com/office/drawing/2017/decorative" val="1"/>
+              </a:ext>
+            </a:extLst>
+          </p:cNvPr>
+          <p:cNvSpPr>
+            <a:spLocks noGrp="1" noRot="1" noChangeAspect="1" noMove="1" noResize="1" noEditPoints="1" noAdjustHandles="1" noChangeArrowheads="1" noChangeShapeType="1" noTextEdit="1"/>
+          </p:cNvSpPr>
+          <p:nvPr>
+            <p:extLst>
+              <p:ext uri="{386F3935-93C4-4BCD-93E2-E3B085C9AB24}">
+                <p16:designElem xmlns:p16="http://schemas.microsoft.com/office/powerpoint/2015/main" val="1"/>
+              </p:ext>
+            </p:extLst>
+          </p:nvPr>
+        </p:nvSpPr>
+        <p:spPr>
+          <a:xfrm>
+            <a:off x="0" y="0"/>
+            <a:ext cx="12192000" cy="6858000"/>
+          </a:xfrm>
+          <a:prstGeom prst="rect">
+            <a:avLst/>
+          </a:prstGeom>
+          <a:solidFill>
+            <a:schemeClr val="tx1">
+              <a:lumMod val="65000"/>
+              <a:lumOff val="35000"/>
+            </a:schemeClr>
+          </a:solidFill>
+          <a:ln>
+            <a:noFill/>
+          </a:ln>
+        </p:spPr>
+        <p:style>
+          <a:lnRef idx="2">
+            <a:schemeClr val="accent1">
+              <a:shade val="50000"/>
+            </a:schemeClr>
+          </a:lnRef>
+          <a:fillRef idx="1">
+            <a:schemeClr val="accent1"/>
+          </a:fillRef>
+          <a:effectRef idx="0">
+            <a:schemeClr val="accent1"/>
+          </a:effectRef>
+          <a:fontRef idx="minor">
+            <a:schemeClr val="lt1"/>
+          </a:fontRef>
+        </p:style>
+        <p:txBody>
+          <a:bodyPr rtlCol="0" anchor="ctr"/>
+          <a:lstStyle/>
+          <a:p>
+            <a:pPr algn="ctr"/>
+            <a:endParaRPr lang="en-US"/>
+          </a:p>
+        </p:txBody>
+      </p:sp>
+      <p:sp useBgFill="1">
+        <p:nvSpPr>
+          <p:cNvPr id="69" name="Rectangle 68">
+            <a:extLst>
+              <a:ext uri="{FF2B5EF4-FFF2-40B4-BE49-F238E27FC236}">
+                <a16:creationId xmlns:a16="http://schemas.microsoft.com/office/drawing/2014/main" id="{7B58A187-A4B1-42EB-A4C7-8635BA507BCE}"/>
+              </a:ext>
+              <a:ext uri="{C183D7F6-B498-43B3-948B-1728B52AA6E4}">
+                <adec:decorative xmlns:adec="http://schemas.microsoft.com/office/drawing/2017/decorative" val="1"/>
+              </a:ext>
+            </a:extLst>
+          </p:cNvPr>
+          <p:cNvSpPr>
+            <a:spLocks noGrp="1" noRot="1" noChangeAspect="1" noMove="1" noResize="1" noEditPoints="1" noAdjustHandles="1" noChangeArrowheads="1" noChangeShapeType="1" noTextEdit="1"/>
+          </p:cNvSpPr>
+          <p:nvPr>
+            <p:extLst>
+              <p:ext uri="{386F3935-93C4-4BCD-93E2-E3B085C9AB24}">
+                <p16:designElem xmlns:p16="http://schemas.microsoft.com/office/powerpoint/2015/main" val="1"/>
+              </p:ext>
+            </p:extLst>
+          </p:nvPr>
+        </p:nvSpPr>
+        <p:spPr>
+          <a:xfrm>
+            <a:off x="1307870" y="1267730"/>
+            <a:ext cx="9576262" cy="4307950"/>
+          </a:xfrm>
+          <a:prstGeom prst="rect">
+            <a:avLst/>
+          </a:prstGeom>
+          <a:ln w="6350" cap="flat" cmpd="sng" algn="ctr">
+            <a:noFill/>
+            <a:prstDash val="solid"/>
+          </a:ln>
+          <a:effectLst>
+            <a:outerShdw blurRad="50800" algn="ctr" rotWithShape="0">
+              <a:prstClr val="black">
+                <a:alpha val="66000"/>
+              </a:prstClr>
+            </a:outerShdw>
+            <a:softEdge rad="0"/>
+          </a:effectLst>
+        </p:spPr>
+      </p:sp>
+      <p:sp>
+        <p:nvSpPr>
+          <p:cNvPr id="71" name="Rectangle 70">
+            <a:extLst>
+              <a:ext uri="{FF2B5EF4-FFF2-40B4-BE49-F238E27FC236}">
+                <a16:creationId xmlns:a16="http://schemas.microsoft.com/office/drawing/2014/main" id="{37F14E7F-3054-458C-ACF9-A8DA1757C65C}"/>
+              </a:ext>
+              <a:ext uri="{C183D7F6-B498-43B3-948B-1728B52AA6E4}">
+                <adec:decorative xmlns:adec="http://schemas.microsoft.com/office/drawing/2017/decorative" val="1"/>
+              </a:ext>
+            </a:extLst>
+          </p:cNvPr>
+          <p:cNvSpPr>
+            <a:spLocks noGrp="1" noRot="1" noChangeAspect="1" noMove="1" noResize="1" noEditPoints="1" noAdjustHandles="1" noChangeArrowheads="1" noChangeShapeType="1" noTextEdit="1"/>
+          </p:cNvSpPr>
+          <p:nvPr>
+            <p:extLst>
+              <p:ext uri="{386F3935-93C4-4BCD-93E2-E3B085C9AB24}">
+                <p16:designElem xmlns:p16="http://schemas.microsoft.com/office/powerpoint/2015/main" val="1"/>
+              </p:ext>
+            </p:extLst>
+          </p:nvPr>
+        </p:nvSpPr>
+        <p:spPr>
+          <a:xfrm>
+            <a:off x="1447801" y="1411615"/>
+            <a:ext cx="9296400" cy="4034770"/>
+          </a:xfrm>
+          <a:prstGeom prst="rect">
+            <a:avLst/>
+          </a:prstGeom>
+          <a:noFill/>
+          <a:ln w="6350" cap="sq" cmpd="sng" algn="ctr">
+            <a:solidFill>
+              <a:schemeClr val="tx1">
+                <a:lumMod val="75000"/>
+                <a:lumOff val="25000"/>
+              </a:schemeClr>
+            </a:solidFill>
+            <a:prstDash val="solid"/>
+            <a:miter lim="800000"/>
+          </a:ln>
+          <a:effectLst/>
+        </p:spPr>
+      </p:sp>
+      <p:sp>
+        <p:nvSpPr>
+          <p:cNvPr id="73" name="Rectangle 72">
+            <a:extLst>
+              <a:ext uri="{FF2B5EF4-FFF2-40B4-BE49-F238E27FC236}">
+                <a16:creationId xmlns:a16="http://schemas.microsoft.com/office/drawing/2014/main" id="{93747C1C-97FC-4D70-A6C8-A01FBCF5A9DC}"/>
+              </a:ext>
+              <a:ext uri="{C183D7F6-B498-43B3-948B-1728B52AA6E4}">
+                <adec:decorative xmlns:adec="http://schemas.microsoft.com/office/drawing/2017/decorative" val="1"/>
+              </a:ext>
+            </a:extLst>
+          </p:cNvPr>
+          <p:cNvSpPr>
+            <a:spLocks noGrp="1" noRot="1" noChangeAspect="1" noMove="1" noResize="1" noEditPoints="1" noAdjustHandles="1" noChangeArrowheads="1" noChangeShapeType="1" noTextEdit="1"/>
+          </p:cNvSpPr>
+          <p:nvPr>
+            <p:extLst>
+              <p:ext uri="{386F3935-93C4-4BCD-93E2-E3B085C9AB24}">
+                <p16:designElem xmlns:p16="http://schemas.microsoft.com/office/powerpoint/2015/main" val="1"/>
+              </p:ext>
+            </p:extLst>
+          </p:nvPr>
+        </p:nvSpPr>
+        <p:spPr>
+          <a:xfrm>
+            <a:off x="5135880" y="1267730"/>
+            <a:ext cx="1920240" cy="731520"/>
+          </a:xfrm>
+          <a:prstGeom prst="rect">
+            <a:avLst/>
+          </a:prstGeom>
+          <a:solidFill>
+            <a:schemeClr val="accent1"/>
+          </a:solidFill>
+          <a:ln>
+            <a:noFill/>
+          </a:ln>
+        </p:spPr>
+        <p:style>
+          <a:lnRef idx="2">
+            <a:schemeClr val="accent1">
+              <a:shade val="50000"/>
+            </a:schemeClr>
+          </a:lnRef>
+          <a:fillRef idx="1">
+            <a:schemeClr val="accent1"/>
+          </a:fillRef>
+          <a:effectRef idx="0">
+            <a:schemeClr val="accent1"/>
+          </a:effectRef>
+          <a:fontRef idx="minor">
+            <a:schemeClr val="lt1"/>
+          </a:fontRef>
+        </p:style>
+      </p:sp>
+      <p:grpSp>
+        <p:nvGrpSpPr>
+          <p:cNvPr id="75" name="Group 74">
+            <a:extLst>
+              <a:ext uri="{FF2B5EF4-FFF2-40B4-BE49-F238E27FC236}">
+                <a16:creationId xmlns:a16="http://schemas.microsoft.com/office/drawing/2014/main" id="{E26428D7-C6F3-473D-A360-A3F5C3E8728C}"/>
+              </a:ext>
+              <a:ext uri="{C183D7F6-B498-43B3-948B-1728B52AA6E4}">
+                <adec:decorative xmlns:adec="http://schemas.microsoft.com/office/drawing/2017/decorative" val="1"/>
+              </a:ext>
+            </a:extLst>
+          </p:cNvPr>
+          <p:cNvGrpSpPr>
+            <a:grpSpLocks noGrp="1" noUngrp="1" noRot="1" noChangeAspect="1" noMove="1" noResize="1"/>
+          </p:cNvGrpSpPr>
+          <p:nvPr>
+            <p:extLst>
+              <p:ext uri="{386F3935-93C4-4BCD-93E2-E3B085C9AB24}">
+                <p16:designElem xmlns:p16="http://schemas.microsoft.com/office/powerpoint/2015/main" val="1"/>
+              </p:ext>
+            </p:extLst>
+          </p:nvPr>
+        </p:nvGrpSpPr>
+        <p:grpSpPr>
+          <a:xfrm>
+            <a:off x="5250180" y="1267730"/>
+            <a:ext cx="1691640" cy="615934"/>
+            <a:chOff x="5250180" y="1267730"/>
+            <a:chExt cx="1691640" cy="615934"/>
+          </a:xfrm>
+        </p:grpSpPr>
+        <p:cxnSp>
+          <p:nvCxnSpPr>
+            <p:cNvPr id="76" name="Straight Connector 75">
+              <a:extLst>
+                <a:ext uri="{FF2B5EF4-FFF2-40B4-BE49-F238E27FC236}">
+                  <a16:creationId xmlns:a16="http://schemas.microsoft.com/office/drawing/2014/main" id="{05CDC370-AE44-4300-98BA-FE204E881765}"/>
+                </a:ext>
+                <a:ext uri="{C183D7F6-B498-43B3-948B-1728B52AA6E4}">
+                  <adec:decorative xmlns:adec="http://schemas.microsoft.com/office/drawing/2017/decorative" val="1"/>
+                </a:ext>
+              </a:extLst>
+            </p:cNvPr>
+            <p:cNvCxnSpPr/>
+            <p:nvPr>
+              <p:extLst>
+                <p:ext uri="{386F3935-93C4-4BCD-93E2-E3B085C9AB24}">
+                  <p16:designElem xmlns:p16="http://schemas.microsoft.com/office/powerpoint/2015/main" val="1"/>
+                </p:ext>
+              </p:extLst>
+            </p:nvPr>
+          </p:nvCxnSpPr>
+          <p:spPr>
+            <a:xfrm>
+              <a:off x="5250180" y="1267730"/>
+              <a:ext cx="0" cy="612648"/>
+            </a:xfrm>
+            <a:prstGeom prst="line">
+              <a:avLst/>
+            </a:prstGeom>
+            <a:solidFill>
+              <a:schemeClr val="tx1">
+                <a:lumMod val="85000"/>
+                <a:lumOff val="15000"/>
+              </a:schemeClr>
+            </a:solidFill>
+            <a:ln>
+              <a:solidFill>
+                <a:srgbClr val="FFFFFF"/>
+              </a:solidFill>
+              <a:miter lim="800000"/>
+            </a:ln>
+          </p:spPr>
+          <p:style>
+            <a:lnRef idx="1">
+              <a:schemeClr val="accent1"/>
+            </a:lnRef>
+            <a:fillRef idx="0">
+              <a:schemeClr val="accent1"/>
+            </a:fillRef>
+            <a:effectRef idx="0">
+              <a:schemeClr val="accent1"/>
+            </a:effectRef>
+            <a:fontRef idx="minor">
+              <a:schemeClr val="tx1"/>
+            </a:fontRef>
+          </p:style>
+        </p:cxnSp>
+        <p:cxnSp>
+          <p:nvCxnSpPr>
+            <p:cNvPr id="77" name="Straight Connector 76">
+              <a:extLst>
+                <a:ext uri="{FF2B5EF4-FFF2-40B4-BE49-F238E27FC236}">
+                  <a16:creationId xmlns:a16="http://schemas.microsoft.com/office/drawing/2014/main" id="{47B15501-CB9A-4642-80EE-2876EF039EB8}"/>
+                </a:ext>
+                <a:ext uri="{C183D7F6-B498-43B3-948B-1728B52AA6E4}">
+                  <adec:decorative xmlns:adec="http://schemas.microsoft.com/office/drawing/2017/decorative" val="1"/>
+                </a:ext>
+              </a:extLst>
+            </p:cNvPr>
+            <p:cNvCxnSpPr/>
+            <p:nvPr>
+              <p:extLst>
+                <p:ext uri="{386F3935-93C4-4BCD-93E2-E3B085C9AB24}">
+                  <p16:designElem xmlns:p16="http://schemas.microsoft.com/office/powerpoint/2015/main" val="1"/>
+                </p:ext>
+              </p:extLst>
+            </p:nvPr>
+          </p:nvCxnSpPr>
+          <p:spPr>
+            <a:xfrm>
+              <a:off x="6941820" y="1267730"/>
+              <a:ext cx="0" cy="612648"/>
+            </a:xfrm>
+            <a:prstGeom prst="line">
+              <a:avLst/>
+            </a:prstGeom>
+            <a:solidFill>
+              <a:schemeClr val="tx1">
+                <a:lumMod val="85000"/>
+                <a:lumOff val="15000"/>
+              </a:schemeClr>
+            </a:solidFill>
+            <a:ln>
+              <a:solidFill>
+                <a:srgbClr val="FFFFFF"/>
+              </a:solidFill>
+              <a:miter lim="800000"/>
+            </a:ln>
+          </p:spPr>
+          <p:style>
+            <a:lnRef idx="1">
+              <a:schemeClr val="accent1"/>
+            </a:lnRef>
+            <a:fillRef idx="0">
+              <a:schemeClr val="accent1"/>
+            </a:fillRef>
+            <a:effectRef idx="0">
+              <a:schemeClr val="accent1"/>
+            </a:effectRef>
+            <a:fontRef idx="minor">
+              <a:schemeClr val="tx1"/>
+            </a:fontRef>
+          </p:style>
+        </p:cxnSp>
+        <p:cxnSp>
+          <p:nvCxnSpPr>
+            <p:cNvPr id="78" name="Straight Connector 77">
+              <a:extLst>
+                <a:ext uri="{FF2B5EF4-FFF2-40B4-BE49-F238E27FC236}">
+                  <a16:creationId xmlns:a16="http://schemas.microsoft.com/office/drawing/2014/main" id="{6AFF9525-325F-47B3-A63C-93C12253AD76}"/>
+                </a:ext>
+                <a:ext uri="{C183D7F6-B498-43B3-948B-1728B52AA6E4}">
+                  <adec:decorative xmlns:adec="http://schemas.microsoft.com/office/drawing/2017/decorative" val="1"/>
+                </a:ext>
+              </a:extLst>
+            </p:cNvPr>
+            <p:cNvCxnSpPr/>
+            <p:nvPr>
+              <p:extLst>
+                <p:ext uri="{386F3935-93C4-4BCD-93E2-E3B085C9AB24}">
+                  <p16:designElem xmlns:p16="http://schemas.microsoft.com/office/powerpoint/2015/main" val="1"/>
+                </p:ext>
+              </p:extLst>
+            </p:nvPr>
+          </p:nvCxnSpPr>
+          <p:spPr>
+            <a:xfrm>
+              <a:off x="5250180" y="1883664"/>
+              <a:ext cx="1691640" cy="0"/>
+            </a:xfrm>
+            <a:prstGeom prst="line">
+              <a:avLst/>
+            </a:prstGeom>
+            <a:solidFill>
+              <a:schemeClr val="tx1">
+                <a:lumMod val="85000"/>
+                <a:lumOff val="15000"/>
+              </a:schemeClr>
+            </a:solidFill>
+            <a:ln>
+              <a:solidFill>
+                <a:srgbClr val="FFFFFF"/>
+              </a:solidFill>
+              <a:miter lim="800000"/>
+            </a:ln>
+          </p:spPr>
+          <p:style>
+            <a:lnRef idx="1">
+              <a:schemeClr val="accent1"/>
+            </a:lnRef>
+            <a:fillRef idx="0">
+              <a:schemeClr val="accent1"/>
+            </a:fillRef>
+            <a:effectRef idx="0">
+              <a:schemeClr val="accent1"/>
+            </a:effectRef>
+            <a:fontRef idx="minor">
+              <a:schemeClr val="tx1"/>
+            </a:fontRef>
+          </p:style>
+        </p:cxnSp>
+      </p:grpSp>
+      <p:sp>
+        <p:nvSpPr>
+          <p:cNvPr id="80" name="Rectangle 79">
+            <a:extLst>
+              <a:ext uri="{FF2B5EF4-FFF2-40B4-BE49-F238E27FC236}">
+                <a16:creationId xmlns:a16="http://schemas.microsoft.com/office/drawing/2014/main" id="{D071C0CD-5EFD-45A1-AAFD-61C3D4A65188}"/>
+              </a:ext>
+              <a:ext uri="{C183D7F6-B498-43B3-948B-1728B52AA6E4}">
+                <adec:decorative xmlns:adec="http://schemas.microsoft.com/office/drawing/2017/decorative" val="1"/>
+              </a:ext>
+            </a:extLst>
+          </p:cNvPr>
+          <p:cNvSpPr>
+            <a:spLocks noGrp="1" noRot="1" noChangeAspect="1" noMove="1" noResize="1" noEditPoints="1" noAdjustHandles="1" noChangeArrowheads="1" noChangeShapeType="1" noTextEdit="1"/>
+          </p:cNvSpPr>
+          <p:nvPr>
+            <p:extLst>
+              <p:ext uri="{386F3935-93C4-4BCD-93E2-E3B085C9AB24}">
+                <p16:designElem xmlns:p16="http://schemas.microsoft.com/office/powerpoint/2015/main" val="1"/>
+              </p:ext>
+            </p:extLst>
+          </p:nvPr>
+        </p:nvSpPr>
+        <p:spPr>
+          <a:xfrm>
+            <a:off x="0" y="0"/>
+            <a:ext cx="12192000" cy="6858000"/>
+          </a:xfrm>
+          <a:prstGeom prst="rect">
+            <a:avLst/>
+          </a:prstGeom>
+          <a:solidFill>
+            <a:schemeClr val="accent1"/>
+          </a:solidFill>
+          <a:ln>
+            <a:noFill/>
+          </a:ln>
+        </p:spPr>
+        <p:style>
+          <a:lnRef idx="2">
+            <a:schemeClr val="accent1">
+              <a:shade val="50000"/>
+            </a:schemeClr>
+          </a:lnRef>
+          <a:fillRef idx="1002">
+            <a:schemeClr val="lt2"/>
+          </a:fillRef>
+          <a:effectRef idx="0">
+            <a:schemeClr val="accent1"/>
+          </a:effectRef>
+          <a:fontRef idx="minor">
+            <a:schemeClr val="lt1"/>
+          </a:fontRef>
+        </p:style>
+        <p:txBody>
+          <a:bodyPr rtlCol="0" anchor="ctr"/>
+          <a:lstStyle/>
+          <a:p>
+            <a:pPr algn="ctr"/>
+            <a:endParaRPr lang="en-US"/>
+          </a:p>
+        </p:txBody>
+      </p:sp>
+      <p:sp>
+        <p:nvSpPr>
+          <p:cNvPr id="82" name="Rectangle 81">
+            <a:extLst>
+              <a:ext uri="{FF2B5EF4-FFF2-40B4-BE49-F238E27FC236}">
+                <a16:creationId xmlns:a16="http://schemas.microsoft.com/office/drawing/2014/main" id="{8A03302C-20A2-4C4F-9760-E85AE1041385}"/>
+              </a:ext>
+              <a:ext uri="{C183D7F6-B498-43B3-948B-1728B52AA6E4}">
+                <adec:decorative xmlns:adec="http://schemas.microsoft.com/office/drawing/2017/decorative" val="1"/>
+              </a:ext>
+            </a:extLst>
+          </p:cNvPr>
+          <p:cNvSpPr>
+            <a:spLocks noGrp="1" noRot="1" noChangeAspect="1" noMove="1" noResize="1" noEditPoints="1" noAdjustHandles="1" noChangeArrowheads="1" noChangeShapeType="1" noTextEdit="1"/>
+          </p:cNvSpPr>
+          <p:nvPr>
+            <p:extLst>
+              <p:ext uri="{386F3935-93C4-4BCD-93E2-E3B085C9AB24}">
+                <p16:designElem xmlns:p16="http://schemas.microsoft.com/office/powerpoint/2015/main" val="1"/>
+              </p:ext>
+            </p:extLst>
+          </p:nvPr>
+        </p:nvSpPr>
+        <p:spPr>
+          <a:xfrm>
+            <a:off x="643337" y="643464"/>
+            <a:ext cx="10912338" cy="5571072"/>
+          </a:xfrm>
+          <a:prstGeom prst="rect">
+            <a:avLst/>
+          </a:prstGeom>
+          <a:solidFill>
+            <a:srgbClr val="FFFFFF"/>
+          </a:solidFill>
+          <a:ln w="6350" cap="flat" cmpd="sng" algn="ctr">
+            <a:noFill/>
+            <a:prstDash val="solid"/>
+          </a:ln>
+          <a:effectLst>
+            <a:outerShdw blurRad="50800" algn="ctr" rotWithShape="0">
+              <a:prstClr val="black">
+                <a:alpha val="66000"/>
+              </a:prstClr>
+            </a:outerShdw>
+            <a:softEdge rad="0"/>
+          </a:effectLst>
+        </p:spPr>
+      </p:sp>
+      <p:sp useBgFill="1">
+        <p:nvSpPr>
+          <p:cNvPr id="84" name="Rectangle 83">
+            <a:extLst>
+              <a:ext uri="{FF2B5EF4-FFF2-40B4-BE49-F238E27FC236}">
+                <a16:creationId xmlns:a16="http://schemas.microsoft.com/office/drawing/2014/main" id="{D00F093B-0739-4429-B30D-D72924D08871}"/>
+              </a:ext>
+              <a:ext uri="{C183D7F6-B498-43B3-948B-1728B52AA6E4}">
+                <adec:decorative xmlns:adec="http://schemas.microsoft.com/office/drawing/2017/decorative" val="1"/>
+              </a:ext>
+            </a:extLst>
+          </p:cNvPr>
+          <p:cNvSpPr>
+            <a:spLocks noGrp="1" noRot="1" noChangeAspect="1" noMove="1" noResize="1" noEditPoints="1" noAdjustHandles="1" noChangeArrowheads="1" noChangeShapeType="1" noTextEdit="1"/>
+          </p:cNvSpPr>
+          <p:nvPr>
+            <p:extLst>
+              <p:ext uri="{386F3935-93C4-4BCD-93E2-E3B085C9AB24}">
+                <p16:designElem xmlns:p16="http://schemas.microsoft.com/office/powerpoint/2015/main" val="1"/>
+              </p:ext>
+            </p:extLst>
+          </p:nvPr>
+        </p:nvSpPr>
+        <p:spPr>
+          <a:xfrm>
+            <a:off x="809702" y="809244"/>
+            <a:ext cx="10579608" cy="5239512"/>
+          </a:xfrm>
+          <a:prstGeom prst="rect">
+            <a:avLst/>
+          </a:prstGeom>
+          <a:ln w="6350" cap="sq" cmpd="sng" algn="ctr">
+            <a:solidFill>
+              <a:schemeClr val="tx1">
+                <a:lumMod val="75000"/>
+                <a:lumOff val="25000"/>
+              </a:schemeClr>
+            </a:solidFill>
+            <a:prstDash val="solid"/>
+            <a:miter lim="800000"/>
+          </a:ln>
+          <a:effectLst/>
+        </p:spPr>
+      </p:sp>
+      <p:sp>
+        <p:nvSpPr>
+          <p:cNvPr id="2" name="Title 1">
+            <a:extLst>
+              <a:ext uri="{FF2B5EF4-FFF2-40B4-BE49-F238E27FC236}">
+                <a16:creationId xmlns:a16="http://schemas.microsoft.com/office/drawing/2014/main" id="{45FE64F7-323E-4148-8304-8E70372E1808}"/>
+              </a:ext>
+            </a:extLst>
+          </p:cNvPr>
+          <p:cNvSpPr>
+            <a:spLocks noGrp="1"/>
+          </p:cNvSpPr>
+          <p:nvPr>
+            <p:ph type="title"/>
+          </p:nvPr>
+        </p:nvSpPr>
+        <p:spPr>
+          <a:xfrm>
+            <a:off x="947146" y="1830862"/>
+            <a:ext cx="10435152" cy="3391452"/>
+          </a:xfrm>
+          <a:effectLst>
+            <a:outerShdw blurRad="50800" dist="38100" dir="2700000" algn="tl" rotWithShape="0">
+              <a:prstClr val="black">
+                <a:alpha val="40000"/>
+              </a:prstClr>
+            </a:outerShdw>
+          </a:effectLst>
+        </p:spPr>
+        <p:txBody>
+          <a:bodyPr vert="horz" lIns="91440" tIns="45720" rIns="91440" bIns="45720" rtlCol="0" anchor="ctr">
+            <a:normAutofit fontScale="90000"/>
+          </a:bodyPr>
+          <a:lstStyle/>
+          <a:p>
+            <a:pPr>
+              <a:lnSpc>
+                <a:spcPct val="83000"/>
+              </a:lnSpc>
+            </a:pPr>
+            <a:r>
+              <a:rPr lang="en-US" sz="6000" b="1" cap="all" spc="-100" dirty="0"/>
+              <a:t>QUESTIONS</a:t>
+            </a:r>
+            <a:r>
+              <a:rPr lang="en-US" sz="4400" b="1" cap="all" spc="-100" dirty="0"/>
+              <a:t>:</a:t>
+            </a:r>
+            <a:br>
+              <a:rPr lang="en-US" sz="5300" cap="all" spc="-100" dirty="0"/>
+            </a:br>
+            <a:br>
+              <a:rPr lang="en-US" sz="5300" cap="all" spc="-100" dirty="0"/>
+            </a:br>
+            <a:br>
+              <a:rPr lang="en-US" sz="5300" cap="all" spc="-100" dirty="0"/>
+            </a:br>
+            <a:br>
+              <a:rPr lang="en-US" sz="4600" cap="all" spc="-100" dirty="0"/>
+            </a:br>
+            <a:br>
+              <a:rPr lang="en-US" sz="4600" cap="all" spc="-100" dirty="0"/>
+            </a:br>
+            <a:br>
+              <a:rPr lang="en-US" sz="4600" cap="all" spc="-100" dirty="0"/>
+            </a:br>
+            <a:r>
+              <a:rPr lang="en-US" sz="4600" cap="all" spc="-100" dirty="0"/>
+              <a:t> </a:t>
+            </a:r>
+          </a:p>
+        </p:txBody>
+      </p:sp>
+      <p:sp>
+        <p:nvSpPr>
+          <p:cNvPr id="86" name="Rectangle 85">
+            <a:extLst>
+              <a:ext uri="{FF2B5EF4-FFF2-40B4-BE49-F238E27FC236}">
+                <a16:creationId xmlns:a16="http://schemas.microsoft.com/office/drawing/2014/main" id="{1BB92999-6A40-480A-8965-2F20DFB032B5}"/>
+              </a:ext>
+              <a:ext uri="{C183D7F6-B498-43B3-948B-1728B52AA6E4}">
+                <adec:decorative xmlns:adec="http://schemas.microsoft.com/office/drawing/2017/decorative" val="1"/>
+              </a:ext>
+            </a:extLst>
+          </p:cNvPr>
+          <p:cNvSpPr>
+            <a:spLocks noGrp="1" noRot="1" noChangeAspect="1" noMove="1" noResize="1" noEditPoints="1" noAdjustHandles="1" noChangeArrowheads="1" noChangeShapeType="1" noTextEdit="1"/>
+          </p:cNvSpPr>
+          <p:nvPr>
+            <p:extLst>
+              <p:ext uri="{386F3935-93C4-4BCD-93E2-E3B085C9AB24}">
+                <p16:designElem xmlns:p16="http://schemas.microsoft.com/office/powerpoint/2015/main" val="1"/>
+              </p:ext>
+            </p:extLst>
+          </p:nvPr>
+        </p:nvSpPr>
+        <p:spPr>
+          <a:xfrm>
+            <a:off x="5135880" y="640856"/>
+            <a:ext cx="1920240" cy="731520"/>
+          </a:xfrm>
+          <a:prstGeom prst="rect">
+            <a:avLst/>
+          </a:prstGeom>
+          <a:solidFill>
+            <a:srgbClr val="D9D9D9"/>
+          </a:solidFill>
+          <a:ln>
+            <a:noFill/>
+          </a:ln>
+        </p:spPr>
+        <p:style>
+          <a:lnRef idx="2">
+            <a:schemeClr val="accent1">
+              <a:shade val="50000"/>
+            </a:schemeClr>
+          </a:lnRef>
+          <a:fillRef idx="1">
+            <a:schemeClr val="accent1"/>
+          </a:fillRef>
+          <a:effectRef idx="0">
+            <a:schemeClr val="accent1"/>
+          </a:effectRef>
+          <a:fontRef idx="minor">
+            <a:schemeClr val="lt1"/>
+          </a:fontRef>
+        </p:style>
+      </p:sp>
+      <p:cxnSp>
+        <p:nvCxnSpPr>
+          <p:cNvPr id="88" name="Straight Connector 87">
+            <a:extLst>
+              <a:ext uri="{FF2B5EF4-FFF2-40B4-BE49-F238E27FC236}">
+                <a16:creationId xmlns:a16="http://schemas.microsoft.com/office/drawing/2014/main" id="{15573B87-7D61-460C-9ADA-EF63674E3A97}"/>
+              </a:ext>
+              <a:ext uri="{C183D7F6-B498-43B3-948B-1728B52AA6E4}">
+                <adec:decorative xmlns:adec="http://schemas.microsoft.com/office/drawing/2017/decorative" val="1"/>
+              </a:ext>
+            </a:extLst>
+          </p:cNvPr>
+          <p:cNvCxnSpPr>
+            <a:cxnSpLocks noGrp="1" noRot="1" noChangeAspect="1" noMove="1" noResize="1" noEditPoints="1" noAdjustHandles="1" noChangeArrowheads="1" noChangeShapeType="1"/>
+          </p:cNvCxnSpPr>
+          <p:nvPr>
+            <p:extLst>
+              <p:ext uri="{386F3935-93C4-4BCD-93E2-E3B085C9AB24}">
+                <p16:designElem xmlns:p16="http://schemas.microsoft.com/office/powerpoint/2015/main" val="1"/>
+              </p:ext>
+            </p:extLst>
+          </p:nvPr>
+        </p:nvCxnSpPr>
+        <p:spPr>
+          <a:xfrm>
+            <a:off x="5250180" y="640855"/>
+            <a:ext cx="0" cy="640080"/>
+          </a:xfrm>
+          <a:prstGeom prst="line">
+            <a:avLst/>
+          </a:prstGeom>
+          <a:solidFill>
+            <a:schemeClr val="tx1">
+              <a:lumMod val="85000"/>
+              <a:lumOff val="15000"/>
+            </a:schemeClr>
+          </a:solidFill>
+          <a:ln>
+            <a:solidFill>
+              <a:srgbClr val="000000"/>
+            </a:solidFill>
+            <a:miter lim="800000"/>
+          </a:ln>
+        </p:spPr>
+        <p:style>
+          <a:lnRef idx="1">
+            <a:schemeClr val="accent1"/>
+          </a:lnRef>
+          <a:fillRef idx="0">
+            <a:schemeClr val="accent1"/>
+          </a:fillRef>
+          <a:effectRef idx="0">
+            <a:schemeClr val="accent1"/>
+          </a:effectRef>
+          <a:fontRef idx="minor">
+            <a:schemeClr val="tx1"/>
+          </a:fontRef>
+        </p:style>
+      </p:cxnSp>
+      <p:cxnSp>
+        <p:nvCxnSpPr>
+          <p:cNvPr id="90" name="Straight Connector 89">
+            <a:extLst>
+              <a:ext uri="{FF2B5EF4-FFF2-40B4-BE49-F238E27FC236}">
+                <a16:creationId xmlns:a16="http://schemas.microsoft.com/office/drawing/2014/main" id="{0AAF6B7C-985D-4351-9564-8DBDF5BB03EA}"/>
+              </a:ext>
+              <a:ext uri="{C183D7F6-B498-43B3-948B-1728B52AA6E4}">
+                <adec:decorative xmlns:adec="http://schemas.microsoft.com/office/drawing/2017/decorative" val="1"/>
+              </a:ext>
+            </a:extLst>
+          </p:cNvPr>
+          <p:cNvCxnSpPr>
+            <a:cxnSpLocks noGrp="1" noRot="1" noChangeAspect="1" noMove="1" noResize="1" noEditPoints="1" noAdjustHandles="1" noChangeArrowheads="1" noChangeShapeType="1"/>
+          </p:cNvCxnSpPr>
+          <p:nvPr>
+            <p:extLst>
+              <p:ext uri="{386F3935-93C4-4BCD-93E2-E3B085C9AB24}">
+                <p16:designElem xmlns:p16="http://schemas.microsoft.com/office/powerpoint/2015/main" val="1"/>
+              </p:ext>
+            </p:extLst>
+          </p:nvPr>
+        </p:nvCxnSpPr>
+        <p:spPr>
+          <a:xfrm>
+            <a:off x="6941820" y="640855"/>
+            <a:ext cx="0" cy="640080"/>
+          </a:xfrm>
+          <a:prstGeom prst="line">
+            <a:avLst/>
+          </a:prstGeom>
+          <a:solidFill>
+            <a:schemeClr val="tx1">
+              <a:lumMod val="85000"/>
+              <a:lumOff val="15000"/>
+            </a:schemeClr>
+          </a:solidFill>
+          <a:ln>
+            <a:solidFill>
+              <a:srgbClr val="000000"/>
+            </a:solidFill>
+            <a:miter lim="800000"/>
+          </a:ln>
+        </p:spPr>
+        <p:style>
+          <a:lnRef idx="1">
+            <a:schemeClr val="accent1"/>
+          </a:lnRef>
+          <a:fillRef idx="0">
+            <a:schemeClr val="accent1"/>
+          </a:fillRef>
+          <a:effectRef idx="0">
+            <a:schemeClr val="accent1"/>
+          </a:effectRef>
+          <a:fontRef idx="minor">
+            <a:schemeClr val="tx1"/>
+          </a:fontRef>
+        </p:style>
+      </p:cxnSp>
+      <p:cxnSp>
+        <p:nvCxnSpPr>
+          <p:cNvPr id="92" name="Straight Connector 91">
+            <a:extLst>
+              <a:ext uri="{FF2B5EF4-FFF2-40B4-BE49-F238E27FC236}">
+                <a16:creationId xmlns:a16="http://schemas.microsoft.com/office/drawing/2014/main" id="{F88433F4-33AB-4CE1-9DE3-72A8403654F1}"/>
+              </a:ext>
+              <a:ext uri="{C183D7F6-B498-43B3-948B-1728B52AA6E4}">
+                <adec:decorative xmlns:adec="http://schemas.microsoft.com/office/drawing/2017/decorative" val="1"/>
+              </a:ext>
+            </a:extLst>
+          </p:cNvPr>
+          <p:cNvCxnSpPr>
+            <a:cxnSpLocks noGrp="1" noRot="1" noChangeAspect="1" noMove="1" noResize="1" noEditPoints="1" noAdjustHandles="1" noChangeArrowheads="1" noChangeShapeType="1"/>
+          </p:cNvCxnSpPr>
+          <p:nvPr>
+            <p:extLst>
+              <p:ext uri="{386F3935-93C4-4BCD-93E2-E3B085C9AB24}">
+                <p16:designElem xmlns:p16="http://schemas.microsoft.com/office/powerpoint/2015/main" val="1"/>
+              </p:ext>
+            </p:extLst>
+          </p:nvPr>
+        </p:nvCxnSpPr>
+        <p:spPr>
+          <a:xfrm>
+            <a:off x="5250180" y="1286150"/>
+            <a:ext cx="1691640" cy="0"/>
+          </a:xfrm>
+          <a:prstGeom prst="line">
+            <a:avLst/>
+          </a:prstGeom>
+          <a:solidFill>
+            <a:schemeClr val="tx1">
+              <a:lumMod val="85000"/>
+              <a:lumOff val="15000"/>
+            </a:schemeClr>
+          </a:solidFill>
+          <a:ln>
+            <a:solidFill>
+              <a:srgbClr val="000000"/>
+            </a:solidFill>
+            <a:miter lim="800000"/>
+          </a:ln>
+        </p:spPr>
+        <p:style>
+          <a:lnRef idx="1">
+            <a:schemeClr val="accent1"/>
+          </a:lnRef>
+          <a:fillRef idx="0">
+            <a:schemeClr val="accent1"/>
+          </a:fillRef>
+          <a:effectRef idx="0">
+            <a:schemeClr val="accent1"/>
+          </a:effectRef>
+          <a:fontRef idx="minor">
+            <a:schemeClr val="tx1"/>
+          </a:fontRef>
+        </p:style>
+      </p:cxnSp>
+      <p:sp>
+        <p:nvSpPr>
+          <p:cNvPr id="3" name="TextBox 2">
+            <a:extLst>
+              <a:ext uri="{FF2B5EF4-FFF2-40B4-BE49-F238E27FC236}">
+                <a16:creationId xmlns:a16="http://schemas.microsoft.com/office/drawing/2014/main" id="{3EEC53DE-D5BA-4AE0-AFD0-6A6DDBB76FAF}"/>
+              </a:ext>
+            </a:extLst>
+          </p:cNvPr>
+          <p:cNvSpPr txBox="1"/>
+          <p:nvPr/>
+        </p:nvSpPr>
+        <p:spPr>
+          <a:xfrm>
+            <a:off x="1141505" y="2209328"/>
+            <a:ext cx="9296399" cy="369332"/>
+          </a:xfrm>
+          <a:prstGeom prst="rect">
+            <a:avLst/>
+          </a:prstGeom>
+          <a:noFill/>
+        </p:spPr>
+        <p:txBody>
+          <a:bodyPr wrap="square" rtlCol="0">
+            <a:spAutoFit/>
+          </a:bodyPr>
+          <a:lstStyle/>
+          <a:p>
+            <a:r>
+              <a:rPr lang="en-US" dirty="0"/>
+              <a:t>1) Does the Total Population have a correlation to Unemployment?</a:t>
+            </a:r>
+          </a:p>
+        </p:txBody>
+      </p:sp>
+      <p:sp>
+        <p:nvSpPr>
+          <p:cNvPr id="4" name="TextBox 3">
+            <a:extLst>
+              <a:ext uri="{FF2B5EF4-FFF2-40B4-BE49-F238E27FC236}">
+                <a16:creationId xmlns:a16="http://schemas.microsoft.com/office/drawing/2014/main" id="{D187AF74-88A2-45A1-BFE7-2B6CD71883F1}"/>
+              </a:ext>
+            </a:extLst>
+          </p:cNvPr>
+          <p:cNvSpPr txBox="1"/>
+          <p:nvPr/>
+        </p:nvSpPr>
+        <p:spPr>
+          <a:xfrm>
+            <a:off x="1141503" y="2790760"/>
+            <a:ext cx="9296399" cy="369332"/>
+          </a:xfrm>
+          <a:prstGeom prst="rect">
+            <a:avLst/>
+          </a:prstGeom>
+          <a:noFill/>
+        </p:spPr>
+        <p:txBody>
+          <a:bodyPr wrap="square" rtlCol="0">
+            <a:spAutoFit/>
+          </a:bodyPr>
+          <a:lstStyle/>
+          <a:p>
+            <a:r>
+              <a:rPr lang="en-US" dirty="0"/>
+              <a:t>2) Does the increase or decrease Adult Population impact Poverty Rates?</a:t>
+            </a:r>
+          </a:p>
+        </p:txBody>
+      </p:sp>
+      <p:sp>
+        <p:nvSpPr>
+          <p:cNvPr id="5" name="TextBox 4">
+            <a:extLst>
+              <a:ext uri="{FF2B5EF4-FFF2-40B4-BE49-F238E27FC236}">
+                <a16:creationId xmlns:a16="http://schemas.microsoft.com/office/drawing/2014/main" id="{CC7A7FD9-5D18-47ED-8642-55B9A0F493EA}"/>
+              </a:ext>
+            </a:extLst>
+          </p:cNvPr>
+          <p:cNvSpPr txBox="1"/>
+          <p:nvPr/>
+        </p:nvSpPr>
+        <p:spPr>
+          <a:xfrm>
+            <a:off x="1141502" y="3287280"/>
+            <a:ext cx="9296399" cy="369332"/>
+          </a:xfrm>
+          <a:prstGeom prst="rect">
+            <a:avLst/>
+          </a:prstGeom>
+          <a:noFill/>
+        </p:spPr>
+        <p:txBody>
+          <a:bodyPr wrap="square" rtlCol="0">
+            <a:spAutoFit/>
+          </a:bodyPr>
+          <a:lstStyle/>
+          <a:p>
+            <a:r>
+              <a:rPr lang="en-US" dirty="0"/>
+              <a:t>3) Does Commute time influence Income average?</a:t>
+            </a:r>
+          </a:p>
+        </p:txBody>
+      </p:sp>
+      <p:sp>
+        <p:nvSpPr>
+          <p:cNvPr id="6" name="TextBox 5">
+            <a:extLst>
+              <a:ext uri="{FF2B5EF4-FFF2-40B4-BE49-F238E27FC236}">
+                <a16:creationId xmlns:a16="http://schemas.microsoft.com/office/drawing/2014/main" id="{63A21D44-6E3A-4EAE-B5A3-A05B70C36C1A}"/>
+              </a:ext>
+            </a:extLst>
+          </p:cNvPr>
+          <p:cNvSpPr txBox="1"/>
+          <p:nvPr/>
+        </p:nvSpPr>
+        <p:spPr>
+          <a:xfrm>
+            <a:off x="1141502" y="3793678"/>
+            <a:ext cx="9296399" cy="646331"/>
+          </a:xfrm>
+          <a:prstGeom prst="rect">
+            <a:avLst/>
+          </a:prstGeom>
+          <a:noFill/>
+        </p:spPr>
+        <p:txBody>
+          <a:bodyPr wrap="square" rtlCol="0">
+            <a:spAutoFit/>
+          </a:bodyPr>
+          <a:lstStyle/>
+          <a:p>
+            <a:r>
+              <a:rPr lang="en-US" dirty="0"/>
+              <a:t>4) What percentage of the populations makes up the state’s workforce(types, sectors)?</a:t>
+            </a:r>
+          </a:p>
+        </p:txBody>
+      </p:sp>
+      <p:sp>
+        <p:nvSpPr>
+          <p:cNvPr id="9" name="TextBox 8">
+            <a:extLst>
+              <a:ext uri="{FF2B5EF4-FFF2-40B4-BE49-F238E27FC236}">
+                <a16:creationId xmlns:a16="http://schemas.microsoft.com/office/drawing/2014/main" id="{C8577CF0-6ACA-4526-86BD-220FC05C670B}"/>
+              </a:ext>
+            </a:extLst>
+          </p:cNvPr>
+          <p:cNvSpPr txBox="1"/>
+          <p:nvPr/>
+        </p:nvSpPr>
+        <p:spPr>
+          <a:xfrm>
+            <a:off x="1141502" y="4461829"/>
+            <a:ext cx="9296399" cy="369332"/>
+          </a:xfrm>
+          <a:prstGeom prst="rect">
+            <a:avLst/>
+          </a:prstGeom>
+          <a:noFill/>
+        </p:spPr>
+        <p:txBody>
+          <a:bodyPr wrap="square" rtlCol="0">
+            <a:spAutoFit/>
+          </a:bodyPr>
+          <a:lstStyle/>
+          <a:p>
+            <a:r>
+              <a:rPr lang="en-US" dirty="0"/>
+              <a:t>5) Do states with Higher Income average correlate to the Professional sector?</a:t>
+            </a:r>
+          </a:p>
+        </p:txBody>
+      </p:sp>
+    </p:spTree>
+    <p:extLst>
+      <p:ext uri="{BB962C8B-B14F-4D97-AF65-F5344CB8AC3E}">
+        <p14:creationId xmlns:p14="http://schemas.microsoft.com/office/powerpoint/2010/main" val="2008703749"/>
+      </p:ext>
+    </p:extLst>
+  </p:cSld>
+  <p:clrMapOvr>
+    <a:masterClrMapping/>
+  </p:clrMapOvr>
+</p:sld>
+</file>
+
+<file path=ppt/slides/slide6.xml><?xml version="1.0" encoding="utf-8"?>
+<p:sld xmlns:a="http://schemas.openxmlformats.org/drawingml/2006/main" xmlns:r="http://schemas.openxmlformats.org/officeDocument/2006/relationships" xmlns:p="http://schemas.openxmlformats.org/presentationml/2006/main">
+  <p:cSld>
+    <p:bg>
+      <p:bgPr>
+        <a:solidFill>
+          <a:schemeClr val="bg1"/>
+        </a:solidFill>
+        <a:effectLst/>
+      </p:bgPr>
+    </p:bg>
+    <p:spTree>
+      <p:nvGrpSpPr>
+        <p:cNvPr id="1" name=""/>
+        <p:cNvGrpSpPr/>
+        <p:nvPr/>
+      </p:nvGrpSpPr>
+      <p:grpSpPr>
+        <a:xfrm>
+          <a:off x="0" y="0"/>
+          <a:ext cx="0" cy="0"/>
+          <a:chOff x="0" y="0"/>
+          <a:chExt cx="0" cy="0"/>
+        </a:xfrm>
+      </p:grpSpPr>
+      <p:sp useBgFill="1">
+        <p:nvSpPr>
+          <p:cNvPr id="22" name="Rectangle 21">
+            <a:extLst>
+              <a:ext uri="{FF2B5EF4-FFF2-40B4-BE49-F238E27FC236}">
+                <a16:creationId xmlns:a16="http://schemas.microsoft.com/office/drawing/2014/main" id="{1E94681D-2A4C-4A8D-B9B5-31D440D0328D}"/>
+              </a:ext>
+              <a:ext uri="{C183D7F6-B498-43B3-948B-1728B52AA6E4}">
+                <adec:decorative xmlns:adec="http://schemas.microsoft.com/office/drawing/2017/decorative" val="1"/>
+              </a:ext>
+            </a:extLst>
+          </p:cNvPr>
+          <p:cNvSpPr>
+            <a:spLocks noGrp="1" noRot="1" noChangeAspect="1" noMove="1" noResize="1" noEditPoints="1" noAdjustHandles="1" noChangeArrowheads="1" noChangeShapeType="1" noTextEdit="1"/>
+          </p:cNvSpPr>
+          <p:nvPr>
+            <p:extLst>
+              <p:ext uri="{386F3935-93C4-4BCD-93E2-E3B085C9AB24}">
+                <p16:designElem xmlns:p16="http://schemas.microsoft.com/office/powerpoint/2015/main" val="1"/>
+              </p:ext>
+            </p:extLst>
+          </p:nvPr>
+        </p:nvSpPr>
+        <p:spPr>
+          <a:xfrm>
+            <a:off x="0" y="0"/>
+            <a:ext cx="12192000" cy="6858000"/>
+          </a:xfrm>
+          <a:prstGeom prst="rect">
+            <a:avLst/>
+          </a:prstGeom>
+          <a:ln>
+            <a:noFill/>
+          </a:ln>
+        </p:spPr>
+        <p:style>
+          <a:lnRef idx="2">
+            <a:schemeClr val="accent1">
+              <a:shade val="50000"/>
+            </a:schemeClr>
+          </a:lnRef>
+          <a:fillRef idx="1">
+            <a:schemeClr val="accent1"/>
+          </a:fillRef>
+          <a:effectRef idx="0">
+            <a:schemeClr val="accent1"/>
+          </a:effectRef>
+          <a:fontRef idx="minor">
+            <a:schemeClr val="lt1"/>
+          </a:fontRef>
+        </p:style>
+        <p:txBody>
+          <a:bodyPr rtlCol="0" anchor="ctr"/>
+          <a:lstStyle/>
+          <a:p>
+            <a:pPr algn="ctr"/>
+            <a:endParaRPr lang="en-US"/>
+          </a:p>
+        </p:txBody>
+      </p:sp>
+      <p:sp>
+        <p:nvSpPr>
+          <p:cNvPr id="24" name="Rectangle 23">
+            <a:extLst>
+              <a:ext uri="{FF2B5EF4-FFF2-40B4-BE49-F238E27FC236}">
+                <a16:creationId xmlns:a16="http://schemas.microsoft.com/office/drawing/2014/main" id="{88DE9B99-ADEF-4DA4-A716-52D0A8BE5332}"/>
+              </a:ext>
+              <a:ext uri="{C183D7F6-B498-43B3-948B-1728B52AA6E4}">
+                <adec:decorative xmlns:adec="http://schemas.microsoft.com/office/drawing/2017/decorative" val="1"/>
+              </a:ext>
+            </a:extLst>
+          </p:cNvPr>
+          <p:cNvSpPr>
+            <a:spLocks noGrp="1" noRot="1" noChangeAspect="1" noMove="1" noResize="1" noEditPoints="1" noAdjustHandles="1" noChangeArrowheads="1" noChangeShapeType="1" noTextEdit="1"/>
+          </p:cNvSpPr>
+          <p:nvPr>
+            <p:extLst>
+              <p:ext uri="{386F3935-93C4-4BCD-93E2-E3B085C9AB24}">
+                <p16:designElem xmlns:p16="http://schemas.microsoft.com/office/powerpoint/2015/main" val="1"/>
+              </p:ext>
+            </p:extLst>
+          </p:nvPr>
+        </p:nvSpPr>
+        <p:spPr>
+          <a:xfrm>
+            <a:off x="234696" y="237744"/>
+            <a:ext cx="11722608" cy="6382512"/>
+          </a:xfrm>
+          <a:prstGeom prst="rect">
+            <a:avLst/>
+          </a:prstGeom>
+          <a:solidFill>
+            <a:schemeClr val="bg1">
+              <a:lumMod val="75000"/>
+              <a:alpha val="60000"/>
+            </a:schemeClr>
+          </a:solidFill>
+          <a:ln w="6350" cap="flat" cmpd="sng" algn="ctr">
+            <a:noFill/>
+            <a:prstDash val="solid"/>
+          </a:ln>
+          <a:effectLst>
+            <a:softEdge rad="0"/>
+          </a:effectLst>
+        </p:spPr>
+      </p:sp>
+      <p:sp>
+        <p:nvSpPr>
+          <p:cNvPr id="26" name="Rectangle 25">
+            <a:extLst>
+              <a:ext uri="{FF2B5EF4-FFF2-40B4-BE49-F238E27FC236}">
+                <a16:creationId xmlns:a16="http://schemas.microsoft.com/office/drawing/2014/main" id="{6E20860D-8992-496E-BC22-8450E344BED6}"/>
+              </a:ext>
+              <a:ext uri="{C183D7F6-B498-43B3-948B-1728B52AA6E4}">
+                <adec:decorative xmlns:adec="http://schemas.microsoft.com/office/drawing/2017/decorative" val="1"/>
+              </a:ext>
+            </a:extLst>
+          </p:cNvPr>
+          <p:cNvSpPr>
+            <a:spLocks noGrp="1" noRot="1" noChangeAspect="1" noMove="1" noResize="1" noEditPoints="1" noAdjustHandles="1" noChangeArrowheads="1" noChangeShapeType="1" noTextEdit="1"/>
+          </p:cNvSpPr>
+          <p:nvPr>
+            <p:extLst>
+              <p:ext uri="{386F3935-93C4-4BCD-93E2-E3B085C9AB24}">
+                <p16:designElem xmlns:p16="http://schemas.microsoft.com/office/powerpoint/2015/main" val="1"/>
+              </p:ext>
+            </p:extLst>
+          </p:nvPr>
+        </p:nvSpPr>
+        <p:spPr>
+          <a:xfrm>
+            <a:off x="371856" y="374904"/>
+            <a:ext cx="11448288" cy="6108192"/>
+          </a:xfrm>
+          <a:prstGeom prst="rect">
+            <a:avLst/>
+          </a:prstGeom>
+          <a:noFill/>
+          <a:ln w="6350" cap="sq" cmpd="sng" algn="ctr">
+            <a:solidFill>
+              <a:schemeClr val="tx1">
+                <a:lumMod val="85000"/>
+                <a:lumOff val="15000"/>
+              </a:schemeClr>
+            </a:solidFill>
+            <a:prstDash val="solid"/>
+            <a:miter lim="800000"/>
+          </a:ln>
+          <a:effectLst/>
+        </p:spPr>
+      </p:sp>
+      <p:sp useBgFill="1">
+        <p:nvSpPr>
+          <p:cNvPr id="28" name="Rectangle 27">
+            <a:extLst>
+              <a:ext uri="{FF2B5EF4-FFF2-40B4-BE49-F238E27FC236}">
+                <a16:creationId xmlns:a16="http://schemas.microsoft.com/office/drawing/2014/main" id="{065FAA58-0EDC-412F-A5F8-01968BE6052E}"/>
+              </a:ext>
+              <a:ext uri="{C183D7F6-B498-43B3-948B-1728B52AA6E4}">
+                <adec:decorative xmlns:adec="http://schemas.microsoft.com/office/drawing/2017/decorative" val="1"/>
+              </a:ext>
+            </a:extLst>
+          </p:cNvPr>
+          <p:cNvSpPr>
+            <a:spLocks noGrp="1" noRot="1" noChangeAspect="1" noMove="1" noResize="1" noEditPoints="1" noAdjustHandles="1" noChangeArrowheads="1" noChangeShapeType="1" noTextEdit="1"/>
+          </p:cNvSpPr>
+          <p:nvPr>
+            <p:extLst>
+              <p:ext uri="{386F3935-93C4-4BCD-93E2-E3B085C9AB24}">
+                <p16:designElem xmlns:p16="http://schemas.microsoft.com/office/powerpoint/2015/main" val="1"/>
+              </p:ext>
+            </p:extLst>
+          </p:nvPr>
+        </p:nvSpPr>
+        <p:spPr>
+          <a:xfrm>
+            <a:off x="0" y="0"/>
+            <a:ext cx="12192000" cy="6858000"/>
+          </a:xfrm>
+          <a:prstGeom prst="rect">
+            <a:avLst/>
+          </a:prstGeom>
+          <a:ln>
+            <a:noFill/>
+          </a:ln>
+        </p:spPr>
+        <p:style>
+          <a:lnRef idx="2">
+            <a:schemeClr val="accent1">
+              <a:shade val="50000"/>
+            </a:schemeClr>
+          </a:lnRef>
+          <a:fillRef idx="1">
+            <a:schemeClr val="accent1"/>
+          </a:fillRef>
+          <a:effectRef idx="0">
+            <a:schemeClr val="accent1"/>
+          </a:effectRef>
+          <a:fontRef idx="minor">
+            <a:schemeClr val="lt1"/>
+          </a:fontRef>
+        </p:style>
+        <p:txBody>
+          <a:bodyPr rtlCol="0" anchor="ctr"/>
+          <a:lstStyle/>
+          <a:p>
+            <a:pPr algn="ctr"/>
+            <a:endParaRPr lang="en-US"/>
+          </a:p>
+        </p:txBody>
+      </p:sp>
+      <p:sp>
+        <p:nvSpPr>
+          <p:cNvPr id="30" name="Rectangle 29">
+            <a:extLst>
+              <a:ext uri="{FF2B5EF4-FFF2-40B4-BE49-F238E27FC236}">
+                <a16:creationId xmlns:a16="http://schemas.microsoft.com/office/drawing/2014/main" id="{C8089CB0-2F03-4E3C-ADBB-570A3BE78F86}"/>
+              </a:ext>
+              <a:ext uri="{C183D7F6-B498-43B3-948B-1728B52AA6E4}">
+                <adec:decorative xmlns:adec="http://schemas.microsoft.com/office/drawing/2017/decorative" val="1"/>
+              </a:ext>
+            </a:extLst>
+          </p:cNvPr>
+          <p:cNvSpPr>
+            <a:spLocks noGrp="1" noRot="1" noChangeAspect="1" noMove="1" noResize="1" noEditPoints="1" noAdjustHandles="1" noChangeArrowheads="1" noChangeShapeType="1" noTextEdit="1"/>
+          </p:cNvSpPr>
+          <p:nvPr>
+            <p:extLst>
+              <p:ext uri="{386F3935-93C4-4BCD-93E2-E3B085C9AB24}">
+                <p16:designElem xmlns:p16="http://schemas.microsoft.com/office/powerpoint/2015/main" val="1"/>
+              </p:ext>
+            </p:extLst>
+          </p:nvPr>
+        </p:nvSpPr>
+        <p:spPr>
+          <a:xfrm>
+            <a:off x="-11081" y="0"/>
+            <a:ext cx="5510773" cy="6858000"/>
+          </a:xfrm>
+          <a:prstGeom prst="rect">
+            <a:avLst/>
+          </a:prstGeom>
+          <a:solidFill>
+            <a:schemeClr val="accent1"/>
+          </a:solidFill>
+          <a:ln>
+            <a:noFill/>
+          </a:ln>
+        </p:spPr>
+        <p:style>
+          <a:lnRef idx="2">
+            <a:schemeClr val="accent1">
+              <a:shade val="50000"/>
+            </a:schemeClr>
+          </a:lnRef>
+          <a:fillRef idx="1">
+            <a:schemeClr val="accent1"/>
+          </a:fillRef>
+          <a:effectRef idx="0">
+            <a:schemeClr val="accent1"/>
+          </a:effectRef>
+          <a:fontRef idx="minor">
+            <a:schemeClr val="lt1"/>
+          </a:fontRef>
+        </p:style>
+        <p:txBody>
+          <a:bodyPr rtlCol="0" anchor="ctr"/>
+          <a:lstStyle/>
+          <a:p>
+            <a:pPr algn="ctr"/>
+            <a:endParaRPr lang="en-US"/>
+          </a:p>
+        </p:txBody>
+      </p:sp>
+      <p:sp>
+        <p:nvSpPr>
+          <p:cNvPr id="32" name="Rectangle 31">
+            <a:extLst>
+              <a:ext uri="{FF2B5EF4-FFF2-40B4-BE49-F238E27FC236}">
+                <a16:creationId xmlns:a16="http://schemas.microsoft.com/office/drawing/2014/main" id="{0DBA80B1-3B69-49C0-8AC9-716ABA57F577}"/>
+              </a:ext>
+              <a:ext uri="{C183D7F6-B498-43B3-948B-1728B52AA6E4}">
+                <adec:decorative xmlns:adec="http://schemas.microsoft.com/office/drawing/2017/decorative" val="1"/>
+              </a:ext>
+            </a:extLst>
+          </p:cNvPr>
+          <p:cNvSpPr>
+            <a:spLocks noGrp="1" noRot="1" noChangeAspect="1" noMove="1" noResize="1" noEditPoints="1" noAdjustHandles="1" noChangeArrowheads="1" noChangeShapeType="1" noTextEdit="1"/>
+          </p:cNvSpPr>
+          <p:nvPr>
+            <p:extLst>
+              <p:ext uri="{386F3935-93C4-4BCD-93E2-E3B085C9AB24}">
+                <p16:designElem xmlns:p16="http://schemas.microsoft.com/office/powerpoint/2015/main" val="1"/>
+              </p:ext>
+            </p:extLst>
+          </p:nvPr>
+        </p:nvSpPr>
+        <p:spPr>
+          <a:xfrm>
+            <a:off x="656197" y="643464"/>
+            <a:ext cx="4143830" cy="5566305"/>
+          </a:xfrm>
+          <a:prstGeom prst="rect">
+            <a:avLst/>
+          </a:prstGeom>
+          <a:solidFill>
+            <a:srgbClr val="D9D9D9"/>
+          </a:solidFill>
+          <a:ln w="6350" cap="flat" cmpd="sng" algn="ctr">
+            <a:noFill/>
+            <a:prstDash val="solid"/>
+          </a:ln>
+          <a:effectLst>
+            <a:outerShdw blurRad="50800" algn="ctr" rotWithShape="0">
+              <a:prstClr val="black">
+                <a:alpha val="66000"/>
+              </a:prstClr>
+            </a:outerShdw>
+            <a:softEdge rad="0"/>
+          </a:effectLst>
+        </p:spPr>
+      </p:sp>
+      <p:sp>
+        <p:nvSpPr>
+          <p:cNvPr id="34" name="Rectangle 33">
+            <a:extLst>
+              <a:ext uri="{FF2B5EF4-FFF2-40B4-BE49-F238E27FC236}">
+                <a16:creationId xmlns:a16="http://schemas.microsoft.com/office/drawing/2014/main" id="{047E1103-B264-49BE-BC2A-F4E40BD33B41}"/>
+              </a:ext>
+              <a:ext uri="{C183D7F6-B498-43B3-948B-1728B52AA6E4}">
+                <adec:decorative xmlns:adec="http://schemas.microsoft.com/office/drawing/2017/decorative" val="1"/>
+              </a:ext>
+            </a:extLst>
+          </p:cNvPr>
+          <p:cNvSpPr>
+            <a:spLocks noGrp="1" noRot="1" noChangeAspect="1" noMove="1" noResize="1" noEditPoints="1" noAdjustHandles="1" noChangeArrowheads="1" noChangeShapeType="1" noTextEdit="1"/>
+          </p:cNvSpPr>
+          <p:nvPr>
+            <p:extLst>
+              <p:ext uri="{386F3935-93C4-4BCD-93E2-E3B085C9AB24}">
+                <p16:designElem xmlns:p16="http://schemas.microsoft.com/office/powerpoint/2015/main" val="1"/>
+              </p:ext>
+            </p:extLst>
+          </p:nvPr>
+        </p:nvSpPr>
+        <p:spPr>
+          <a:xfrm>
+            <a:off x="821587" y="806860"/>
+            <a:ext cx="3813048" cy="5239512"/>
+          </a:xfrm>
+          <a:prstGeom prst="rect">
+            <a:avLst/>
+          </a:prstGeom>
+          <a:solidFill>
+            <a:schemeClr val="bg1"/>
+          </a:solidFill>
+          <a:ln w="9525" cap="sq" cmpd="sng" algn="ctr">
+            <a:noFill/>
+            <a:prstDash val="solid"/>
+            <a:miter lim="800000"/>
+          </a:ln>
+          <a:effectLst/>
+        </p:spPr>
+      </p:sp>
+      <p:sp>
+        <p:nvSpPr>
+          <p:cNvPr id="3" name="Title 2">
+            <a:extLst>
+              <a:ext uri="{FF2B5EF4-FFF2-40B4-BE49-F238E27FC236}">
+                <a16:creationId xmlns:a16="http://schemas.microsoft.com/office/drawing/2014/main" id="{A2F1B810-6B33-42E7-BBB2-B3C3C219A84D}"/>
+              </a:ext>
+            </a:extLst>
+          </p:cNvPr>
+          <p:cNvSpPr>
+            <a:spLocks noGrp="1"/>
+          </p:cNvSpPr>
+          <p:nvPr>
+            <p:ph type="title"/>
+          </p:nvPr>
+        </p:nvSpPr>
+        <p:spPr>
+          <a:xfrm>
+            <a:off x="983887" y="1185059"/>
+            <a:ext cx="3491832" cy="4487882"/>
+          </a:xfrm>
+        </p:spPr>
+        <p:txBody>
+          <a:bodyPr vert="horz" lIns="91440" tIns="45720" rIns="91440" bIns="45720" rtlCol="0" anchor="ctr">
+            <a:normAutofit/>
+          </a:bodyPr>
+          <a:lstStyle/>
+          <a:p>
+            <a:pPr algn="ctr">
+              <a:lnSpc>
+                <a:spcPct val="90000"/>
+              </a:lnSpc>
+            </a:pPr>
+            <a:r>
+              <a:rPr lang="en-US" sz="4400" dirty="0">
+                <a:solidFill>
+                  <a:schemeClr val="tx1">
+                    <a:lumMod val="85000"/>
+                    <a:lumOff val="15000"/>
+                  </a:schemeClr>
+                </a:solidFill>
+              </a:rPr>
+              <a:t>Factors we are going to be using from the Census Data</a:t>
+            </a:r>
+          </a:p>
+        </p:txBody>
+      </p:sp>
+      <p:sp>
+        <p:nvSpPr>
+          <p:cNvPr id="36" name="Rectangle 35">
+            <a:extLst>
+              <a:ext uri="{FF2B5EF4-FFF2-40B4-BE49-F238E27FC236}">
+                <a16:creationId xmlns:a16="http://schemas.microsoft.com/office/drawing/2014/main" id="{52DA11B6-B538-4624-9628-98B823D761D5}"/>
+              </a:ext>
+              <a:ext uri="{C183D7F6-B498-43B3-948B-1728B52AA6E4}">
+                <adec:decorative xmlns:adec="http://schemas.microsoft.com/office/drawing/2017/decorative" val="1"/>
+              </a:ext>
+            </a:extLst>
+          </p:cNvPr>
+          <p:cNvSpPr>
+            <a:spLocks noGrp="1" noRot="1" noChangeAspect="1" noMove="1" noResize="1" noEditPoints="1" noAdjustHandles="1" noChangeArrowheads="1" noChangeShapeType="1" noTextEdit="1"/>
+          </p:cNvSpPr>
+          <p:nvPr>
+            <p:extLst>
+              <p:ext uri="{386F3935-93C4-4BCD-93E2-E3B085C9AB24}">
+                <p16:designElem xmlns:p16="http://schemas.microsoft.com/office/powerpoint/2015/main" val="1"/>
+              </p:ext>
+            </p:extLst>
+          </p:nvPr>
+        </p:nvSpPr>
+        <p:spPr>
+          <a:xfrm>
+            <a:off x="5759939" y="276008"/>
+            <a:ext cx="6146615" cy="6305984"/>
+          </a:xfrm>
+          <a:prstGeom prst="rect">
+            <a:avLst/>
+          </a:prstGeom>
+          <a:solidFill>
+            <a:schemeClr val="bg1">
+              <a:lumMod val="75000"/>
+              <a:alpha val="60000"/>
+            </a:schemeClr>
+          </a:solidFill>
+          <a:ln>
+            <a:noFill/>
+          </a:ln>
+        </p:spPr>
+        <p:style>
+          <a:lnRef idx="2">
+            <a:schemeClr val="accent1">
+              <a:shade val="50000"/>
+            </a:schemeClr>
+          </a:lnRef>
+          <a:fillRef idx="1">
+            <a:schemeClr val="accent1"/>
+          </a:fillRef>
+          <a:effectRef idx="0">
+            <a:schemeClr val="accent1"/>
+          </a:effectRef>
+          <a:fontRef idx="minor">
+            <a:schemeClr val="lt1"/>
+          </a:fontRef>
+        </p:style>
+        <p:txBody>
+          <a:bodyPr rtlCol="0" anchor="ctr"/>
+          <a:lstStyle/>
+          <a:p>
+            <a:pPr algn="ctr"/>
+            <a:endParaRPr lang="en-US"/>
+          </a:p>
+        </p:txBody>
+      </p:sp>
+      <p:sp>
+        <p:nvSpPr>
+          <p:cNvPr id="38" name="Rectangle 37">
+            <a:extLst>
+              <a:ext uri="{FF2B5EF4-FFF2-40B4-BE49-F238E27FC236}">
+                <a16:creationId xmlns:a16="http://schemas.microsoft.com/office/drawing/2014/main" id="{CFB1CB5B-67A5-45DB-B8E1-7A09A642E3E4}"/>
+              </a:ext>
+              <a:ext uri="{C183D7F6-B498-43B3-948B-1728B52AA6E4}">
+                <adec:decorative xmlns:adec="http://schemas.microsoft.com/office/drawing/2017/decorative" val="1"/>
+              </a:ext>
+            </a:extLst>
+          </p:cNvPr>
+          <p:cNvSpPr>
+            <a:spLocks noGrp="1" noRot="1" noChangeAspect="1" noMove="1" noResize="1" noEditPoints="1" noAdjustHandles="1" noChangeArrowheads="1" noChangeShapeType="1" noTextEdit="1"/>
+          </p:cNvSpPr>
+          <p:nvPr>
+            <p:extLst>
+              <p:ext uri="{386F3935-93C4-4BCD-93E2-E3B085C9AB24}">
+                <p16:designElem xmlns:p16="http://schemas.microsoft.com/office/powerpoint/2015/main" val="1"/>
+              </p:ext>
+            </p:extLst>
+          </p:nvPr>
+        </p:nvSpPr>
+        <p:spPr>
+          <a:xfrm>
+            <a:off x="5925455" y="438912"/>
+            <a:ext cx="5815584" cy="5980176"/>
+          </a:xfrm>
+          <a:prstGeom prst="rect">
+            <a:avLst/>
+          </a:prstGeom>
+          <a:noFill/>
+          <a:ln w="6350" cap="sq" cmpd="sng" algn="ctr">
+            <a:solidFill>
+              <a:schemeClr val="tx1">
+                <a:lumMod val="75000"/>
+                <a:lumOff val="25000"/>
+              </a:schemeClr>
+            </a:solidFill>
+            <a:prstDash val="solid"/>
+            <a:miter lim="800000"/>
+          </a:ln>
+          <a:effectLst/>
+        </p:spPr>
+      </p:sp>
+      <p:sp>
+        <p:nvSpPr>
+          <p:cNvPr id="4" name="Text Placeholder 3">
+            <a:extLst>
+              <a:ext uri="{FF2B5EF4-FFF2-40B4-BE49-F238E27FC236}">
+                <a16:creationId xmlns:a16="http://schemas.microsoft.com/office/drawing/2014/main" id="{342E2F58-F26C-44E8-B255-C9BCAA82AD53}"/>
+              </a:ext>
+            </a:extLst>
+          </p:cNvPr>
+          <p:cNvSpPr>
+            <a:spLocks noGrp="1"/>
+          </p:cNvSpPr>
+          <p:nvPr>
+            <p:ph type="body" sz="half" idx="2"/>
+          </p:nvPr>
+        </p:nvSpPr>
+        <p:spPr>
+          <a:xfrm>
+            <a:off x="6096000" y="806860"/>
+            <a:ext cx="4870512" cy="1941192"/>
+          </a:xfrm>
+        </p:spPr>
+        <p:txBody>
+          <a:bodyPr vert="horz" lIns="91440" tIns="45720" rIns="91440" bIns="45720" rtlCol="0" anchor="ctr">
+            <a:normAutofit/>
+          </a:bodyPr>
+          <a:lstStyle/>
+          <a:p>
+            <a:pPr>
+              <a:lnSpc>
+                <a:spcPct val="100000"/>
+              </a:lnSpc>
+            </a:pPr>
+            <a:r>
+              <a:rPr lang="en-US" sz="2000" b="0" i="0" dirty="0">
+                <a:effectLst/>
+              </a:rPr>
+              <a:t>We will examine factors such as:</a:t>
+            </a:r>
+          </a:p>
+          <a:p>
+            <a:pPr indent="-182880">
+              <a:lnSpc>
+                <a:spcPct val="100000"/>
+              </a:lnSpc>
+              <a:buFont typeface="Garamond" pitchFamily="18" charset="0"/>
+              <a:buChar char="◦"/>
+            </a:pPr>
+            <a:endParaRPr lang="en-US" sz="2000" b="0" i="0" dirty="0">
+              <a:effectLst/>
+            </a:endParaRPr>
+          </a:p>
+          <a:p>
+            <a:pPr indent="-182880">
+              <a:lnSpc>
+                <a:spcPct val="100000"/>
+              </a:lnSpc>
+              <a:buFont typeface="Garamond" pitchFamily="18" charset="0"/>
+              <a:buChar char="◦"/>
+            </a:pPr>
+            <a:r>
+              <a:rPr lang="en-US" sz="2000" b="0" i="0" dirty="0">
+                <a:effectLst/>
+              </a:rPr>
+              <a:t> Unemployment rates </a:t>
+            </a:r>
+          </a:p>
+        </p:txBody>
+      </p:sp>
+      <p:sp>
+        <p:nvSpPr>
+          <p:cNvPr id="13" name="Text Placeholder 3">
+            <a:extLst>
+              <a:ext uri="{FF2B5EF4-FFF2-40B4-BE49-F238E27FC236}">
+                <a16:creationId xmlns:a16="http://schemas.microsoft.com/office/drawing/2014/main" id="{E9A716F2-DE10-40CD-B2D6-DC5C84D6F4C7}"/>
+              </a:ext>
+            </a:extLst>
+          </p:cNvPr>
+          <p:cNvSpPr txBox="1">
+            <a:spLocks/>
+          </p:cNvSpPr>
+          <p:nvPr/>
+        </p:nvSpPr>
+        <p:spPr>
+          <a:xfrm>
+            <a:off x="6096000" y="1939724"/>
+            <a:ext cx="4870512" cy="1280456"/>
+          </a:xfrm>
+          <a:prstGeom prst="rect">
+            <a:avLst/>
+          </a:prstGeom>
+        </p:spPr>
+        <p:txBody>
+          <a:bodyPr vert="horz" lIns="91440" tIns="45720" rIns="91440" bIns="45720" rtlCol="0" anchor="ctr">
+            <a:normAutofit/>
+          </a:bodyPr>
+          <a:lstStyle>
+            <a:lvl1pPr marL="0" indent="0" algn="l" defTabSz="914400" rtl="0" eaLnBrk="1" latinLnBrk="0" hangingPunct="1">
+              <a:lnSpc>
+                <a:spcPct val="110000"/>
+              </a:lnSpc>
+              <a:spcBef>
+                <a:spcPts val="800"/>
+              </a:spcBef>
+              <a:spcAft>
+                <a:spcPts val="0"/>
+              </a:spcAft>
+              <a:buClr>
+                <a:schemeClr val="tx1">
+                  <a:lumMod val="85000"/>
+                  <a:lumOff val="15000"/>
+                </a:schemeClr>
+              </a:buClr>
+              <a:buFont typeface="Garamond" pitchFamily="18" charset="0"/>
+              <a:buNone/>
+              <a:defRPr sz="1800" kern="1200">
+                <a:solidFill>
+                  <a:schemeClr val="tx1"/>
+                </a:solidFill>
+                <a:latin typeface="+mn-lt"/>
+                <a:ea typeface="+mn-ea"/>
+                <a:cs typeface="+mn-cs"/>
+              </a:defRPr>
+            </a:lvl1pPr>
+            <a:lvl2pPr marL="457200" indent="0" algn="l" defTabSz="914400" rtl="0" eaLnBrk="1" latinLnBrk="0" hangingPunct="1">
+              <a:lnSpc>
+                <a:spcPct val="100000"/>
+              </a:lnSpc>
+              <a:spcBef>
+                <a:spcPts val="500"/>
+              </a:spcBef>
+              <a:buClr>
+                <a:schemeClr val="tx1">
+                  <a:lumMod val="85000"/>
+                  <a:lumOff val="15000"/>
+                </a:schemeClr>
+              </a:buClr>
+              <a:buFont typeface="Garamond" pitchFamily="18" charset="0"/>
+              <a:buNone/>
+              <a:defRPr sz="1200" kern="1200">
+                <a:solidFill>
+                  <a:schemeClr val="tx1"/>
+                </a:solidFill>
+                <a:latin typeface="+mn-lt"/>
+                <a:ea typeface="+mn-ea"/>
+                <a:cs typeface="+mn-cs"/>
+              </a:defRPr>
+            </a:lvl2pPr>
+            <a:lvl3pPr marL="914400" indent="0" algn="l" defTabSz="914400" rtl="0" eaLnBrk="1" latinLnBrk="0" hangingPunct="1">
+              <a:lnSpc>
+                <a:spcPct val="100000"/>
+              </a:lnSpc>
+              <a:spcBef>
+                <a:spcPts val="500"/>
+              </a:spcBef>
+              <a:buClr>
+                <a:schemeClr val="tx1">
+                  <a:lumMod val="85000"/>
+                  <a:lumOff val="15000"/>
+                </a:schemeClr>
+              </a:buClr>
+              <a:buFont typeface="Garamond" pitchFamily="18" charset="0"/>
+              <a:buNone/>
+              <a:defRPr sz="1000" kern="1200">
+                <a:solidFill>
+                  <a:schemeClr val="tx1"/>
+                </a:solidFill>
+                <a:latin typeface="+mn-lt"/>
+                <a:ea typeface="+mn-ea"/>
+                <a:cs typeface="+mn-cs"/>
+              </a:defRPr>
+            </a:lvl3pPr>
+            <a:lvl4pPr marL="1371600" indent="0" algn="l" defTabSz="914400" rtl="0" eaLnBrk="1" latinLnBrk="0" hangingPunct="1">
+              <a:lnSpc>
+                <a:spcPct val="100000"/>
+              </a:lnSpc>
+              <a:spcBef>
+                <a:spcPts val="500"/>
+              </a:spcBef>
+              <a:buClr>
+                <a:schemeClr val="tx1">
+                  <a:lumMod val="85000"/>
+                  <a:lumOff val="15000"/>
+                </a:schemeClr>
+              </a:buClr>
+              <a:buFont typeface="Garamond" pitchFamily="18" charset="0"/>
+              <a:buNone/>
+              <a:defRPr sz="900" kern="1200">
+                <a:solidFill>
+                  <a:schemeClr val="tx1"/>
+                </a:solidFill>
+                <a:latin typeface="+mn-lt"/>
+                <a:ea typeface="+mn-ea"/>
+                <a:cs typeface="+mn-cs"/>
+              </a:defRPr>
+            </a:lvl4pPr>
+            <a:lvl5pPr marL="1828800" indent="0" algn="l" defTabSz="914400" rtl="0" eaLnBrk="1" latinLnBrk="0" hangingPunct="1">
+              <a:lnSpc>
+                <a:spcPct val="100000"/>
+              </a:lnSpc>
+              <a:spcBef>
+                <a:spcPts val="500"/>
+              </a:spcBef>
+              <a:buClr>
+                <a:schemeClr val="tx1">
+                  <a:lumMod val="85000"/>
+                  <a:lumOff val="15000"/>
+                </a:schemeClr>
+              </a:buClr>
+              <a:buFont typeface="Garamond" pitchFamily="18" charset="0"/>
+              <a:buNone/>
+              <a:defRPr sz="900" kern="1200">
+                <a:solidFill>
+                  <a:schemeClr val="tx1"/>
+                </a:solidFill>
+                <a:latin typeface="+mn-lt"/>
+                <a:ea typeface="+mn-ea"/>
+                <a:cs typeface="+mn-cs"/>
+              </a:defRPr>
+            </a:lvl5pPr>
+            <a:lvl6pPr marL="2286000" indent="0" algn="l" defTabSz="914400" rtl="0" eaLnBrk="1" latinLnBrk="0" hangingPunct="1">
+              <a:lnSpc>
+                <a:spcPct val="100000"/>
+              </a:lnSpc>
+              <a:spcBef>
+                <a:spcPts val="500"/>
+              </a:spcBef>
+              <a:buClr>
+                <a:schemeClr val="tx1">
+                  <a:lumMod val="85000"/>
+                  <a:lumOff val="15000"/>
+                </a:schemeClr>
+              </a:buClr>
+              <a:buFont typeface="Garamond" pitchFamily="18" charset="0"/>
+              <a:buNone/>
+              <a:defRPr sz="900" kern="1200">
+                <a:solidFill>
+                  <a:schemeClr val="tx1"/>
+                </a:solidFill>
+                <a:latin typeface="+mn-lt"/>
+                <a:ea typeface="+mn-ea"/>
+                <a:cs typeface="+mn-cs"/>
+              </a:defRPr>
+            </a:lvl6pPr>
+            <a:lvl7pPr marL="2743200" indent="0" algn="l" defTabSz="914400" rtl="0" eaLnBrk="1" latinLnBrk="0" hangingPunct="1">
+              <a:lnSpc>
+                <a:spcPct val="100000"/>
+              </a:lnSpc>
+              <a:spcBef>
+                <a:spcPts val="500"/>
+              </a:spcBef>
+              <a:buClr>
+                <a:schemeClr val="tx1">
+                  <a:lumMod val="85000"/>
+                  <a:lumOff val="15000"/>
+                </a:schemeClr>
+              </a:buClr>
+              <a:buFont typeface="Garamond" pitchFamily="18" charset="0"/>
+              <a:buNone/>
+              <a:defRPr sz="900" kern="1200">
+                <a:solidFill>
+                  <a:schemeClr val="tx1"/>
+                </a:solidFill>
+                <a:latin typeface="+mn-lt"/>
+                <a:ea typeface="+mn-ea"/>
+                <a:cs typeface="+mn-cs"/>
+              </a:defRPr>
+            </a:lvl7pPr>
+            <a:lvl8pPr marL="3200400" indent="0" algn="l" defTabSz="914400" rtl="0" eaLnBrk="1" latinLnBrk="0" hangingPunct="1">
+              <a:lnSpc>
+                <a:spcPct val="100000"/>
+              </a:lnSpc>
+              <a:spcBef>
+                <a:spcPts val="500"/>
+              </a:spcBef>
+              <a:buClr>
+                <a:schemeClr val="tx1">
+                  <a:lumMod val="85000"/>
+                  <a:lumOff val="15000"/>
+                </a:schemeClr>
+              </a:buClr>
+              <a:buFont typeface="Garamond" pitchFamily="18" charset="0"/>
+              <a:buNone/>
+              <a:defRPr sz="900" kern="1200">
+                <a:solidFill>
+                  <a:schemeClr val="tx1"/>
+                </a:solidFill>
+                <a:latin typeface="+mn-lt"/>
+                <a:ea typeface="+mn-ea"/>
+                <a:cs typeface="+mn-cs"/>
+              </a:defRPr>
+            </a:lvl8pPr>
+            <a:lvl9pPr marL="3657600" indent="0" algn="l" defTabSz="914400" rtl="0" eaLnBrk="1" latinLnBrk="0" hangingPunct="1">
+              <a:lnSpc>
+                <a:spcPct val="100000"/>
+              </a:lnSpc>
+              <a:spcBef>
+                <a:spcPts val="500"/>
+              </a:spcBef>
+              <a:buClr>
+                <a:schemeClr val="tx1">
+                  <a:lumMod val="85000"/>
+                  <a:lumOff val="15000"/>
+                </a:schemeClr>
+              </a:buClr>
+              <a:buFont typeface="Garamond" pitchFamily="18" charset="0"/>
+              <a:buNone/>
+              <a:defRPr sz="900" kern="1200">
+                <a:solidFill>
+                  <a:schemeClr val="tx1"/>
+                </a:solidFill>
+                <a:latin typeface="+mn-lt"/>
+                <a:ea typeface="+mn-ea"/>
+                <a:cs typeface="+mn-cs"/>
+              </a:defRPr>
+            </a:lvl9pPr>
+          </a:lstStyle>
+          <a:p>
+            <a:pPr indent="-182880">
+              <a:lnSpc>
+                <a:spcPct val="100000"/>
+              </a:lnSpc>
+              <a:buFont typeface="Garamond" pitchFamily="18" charset="0"/>
+              <a:buChar char="◦"/>
+            </a:pPr>
+            <a:r>
+              <a:rPr lang="en-US" sz="2000" dirty="0"/>
+              <a:t>Income average </a:t>
+            </a:r>
+          </a:p>
+        </p:txBody>
+      </p:sp>
+      <p:sp>
+        <p:nvSpPr>
+          <p:cNvPr id="2" name="Text Placeholder 3">
+            <a:extLst>
+              <a:ext uri="{FF2B5EF4-FFF2-40B4-BE49-F238E27FC236}">
+                <a16:creationId xmlns:a16="http://schemas.microsoft.com/office/drawing/2014/main" id="{27D3BFD7-4A33-4C2E-8BC7-9F1CCADB09EB}"/>
+              </a:ext>
+            </a:extLst>
+          </p:cNvPr>
+          <p:cNvSpPr txBox="1">
+            <a:spLocks/>
+          </p:cNvSpPr>
+          <p:nvPr/>
+        </p:nvSpPr>
+        <p:spPr>
+          <a:xfrm>
+            <a:off x="6096000" y="2507206"/>
+            <a:ext cx="4870512" cy="701582"/>
+          </a:xfrm>
+          <a:prstGeom prst="rect">
+            <a:avLst/>
+          </a:prstGeom>
+        </p:spPr>
+        <p:txBody>
+          <a:bodyPr vert="horz" lIns="91440" tIns="45720" rIns="91440" bIns="45720" rtlCol="0" anchor="ctr">
+            <a:normAutofit fontScale="92500" lnSpcReduction="20000"/>
+          </a:bodyPr>
+          <a:lstStyle>
+            <a:lvl1pPr marL="0" indent="0" algn="l" defTabSz="914400" rtl="0" eaLnBrk="1" latinLnBrk="0" hangingPunct="1">
+              <a:lnSpc>
+                <a:spcPct val="110000"/>
+              </a:lnSpc>
+              <a:spcBef>
+                <a:spcPts val="800"/>
+              </a:spcBef>
+              <a:spcAft>
+                <a:spcPts val="0"/>
+              </a:spcAft>
+              <a:buClr>
+                <a:schemeClr val="tx1">
+                  <a:lumMod val="85000"/>
+                  <a:lumOff val="15000"/>
+                </a:schemeClr>
+              </a:buClr>
+              <a:buFont typeface="Garamond" pitchFamily="18" charset="0"/>
+              <a:buNone/>
+              <a:defRPr sz="1800" kern="1200">
+                <a:solidFill>
+                  <a:schemeClr val="tx1"/>
+                </a:solidFill>
+                <a:latin typeface="+mn-lt"/>
+                <a:ea typeface="+mn-ea"/>
+                <a:cs typeface="+mn-cs"/>
+              </a:defRPr>
+            </a:lvl1pPr>
+            <a:lvl2pPr marL="457200" indent="0" algn="l" defTabSz="914400" rtl="0" eaLnBrk="1" latinLnBrk="0" hangingPunct="1">
+              <a:lnSpc>
+                <a:spcPct val="100000"/>
+              </a:lnSpc>
+              <a:spcBef>
+                <a:spcPts val="500"/>
+              </a:spcBef>
+              <a:buClr>
+                <a:schemeClr val="tx1">
+                  <a:lumMod val="85000"/>
+                  <a:lumOff val="15000"/>
+                </a:schemeClr>
+              </a:buClr>
+              <a:buFont typeface="Garamond" pitchFamily="18" charset="0"/>
+              <a:buNone/>
+              <a:defRPr sz="1200" kern="1200">
+                <a:solidFill>
+                  <a:schemeClr val="tx1"/>
+                </a:solidFill>
+                <a:latin typeface="+mn-lt"/>
+                <a:ea typeface="+mn-ea"/>
+                <a:cs typeface="+mn-cs"/>
+              </a:defRPr>
+            </a:lvl2pPr>
+            <a:lvl3pPr marL="914400" indent="0" algn="l" defTabSz="914400" rtl="0" eaLnBrk="1" latinLnBrk="0" hangingPunct="1">
+              <a:lnSpc>
+                <a:spcPct val="100000"/>
+              </a:lnSpc>
+              <a:spcBef>
+                <a:spcPts val="500"/>
+              </a:spcBef>
+              <a:buClr>
+                <a:schemeClr val="tx1">
+                  <a:lumMod val="85000"/>
+                  <a:lumOff val="15000"/>
+                </a:schemeClr>
+              </a:buClr>
+              <a:buFont typeface="Garamond" pitchFamily="18" charset="0"/>
+              <a:buNone/>
+              <a:defRPr sz="1000" kern="1200">
+                <a:solidFill>
+                  <a:schemeClr val="tx1"/>
+                </a:solidFill>
+                <a:latin typeface="+mn-lt"/>
+                <a:ea typeface="+mn-ea"/>
+                <a:cs typeface="+mn-cs"/>
+              </a:defRPr>
+            </a:lvl3pPr>
+            <a:lvl4pPr marL="1371600" indent="0" algn="l" defTabSz="914400" rtl="0" eaLnBrk="1" latinLnBrk="0" hangingPunct="1">
+              <a:lnSpc>
+                <a:spcPct val="100000"/>
+              </a:lnSpc>
+              <a:spcBef>
+                <a:spcPts val="500"/>
+              </a:spcBef>
+              <a:buClr>
+                <a:schemeClr val="tx1">
+                  <a:lumMod val="85000"/>
+                  <a:lumOff val="15000"/>
+                </a:schemeClr>
+              </a:buClr>
+              <a:buFont typeface="Garamond" pitchFamily="18" charset="0"/>
+              <a:buNone/>
+              <a:defRPr sz="900" kern="1200">
+                <a:solidFill>
+                  <a:schemeClr val="tx1"/>
+                </a:solidFill>
+                <a:latin typeface="+mn-lt"/>
+                <a:ea typeface="+mn-ea"/>
+                <a:cs typeface="+mn-cs"/>
+              </a:defRPr>
+            </a:lvl4pPr>
+            <a:lvl5pPr marL="1828800" indent="0" algn="l" defTabSz="914400" rtl="0" eaLnBrk="1" latinLnBrk="0" hangingPunct="1">
+              <a:lnSpc>
+                <a:spcPct val="100000"/>
+              </a:lnSpc>
+              <a:spcBef>
+                <a:spcPts val="500"/>
+              </a:spcBef>
+              <a:buClr>
+                <a:schemeClr val="tx1">
+                  <a:lumMod val="85000"/>
+                  <a:lumOff val="15000"/>
+                </a:schemeClr>
+              </a:buClr>
+              <a:buFont typeface="Garamond" pitchFamily="18" charset="0"/>
+              <a:buNone/>
+              <a:defRPr sz="900" kern="1200">
+                <a:solidFill>
+                  <a:schemeClr val="tx1"/>
+                </a:solidFill>
+                <a:latin typeface="+mn-lt"/>
+                <a:ea typeface="+mn-ea"/>
+                <a:cs typeface="+mn-cs"/>
+              </a:defRPr>
+            </a:lvl5pPr>
+            <a:lvl6pPr marL="2286000" indent="0" algn="l" defTabSz="914400" rtl="0" eaLnBrk="1" latinLnBrk="0" hangingPunct="1">
+              <a:lnSpc>
+                <a:spcPct val="100000"/>
+              </a:lnSpc>
+              <a:spcBef>
+                <a:spcPts val="500"/>
+              </a:spcBef>
+              <a:buClr>
+                <a:schemeClr val="tx1">
+                  <a:lumMod val="85000"/>
+                  <a:lumOff val="15000"/>
+                </a:schemeClr>
+              </a:buClr>
+              <a:buFont typeface="Garamond" pitchFamily="18" charset="0"/>
+              <a:buNone/>
+              <a:defRPr sz="900" kern="1200">
+                <a:solidFill>
+                  <a:schemeClr val="tx1"/>
+                </a:solidFill>
+                <a:latin typeface="+mn-lt"/>
+                <a:ea typeface="+mn-ea"/>
+                <a:cs typeface="+mn-cs"/>
+              </a:defRPr>
+            </a:lvl6pPr>
+            <a:lvl7pPr marL="2743200" indent="0" algn="l" defTabSz="914400" rtl="0" eaLnBrk="1" latinLnBrk="0" hangingPunct="1">
+              <a:lnSpc>
+                <a:spcPct val="100000"/>
+              </a:lnSpc>
+              <a:spcBef>
+                <a:spcPts val="500"/>
+              </a:spcBef>
+              <a:buClr>
+                <a:schemeClr val="tx1">
+                  <a:lumMod val="85000"/>
+                  <a:lumOff val="15000"/>
+                </a:schemeClr>
+              </a:buClr>
+              <a:buFont typeface="Garamond" pitchFamily="18" charset="0"/>
+              <a:buNone/>
+              <a:defRPr sz="900" kern="1200">
+                <a:solidFill>
+                  <a:schemeClr val="tx1"/>
+                </a:solidFill>
+                <a:latin typeface="+mn-lt"/>
+                <a:ea typeface="+mn-ea"/>
+                <a:cs typeface="+mn-cs"/>
+              </a:defRPr>
+            </a:lvl7pPr>
+            <a:lvl8pPr marL="3200400" indent="0" algn="l" defTabSz="914400" rtl="0" eaLnBrk="1" latinLnBrk="0" hangingPunct="1">
+              <a:lnSpc>
+                <a:spcPct val="100000"/>
+              </a:lnSpc>
+              <a:spcBef>
+                <a:spcPts val="500"/>
+              </a:spcBef>
+              <a:buClr>
+                <a:schemeClr val="tx1">
+                  <a:lumMod val="85000"/>
+                  <a:lumOff val="15000"/>
+                </a:schemeClr>
+              </a:buClr>
+              <a:buFont typeface="Garamond" pitchFamily="18" charset="0"/>
+              <a:buNone/>
+              <a:defRPr sz="900" kern="1200">
+                <a:solidFill>
+                  <a:schemeClr val="tx1"/>
+                </a:solidFill>
+                <a:latin typeface="+mn-lt"/>
+                <a:ea typeface="+mn-ea"/>
+                <a:cs typeface="+mn-cs"/>
+              </a:defRPr>
+            </a:lvl8pPr>
+            <a:lvl9pPr marL="3657600" indent="0" algn="l" defTabSz="914400" rtl="0" eaLnBrk="1" latinLnBrk="0" hangingPunct="1">
+              <a:lnSpc>
+                <a:spcPct val="100000"/>
+              </a:lnSpc>
+              <a:spcBef>
+                <a:spcPts val="500"/>
+              </a:spcBef>
+              <a:buClr>
+                <a:schemeClr val="tx1">
+                  <a:lumMod val="85000"/>
+                  <a:lumOff val="15000"/>
+                </a:schemeClr>
+              </a:buClr>
+              <a:buFont typeface="Garamond" pitchFamily="18" charset="0"/>
+              <a:buNone/>
+              <a:defRPr sz="900" kern="1200">
+                <a:solidFill>
+                  <a:schemeClr val="tx1"/>
+                </a:solidFill>
+                <a:latin typeface="+mn-lt"/>
+                <a:ea typeface="+mn-ea"/>
+                <a:cs typeface="+mn-cs"/>
+              </a:defRPr>
+            </a:lvl9pPr>
+          </a:lstStyle>
+          <a:p>
+            <a:pPr indent="-182880">
+              <a:lnSpc>
+                <a:spcPct val="100000"/>
+              </a:lnSpc>
+              <a:buFont typeface="Garamond" pitchFamily="18" charset="0"/>
+              <a:buChar char="◦"/>
+            </a:pPr>
+            <a:endParaRPr lang="en-US" sz="2000" dirty="0"/>
+          </a:p>
+          <a:p>
+            <a:pPr indent="-182880">
+              <a:lnSpc>
+                <a:spcPct val="100000"/>
+              </a:lnSpc>
+              <a:buFont typeface="Garamond" pitchFamily="18" charset="0"/>
+              <a:buChar char="◦"/>
+            </a:pPr>
+            <a:r>
+              <a:rPr lang="en-US" sz="2000" dirty="0"/>
+              <a:t>Poverty rates</a:t>
+            </a:r>
+          </a:p>
+        </p:txBody>
+      </p:sp>
+      <p:sp>
+        <p:nvSpPr>
+          <p:cNvPr id="5" name="Text Placeholder 3">
+            <a:extLst>
+              <a:ext uri="{FF2B5EF4-FFF2-40B4-BE49-F238E27FC236}">
+                <a16:creationId xmlns:a16="http://schemas.microsoft.com/office/drawing/2014/main" id="{DAED8FA5-DCF0-4B30-B22A-42BC8B4FCC5F}"/>
+              </a:ext>
+            </a:extLst>
+          </p:cNvPr>
+          <p:cNvSpPr txBox="1">
+            <a:spLocks/>
+          </p:cNvSpPr>
+          <p:nvPr/>
+        </p:nvSpPr>
+        <p:spPr>
+          <a:xfrm>
+            <a:off x="6096000" y="2869365"/>
+            <a:ext cx="4870512" cy="741581"/>
+          </a:xfrm>
+          <a:prstGeom prst="rect">
+            <a:avLst/>
+          </a:prstGeom>
+        </p:spPr>
+        <p:txBody>
+          <a:bodyPr vert="horz" lIns="91440" tIns="45720" rIns="91440" bIns="45720" rtlCol="0" anchor="ctr">
+            <a:normAutofit fontScale="92500" lnSpcReduction="10000"/>
+          </a:bodyPr>
+          <a:lstStyle>
+            <a:lvl1pPr marL="0" indent="0" algn="l" defTabSz="914400" rtl="0" eaLnBrk="1" latinLnBrk="0" hangingPunct="1">
+              <a:lnSpc>
+                <a:spcPct val="110000"/>
+              </a:lnSpc>
+              <a:spcBef>
+                <a:spcPts val="800"/>
+              </a:spcBef>
+              <a:spcAft>
+                <a:spcPts val="0"/>
+              </a:spcAft>
+              <a:buClr>
+                <a:schemeClr val="tx1">
+                  <a:lumMod val="85000"/>
+                  <a:lumOff val="15000"/>
+                </a:schemeClr>
+              </a:buClr>
+              <a:buFont typeface="Garamond" pitchFamily="18" charset="0"/>
+              <a:buNone/>
+              <a:defRPr sz="1800" kern="1200">
+                <a:solidFill>
+                  <a:schemeClr val="tx1"/>
+                </a:solidFill>
+                <a:latin typeface="+mn-lt"/>
+                <a:ea typeface="+mn-ea"/>
+                <a:cs typeface="+mn-cs"/>
+              </a:defRPr>
+            </a:lvl1pPr>
+            <a:lvl2pPr marL="457200" indent="0" algn="l" defTabSz="914400" rtl="0" eaLnBrk="1" latinLnBrk="0" hangingPunct="1">
+              <a:lnSpc>
+                <a:spcPct val="100000"/>
+              </a:lnSpc>
+              <a:spcBef>
+                <a:spcPts val="500"/>
+              </a:spcBef>
+              <a:buClr>
+                <a:schemeClr val="tx1">
+                  <a:lumMod val="85000"/>
+                  <a:lumOff val="15000"/>
+                </a:schemeClr>
+              </a:buClr>
+              <a:buFont typeface="Garamond" pitchFamily="18" charset="0"/>
+              <a:buNone/>
+              <a:defRPr sz="1200" kern="1200">
+                <a:solidFill>
+                  <a:schemeClr val="tx1"/>
+                </a:solidFill>
+                <a:latin typeface="+mn-lt"/>
+                <a:ea typeface="+mn-ea"/>
+                <a:cs typeface="+mn-cs"/>
+              </a:defRPr>
+            </a:lvl2pPr>
+            <a:lvl3pPr marL="914400" indent="0" algn="l" defTabSz="914400" rtl="0" eaLnBrk="1" latinLnBrk="0" hangingPunct="1">
+              <a:lnSpc>
+                <a:spcPct val="100000"/>
+              </a:lnSpc>
+              <a:spcBef>
+                <a:spcPts val="500"/>
+              </a:spcBef>
+              <a:buClr>
+                <a:schemeClr val="tx1">
+                  <a:lumMod val="85000"/>
+                  <a:lumOff val="15000"/>
+                </a:schemeClr>
+              </a:buClr>
+              <a:buFont typeface="Garamond" pitchFamily="18" charset="0"/>
+              <a:buNone/>
+              <a:defRPr sz="1000" kern="1200">
+                <a:solidFill>
+                  <a:schemeClr val="tx1"/>
+                </a:solidFill>
+                <a:latin typeface="+mn-lt"/>
+                <a:ea typeface="+mn-ea"/>
+                <a:cs typeface="+mn-cs"/>
+              </a:defRPr>
+            </a:lvl3pPr>
+            <a:lvl4pPr marL="1371600" indent="0" algn="l" defTabSz="914400" rtl="0" eaLnBrk="1" latinLnBrk="0" hangingPunct="1">
+              <a:lnSpc>
+                <a:spcPct val="100000"/>
+              </a:lnSpc>
+              <a:spcBef>
+                <a:spcPts val="500"/>
+              </a:spcBef>
+              <a:buClr>
+                <a:schemeClr val="tx1">
+                  <a:lumMod val="85000"/>
+                  <a:lumOff val="15000"/>
+                </a:schemeClr>
+              </a:buClr>
+              <a:buFont typeface="Garamond" pitchFamily="18" charset="0"/>
+              <a:buNone/>
+              <a:defRPr sz="900" kern="1200">
+                <a:solidFill>
+                  <a:schemeClr val="tx1"/>
+                </a:solidFill>
+                <a:latin typeface="+mn-lt"/>
+                <a:ea typeface="+mn-ea"/>
+                <a:cs typeface="+mn-cs"/>
+              </a:defRPr>
+            </a:lvl4pPr>
+            <a:lvl5pPr marL="1828800" indent="0" algn="l" defTabSz="914400" rtl="0" eaLnBrk="1" latinLnBrk="0" hangingPunct="1">
+              <a:lnSpc>
+                <a:spcPct val="100000"/>
+              </a:lnSpc>
+              <a:spcBef>
+                <a:spcPts val="500"/>
+              </a:spcBef>
+              <a:buClr>
+                <a:schemeClr val="tx1">
+                  <a:lumMod val="85000"/>
+                  <a:lumOff val="15000"/>
+                </a:schemeClr>
+              </a:buClr>
+              <a:buFont typeface="Garamond" pitchFamily="18" charset="0"/>
+              <a:buNone/>
+              <a:defRPr sz="900" kern="1200">
+                <a:solidFill>
+                  <a:schemeClr val="tx1"/>
+                </a:solidFill>
+                <a:latin typeface="+mn-lt"/>
+                <a:ea typeface="+mn-ea"/>
+                <a:cs typeface="+mn-cs"/>
+              </a:defRPr>
+            </a:lvl5pPr>
+            <a:lvl6pPr marL="2286000" indent="0" algn="l" defTabSz="914400" rtl="0" eaLnBrk="1" latinLnBrk="0" hangingPunct="1">
+              <a:lnSpc>
+                <a:spcPct val="100000"/>
+              </a:lnSpc>
+              <a:spcBef>
+                <a:spcPts val="500"/>
+              </a:spcBef>
+              <a:buClr>
+                <a:schemeClr val="tx1">
+                  <a:lumMod val="85000"/>
+                  <a:lumOff val="15000"/>
+                </a:schemeClr>
+              </a:buClr>
+              <a:buFont typeface="Garamond" pitchFamily="18" charset="0"/>
+              <a:buNone/>
+              <a:defRPr sz="900" kern="1200">
+                <a:solidFill>
+                  <a:schemeClr val="tx1"/>
+                </a:solidFill>
+                <a:latin typeface="+mn-lt"/>
+                <a:ea typeface="+mn-ea"/>
+                <a:cs typeface="+mn-cs"/>
+              </a:defRPr>
+            </a:lvl6pPr>
+            <a:lvl7pPr marL="2743200" indent="0" algn="l" defTabSz="914400" rtl="0" eaLnBrk="1" latinLnBrk="0" hangingPunct="1">
+              <a:lnSpc>
+                <a:spcPct val="100000"/>
+              </a:lnSpc>
+              <a:spcBef>
+                <a:spcPts val="500"/>
+              </a:spcBef>
+              <a:buClr>
+                <a:schemeClr val="tx1">
+                  <a:lumMod val="85000"/>
+                  <a:lumOff val="15000"/>
+                </a:schemeClr>
+              </a:buClr>
+              <a:buFont typeface="Garamond" pitchFamily="18" charset="0"/>
+              <a:buNone/>
+              <a:defRPr sz="900" kern="1200">
+                <a:solidFill>
+                  <a:schemeClr val="tx1"/>
+                </a:solidFill>
+                <a:latin typeface="+mn-lt"/>
+                <a:ea typeface="+mn-ea"/>
+                <a:cs typeface="+mn-cs"/>
+              </a:defRPr>
+            </a:lvl7pPr>
+            <a:lvl8pPr marL="3200400" indent="0" algn="l" defTabSz="914400" rtl="0" eaLnBrk="1" latinLnBrk="0" hangingPunct="1">
+              <a:lnSpc>
+                <a:spcPct val="100000"/>
+              </a:lnSpc>
+              <a:spcBef>
+                <a:spcPts val="500"/>
+              </a:spcBef>
+              <a:buClr>
+                <a:schemeClr val="tx1">
+                  <a:lumMod val="85000"/>
+                  <a:lumOff val="15000"/>
+                </a:schemeClr>
+              </a:buClr>
+              <a:buFont typeface="Garamond" pitchFamily="18" charset="0"/>
+              <a:buNone/>
+              <a:defRPr sz="900" kern="1200">
+                <a:solidFill>
+                  <a:schemeClr val="tx1"/>
+                </a:solidFill>
+                <a:latin typeface="+mn-lt"/>
+                <a:ea typeface="+mn-ea"/>
+                <a:cs typeface="+mn-cs"/>
+              </a:defRPr>
+            </a:lvl8pPr>
+            <a:lvl9pPr marL="3657600" indent="0" algn="l" defTabSz="914400" rtl="0" eaLnBrk="1" latinLnBrk="0" hangingPunct="1">
+              <a:lnSpc>
+                <a:spcPct val="100000"/>
+              </a:lnSpc>
+              <a:spcBef>
+                <a:spcPts val="500"/>
+              </a:spcBef>
+              <a:buClr>
+                <a:schemeClr val="tx1">
+                  <a:lumMod val="85000"/>
+                  <a:lumOff val="15000"/>
+                </a:schemeClr>
+              </a:buClr>
+              <a:buFont typeface="Garamond" pitchFamily="18" charset="0"/>
+              <a:buNone/>
+              <a:defRPr sz="900" kern="1200">
+                <a:solidFill>
+                  <a:schemeClr val="tx1"/>
+                </a:solidFill>
+                <a:latin typeface="+mn-lt"/>
+                <a:ea typeface="+mn-ea"/>
+                <a:cs typeface="+mn-cs"/>
+              </a:defRPr>
+            </a:lvl9pPr>
+          </a:lstStyle>
+          <a:p>
+            <a:pPr indent="-182880">
+              <a:lnSpc>
+                <a:spcPct val="100000"/>
+              </a:lnSpc>
+              <a:buFont typeface="Garamond" pitchFamily="18" charset="0"/>
+              <a:buChar char="◦"/>
+            </a:pPr>
+            <a:endParaRPr lang="en-US" sz="2000" dirty="0"/>
+          </a:p>
+          <a:p>
+            <a:pPr indent="-182880">
+              <a:lnSpc>
+                <a:spcPct val="100000"/>
+              </a:lnSpc>
+              <a:buFont typeface="Garamond" pitchFamily="18" charset="0"/>
+              <a:buChar char="◦"/>
+            </a:pPr>
+            <a:r>
+              <a:rPr lang="en-US" sz="2000" dirty="0"/>
+              <a:t>Workforce (types, sectors)</a:t>
+            </a:r>
+          </a:p>
+        </p:txBody>
+      </p:sp>
+      <p:sp>
+        <p:nvSpPr>
+          <p:cNvPr id="6" name="Text Placeholder 3">
+            <a:extLst>
+              <a:ext uri="{FF2B5EF4-FFF2-40B4-BE49-F238E27FC236}">
+                <a16:creationId xmlns:a16="http://schemas.microsoft.com/office/drawing/2014/main" id="{1B9BB25E-1127-4E5E-83AD-B9789CCD249E}"/>
+              </a:ext>
+            </a:extLst>
+          </p:cNvPr>
+          <p:cNvSpPr txBox="1">
+            <a:spLocks/>
+          </p:cNvSpPr>
+          <p:nvPr/>
+        </p:nvSpPr>
+        <p:spPr>
+          <a:xfrm>
+            <a:off x="6096000" y="3266094"/>
+            <a:ext cx="4870512" cy="741580"/>
+          </a:xfrm>
+          <a:prstGeom prst="rect">
+            <a:avLst/>
+          </a:prstGeom>
+        </p:spPr>
+        <p:txBody>
+          <a:bodyPr vert="horz" lIns="91440" tIns="45720" rIns="91440" bIns="45720" rtlCol="0" anchor="ctr">
+            <a:normAutofit fontScale="92500" lnSpcReduction="10000"/>
+          </a:bodyPr>
+          <a:lstStyle>
+            <a:lvl1pPr marL="0" indent="0" algn="l" defTabSz="914400" rtl="0" eaLnBrk="1" latinLnBrk="0" hangingPunct="1">
+              <a:lnSpc>
+                <a:spcPct val="110000"/>
+              </a:lnSpc>
+              <a:spcBef>
+                <a:spcPts val="800"/>
+              </a:spcBef>
+              <a:spcAft>
+                <a:spcPts val="0"/>
+              </a:spcAft>
+              <a:buClr>
+                <a:schemeClr val="tx1">
+                  <a:lumMod val="85000"/>
+                  <a:lumOff val="15000"/>
+                </a:schemeClr>
+              </a:buClr>
+              <a:buFont typeface="Garamond" pitchFamily="18" charset="0"/>
+              <a:buNone/>
+              <a:defRPr sz="1800" kern="1200">
+                <a:solidFill>
+                  <a:schemeClr val="tx1"/>
+                </a:solidFill>
+                <a:latin typeface="+mn-lt"/>
+                <a:ea typeface="+mn-ea"/>
+                <a:cs typeface="+mn-cs"/>
+              </a:defRPr>
+            </a:lvl1pPr>
+            <a:lvl2pPr marL="457200" indent="0" algn="l" defTabSz="914400" rtl="0" eaLnBrk="1" latinLnBrk="0" hangingPunct="1">
+              <a:lnSpc>
+                <a:spcPct val="100000"/>
+              </a:lnSpc>
+              <a:spcBef>
+                <a:spcPts val="500"/>
+              </a:spcBef>
+              <a:buClr>
+                <a:schemeClr val="tx1">
+                  <a:lumMod val="85000"/>
+                  <a:lumOff val="15000"/>
+                </a:schemeClr>
+              </a:buClr>
+              <a:buFont typeface="Garamond" pitchFamily="18" charset="0"/>
+              <a:buNone/>
+              <a:defRPr sz="1200" kern="1200">
+                <a:solidFill>
+                  <a:schemeClr val="tx1"/>
+                </a:solidFill>
+                <a:latin typeface="+mn-lt"/>
+                <a:ea typeface="+mn-ea"/>
+                <a:cs typeface="+mn-cs"/>
+              </a:defRPr>
+            </a:lvl2pPr>
+            <a:lvl3pPr marL="914400" indent="0" algn="l" defTabSz="914400" rtl="0" eaLnBrk="1" latinLnBrk="0" hangingPunct="1">
+              <a:lnSpc>
+                <a:spcPct val="100000"/>
+              </a:lnSpc>
+              <a:spcBef>
+                <a:spcPts val="500"/>
+              </a:spcBef>
+              <a:buClr>
+                <a:schemeClr val="tx1">
+                  <a:lumMod val="85000"/>
+                  <a:lumOff val="15000"/>
+                </a:schemeClr>
+              </a:buClr>
+              <a:buFont typeface="Garamond" pitchFamily="18" charset="0"/>
+              <a:buNone/>
+              <a:defRPr sz="1000" kern="1200">
+                <a:solidFill>
+                  <a:schemeClr val="tx1"/>
+                </a:solidFill>
+                <a:latin typeface="+mn-lt"/>
+                <a:ea typeface="+mn-ea"/>
+                <a:cs typeface="+mn-cs"/>
+              </a:defRPr>
+            </a:lvl3pPr>
+            <a:lvl4pPr marL="1371600" indent="0" algn="l" defTabSz="914400" rtl="0" eaLnBrk="1" latinLnBrk="0" hangingPunct="1">
+              <a:lnSpc>
+                <a:spcPct val="100000"/>
+              </a:lnSpc>
+              <a:spcBef>
+                <a:spcPts val="500"/>
+              </a:spcBef>
+              <a:buClr>
+                <a:schemeClr val="tx1">
+                  <a:lumMod val="85000"/>
+                  <a:lumOff val="15000"/>
+                </a:schemeClr>
+              </a:buClr>
+              <a:buFont typeface="Garamond" pitchFamily="18" charset="0"/>
+              <a:buNone/>
+              <a:defRPr sz="900" kern="1200">
+                <a:solidFill>
+                  <a:schemeClr val="tx1"/>
+                </a:solidFill>
+                <a:latin typeface="+mn-lt"/>
+                <a:ea typeface="+mn-ea"/>
+                <a:cs typeface="+mn-cs"/>
+              </a:defRPr>
+            </a:lvl4pPr>
+            <a:lvl5pPr marL="1828800" indent="0" algn="l" defTabSz="914400" rtl="0" eaLnBrk="1" latinLnBrk="0" hangingPunct="1">
+              <a:lnSpc>
+                <a:spcPct val="100000"/>
+              </a:lnSpc>
+              <a:spcBef>
+                <a:spcPts val="500"/>
+              </a:spcBef>
+              <a:buClr>
+                <a:schemeClr val="tx1">
+                  <a:lumMod val="85000"/>
+                  <a:lumOff val="15000"/>
+                </a:schemeClr>
+              </a:buClr>
+              <a:buFont typeface="Garamond" pitchFamily="18" charset="0"/>
+              <a:buNone/>
+              <a:defRPr sz="900" kern="1200">
+                <a:solidFill>
+                  <a:schemeClr val="tx1"/>
+                </a:solidFill>
+                <a:latin typeface="+mn-lt"/>
+                <a:ea typeface="+mn-ea"/>
+                <a:cs typeface="+mn-cs"/>
+              </a:defRPr>
+            </a:lvl5pPr>
+            <a:lvl6pPr marL="2286000" indent="0" algn="l" defTabSz="914400" rtl="0" eaLnBrk="1" latinLnBrk="0" hangingPunct="1">
+              <a:lnSpc>
+                <a:spcPct val="100000"/>
+              </a:lnSpc>
+              <a:spcBef>
+                <a:spcPts val="500"/>
+              </a:spcBef>
+              <a:buClr>
+                <a:schemeClr val="tx1">
+                  <a:lumMod val="85000"/>
+                  <a:lumOff val="15000"/>
+                </a:schemeClr>
+              </a:buClr>
+              <a:buFont typeface="Garamond" pitchFamily="18" charset="0"/>
+              <a:buNone/>
+              <a:defRPr sz="900" kern="1200">
+                <a:solidFill>
+                  <a:schemeClr val="tx1"/>
+                </a:solidFill>
+                <a:latin typeface="+mn-lt"/>
+                <a:ea typeface="+mn-ea"/>
+                <a:cs typeface="+mn-cs"/>
+              </a:defRPr>
+            </a:lvl6pPr>
+            <a:lvl7pPr marL="2743200" indent="0" algn="l" defTabSz="914400" rtl="0" eaLnBrk="1" latinLnBrk="0" hangingPunct="1">
+              <a:lnSpc>
+                <a:spcPct val="100000"/>
+              </a:lnSpc>
+              <a:spcBef>
+                <a:spcPts val="500"/>
+              </a:spcBef>
+              <a:buClr>
+                <a:schemeClr val="tx1">
+                  <a:lumMod val="85000"/>
+                  <a:lumOff val="15000"/>
+                </a:schemeClr>
+              </a:buClr>
+              <a:buFont typeface="Garamond" pitchFamily="18" charset="0"/>
+              <a:buNone/>
+              <a:defRPr sz="900" kern="1200">
+                <a:solidFill>
+                  <a:schemeClr val="tx1"/>
+                </a:solidFill>
+                <a:latin typeface="+mn-lt"/>
+                <a:ea typeface="+mn-ea"/>
+                <a:cs typeface="+mn-cs"/>
+              </a:defRPr>
+            </a:lvl7pPr>
+            <a:lvl8pPr marL="3200400" indent="0" algn="l" defTabSz="914400" rtl="0" eaLnBrk="1" latinLnBrk="0" hangingPunct="1">
+              <a:lnSpc>
+                <a:spcPct val="100000"/>
+              </a:lnSpc>
+              <a:spcBef>
+                <a:spcPts val="500"/>
+              </a:spcBef>
+              <a:buClr>
+                <a:schemeClr val="tx1">
+                  <a:lumMod val="85000"/>
+                  <a:lumOff val="15000"/>
+                </a:schemeClr>
+              </a:buClr>
+              <a:buFont typeface="Garamond" pitchFamily="18" charset="0"/>
+              <a:buNone/>
+              <a:defRPr sz="900" kern="1200">
+                <a:solidFill>
+                  <a:schemeClr val="tx1"/>
+                </a:solidFill>
+                <a:latin typeface="+mn-lt"/>
+                <a:ea typeface="+mn-ea"/>
+                <a:cs typeface="+mn-cs"/>
+              </a:defRPr>
+            </a:lvl8pPr>
+            <a:lvl9pPr marL="3657600" indent="0" algn="l" defTabSz="914400" rtl="0" eaLnBrk="1" latinLnBrk="0" hangingPunct="1">
+              <a:lnSpc>
+                <a:spcPct val="100000"/>
+              </a:lnSpc>
+              <a:spcBef>
+                <a:spcPts val="500"/>
+              </a:spcBef>
+              <a:buClr>
+                <a:schemeClr val="tx1">
+                  <a:lumMod val="85000"/>
+                  <a:lumOff val="15000"/>
+                </a:schemeClr>
+              </a:buClr>
+              <a:buFont typeface="Garamond" pitchFamily="18" charset="0"/>
+              <a:buNone/>
+              <a:defRPr sz="900" kern="1200">
+                <a:solidFill>
+                  <a:schemeClr val="tx1"/>
+                </a:solidFill>
+                <a:latin typeface="+mn-lt"/>
+                <a:ea typeface="+mn-ea"/>
+                <a:cs typeface="+mn-cs"/>
+              </a:defRPr>
+            </a:lvl9pPr>
+          </a:lstStyle>
+          <a:p>
+            <a:pPr indent="-182880">
+              <a:lnSpc>
+                <a:spcPct val="100000"/>
+              </a:lnSpc>
+              <a:buFont typeface="Garamond" pitchFamily="18" charset="0"/>
+              <a:buChar char="◦"/>
+            </a:pPr>
+            <a:endParaRPr lang="en-US" sz="2000" dirty="0"/>
+          </a:p>
+          <a:p>
+            <a:pPr indent="-182880">
+              <a:lnSpc>
+                <a:spcPct val="100000"/>
+              </a:lnSpc>
+              <a:buFont typeface="Garamond" pitchFamily="18" charset="0"/>
+              <a:buChar char="◦"/>
+            </a:pPr>
+            <a:r>
+              <a:rPr lang="en-US" sz="2000" dirty="0"/>
+              <a:t>Population</a:t>
+            </a:r>
+          </a:p>
+        </p:txBody>
+      </p:sp>
+    </p:spTree>
+    <p:extLst>
+      <p:ext uri="{BB962C8B-B14F-4D97-AF65-F5344CB8AC3E}">
+        <p14:creationId xmlns:p14="http://schemas.microsoft.com/office/powerpoint/2010/main" val="2975753832"/>
+      </p:ext>
+    </p:extLst>
+  </p:cSld>
+  <p:clrMapOvr>
+    <a:masterClrMapping/>
+  </p:clrMapOvr>
+  <mc:AlternateContent xmlns:mc="http://schemas.openxmlformats.org/markup-compatibility/2006" xmlns:p14="http://schemas.microsoft.com/office/powerpoint/2010/main">
+    <mc:Choice Requires="p14">
+      <p:transition spd="slow" p14:dur="3400">
+        <p14:reveal/>
+      </p:transition>
+    </mc:Choice>
+    <mc:Fallback xmlns="">
+      <p:transition spd="slow">
+        <p:fade/>
+      </p:transition>
+    </mc:Fallback>
+  </mc:AlternateContent>
+</p:sld>
+</file>
+
+<file path=ppt/slides/slide7.xml><?xml version="1.0" encoding="utf-8"?>
+<p:sld xmlns:a="http://schemas.openxmlformats.org/drawingml/2006/main" xmlns:r="http://schemas.openxmlformats.org/officeDocument/2006/relationships" xmlns:p="http://schemas.openxmlformats.org/presentationml/2006/main">
+  <p:cSld>
+    <p:bg>
+      <p:bgPr>
+        <a:solidFill>
+          <a:schemeClr val="bg1">
+            <a:lumMod val="95000"/>
+          </a:schemeClr>
+        </a:solidFill>
+        <a:effectLst/>
+      </p:bgPr>
+    </p:bg>
+    <p:spTree>
+      <p:nvGrpSpPr>
+        <p:cNvPr id="1" name=""/>
+        <p:cNvGrpSpPr/>
+        <p:nvPr/>
+      </p:nvGrpSpPr>
+      <p:grpSpPr>
+        <a:xfrm>
+          <a:off x="0" y="0"/>
+          <a:ext cx="0" cy="0"/>
+          <a:chOff x="0" y="0"/>
+          <a:chExt cx="0" cy="0"/>
+        </a:xfrm>
+      </p:grpSpPr>
+      <p:sp>
+        <p:nvSpPr>
+          <p:cNvPr id="67" name="Rectangle 66">
+            <a:extLst>
+              <a:ext uri="{FF2B5EF4-FFF2-40B4-BE49-F238E27FC236}">
+                <a16:creationId xmlns:a16="http://schemas.microsoft.com/office/drawing/2014/main" id="{904DB13E-F722-4ED6-BB00-556651E95281}"/>
+              </a:ext>
+              <a:ext uri="{C183D7F6-B498-43B3-948B-1728B52AA6E4}">
+                <adec:decorative xmlns:adec="http://schemas.microsoft.com/office/drawing/2017/decorative" val="1"/>
+              </a:ext>
+            </a:extLst>
+          </p:cNvPr>
+          <p:cNvSpPr>
+            <a:spLocks noGrp="1" noRot="1" noChangeAspect="1" noMove="1" noResize="1" noEditPoints="1" noAdjustHandles="1" noChangeArrowheads="1" noChangeShapeType="1" noTextEdit="1"/>
+          </p:cNvSpPr>
+          <p:nvPr>
+            <p:extLst>
+              <p:ext uri="{386F3935-93C4-4BCD-93E2-E3B085C9AB24}">
+                <p16:designElem xmlns:p16="http://schemas.microsoft.com/office/powerpoint/2015/main" val="1"/>
+              </p:ext>
+            </p:extLst>
+          </p:nvPr>
+        </p:nvSpPr>
+        <p:spPr>
+          <a:xfrm>
+            <a:off x="0" y="0"/>
+            <a:ext cx="12192000" cy="6858000"/>
+          </a:xfrm>
+          <a:prstGeom prst="rect">
+            <a:avLst/>
+          </a:prstGeom>
+          <a:solidFill>
+            <a:schemeClr val="tx1">
+              <a:lumMod val="65000"/>
+              <a:lumOff val="35000"/>
+            </a:schemeClr>
+          </a:solidFill>
+          <a:ln>
+            <a:noFill/>
+          </a:ln>
+        </p:spPr>
+        <p:style>
+          <a:lnRef idx="2">
+            <a:schemeClr val="accent1">
+              <a:shade val="50000"/>
+            </a:schemeClr>
+          </a:lnRef>
+          <a:fillRef idx="1">
+            <a:schemeClr val="accent1"/>
+          </a:fillRef>
+          <a:effectRef idx="0">
+            <a:schemeClr val="accent1"/>
+          </a:effectRef>
+          <a:fontRef idx="minor">
+            <a:schemeClr val="lt1"/>
+          </a:fontRef>
+        </p:style>
+        <p:txBody>
+          <a:bodyPr rtlCol="0" anchor="ctr"/>
+          <a:lstStyle/>
+          <a:p>
+            <a:pPr algn="ctr"/>
+            <a:endParaRPr lang="en-US"/>
+          </a:p>
+        </p:txBody>
+      </p:sp>
+      <p:sp useBgFill="1">
+        <p:nvSpPr>
+          <p:cNvPr id="69" name="Rectangle 68">
+            <a:extLst>
+              <a:ext uri="{FF2B5EF4-FFF2-40B4-BE49-F238E27FC236}">
+                <a16:creationId xmlns:a16="http://schemas.microsoft.com/office/drawing/2014/main" id="{7B58A187-A4B1-42EB-A4C7-8635BA507BCE}"/>
+              </a:ext>
+              <a:ext uri="{C183D7F6-B498-43B3-948B-1728B52AA6E4}">
+                <adec:decorative xmlns:adec="http://schemas.microsoft.com/office/drawing/2017/decorative" val="1"/>
+              </a:ext>
+            </a:extLst>
+          </p:cNvPr>
+          <p:cNvSpPr>
+            <a:spLocks noGrp="1" noRot="1" noChangeAspect="1" noMove="1" noResize="1" noEditPoints="1" noAdjustHandles="1" noChangeArrowheads="1" noChangeShapeType="1" noTextEdit="1"/>
+          </p:cNvSpPr>
+          <p:nvPr>
+            <p:extLst>
+              <p:ext uri="{386F3935-93C4-4BCD-93E2-E3B085C9AB24}">
+                <p16:designElem xmlns:p16="http://schemas.microsoft.com/office/powerpoint/2015/main" val="1"/>
+              </p:ext>
+            </p:extLst>
+          </p:nvPr>
+        </p:nvSpPr>
+        <p:spPr>
+          <a:xfrm>
+            <a:off x="1307870" y="1267730"/>
+            <a:ext cx="9576262" cy="4307950"/>
+          </a:xfrm>
+          <a:prstGeom prst="rect">
+            <a:avLst/>
+          </a:prstGeom>
+          <a:ln w="6350" cap="flat" cmpd="sng" algn="ctr">
+            <a:noFill/>
+            <a:prstDash val="solid"/>
+          </a:ln>
+          <a:effectLst>
+            <a:outerShdw blurRad="50800" algn="ctr" rotWithShape="0">
+              <a:prstClr val="black">
+                <a:alpha val="66000"/>
+              </a:prstClr>
+            </a:outerShdw>
+            <a:softEdge rad="0"/>
+          </a:effectLst>
+        </p:spPr>
+      </p:sp>
+      <p:sp>
+        <p:nvSpPr>
+          <p:cNvPr id="71" name="Rectangle 70">
+            <a:extLst>
+              <a:ext uri="{FF2B5EF4-FFF2-40B4-BE49-F238E27FC236}">
+                <a16:creationId xmlns:a16="http://schemas.microsoft.com/office/drawing/2014/main" id="{37F14E7F-3054-458C-ACF9-A8DA1757C65C}"/>
+              </a:ext>
+              <a:ext uri="{C183D7F6-B498-43B3-948B-1728B52AA6E4}">
+                <adec:decorative xmlns:adec="http://schemas.microsoft.com/office/drawing/2017/decorative" val="1"/>
+              </a:ext>
+            </a:extLst>
+          </p:cNvPr>
+          <p:cNvSpPr>
+            <a:spLocks noGrp="1" noRot="1" noChangeAspect="1" noMove="1" noResize="1" noEditPoints="1" noAdjustHandles="1" noChangeArrowheads="1" noChangeShapeType="1" noTextEdit="1"/>
+          </p:cNvSpPr>
+          <p:nvPr>
+            <p:extLst>
+              <p:ext uri="{386F3935-93C4-4BCD-93E2-E3B085C9AB24}">
+                <p16:designElem xmlns:p16="http://schemas.microsoft.com/office/powerpoint/2015/main" val="1"/>
+              </p:ext>
+            </p:extLst>
+          </p:nvPr>
+        </p:nvSpPr>
+        <p:spPr>
+          <a:xfrm>
+            <a:off x="1447801" y="1411615"/>
+            <a:ext cx="9296400" cy="4034770"/>
+          </a:xfrm>
+          <a:prstGeom prst="rect">
+            <a:avLst/>
+          </a:prstGeom>
+          <a:noFill/>
+          <a:ln w="6350" cap="sq" cmpd="sng" algn="ctr">
+            <a:solidFill>
+              <a:schemeClr val="tx1">
+                <a:lumMod val="75000"/>
+                <a:lumOff val="25000"/>
+              </a:schemeClr>
+            </a:solidFill>
+            <a:prstDash val="solid"/>
+            <a:miter lim="800000"/>
+          </a:ln>
+          <a:effectLst/>
+        </p:spPr>
+      </p:sp>
+      <p:sp>
+        <p:nvSpPr>
+          <p:cNvPr id="73" name="Rectangle 72">
+            <a:extLst>
+              <a:ext uri="{FF2B5EF4-FFF2-40B4-BE49-F238E27FC236}">
+                <a16:creationId xmlns:a16="http://schemas.microsoft.com/office/drawing/2014/main" id="{93747C1C-97FC-4D70-A6C8-A01FBCF5A9DC}"/>
+              </a:ext>
+              <a:ext uri="{C183D7F6-B498-43B3-948B-1728B52AA6E4}">
+                <adec:decorative xmlns:adec="http://schemas.microsoft.com/office/drawing/2017/decorative" val="1"/>
+              </a:ext>
+            </a:extLst>
+          </p:cNvPr>
+          <p:cNvSpPr>
+            <a:spLocks noGrp="1" noRot="1" noChangeAspect="1" noMove="1" noResize="1" noEditPoints="1" noAdjustHandles="1" noChangeArrowheads="1" noChangeShapeType="1" noTextEdit="1"/>
+          </p:cNvSpPr>
+          <p:nvPr>
+            <p:extLst>
+              <p:ext uri="{386F3935-93C4-4BCD-93E2-E3B085C9AB24}">
+                <p16:designElem xmlns:p16="http://schemas.microsoft.com/office/powerpoint/2015/main" val="1"/>
+              </p:ext>
+            </p:extLst>
+          </p:nvPr>
+        </p:nvSpPr>
+        <p:spPr>
+          <a:xfrm>
+            <a:off x="5135880" y="1267730"/>
+            <a:ext cx="1920240" cy="731520"/>
+          </a:xfrm>
+          <a:prstGeom prst="rect">
+            <a:avLst/>
+          </a:prstGeom>
+          <a:solidFill>
+            <a:schemeClr val="accent1"/>
+          </a:solidFill>
+          <a:ln>
+            <a:noFill/>
+          </a:ln>
+        </p:spPr>
+        <p:style>
+          <a:lnRef idx="2">
+            <a:schemeClr val="accent1">
+              <a:shade val="50000"/>
+            </a:schemeClr>
+          </a:lnRef>
+          <a:fillRef idx="1">
+            <a:schemeClr val="accent1"/>
+          </a:fillRef>
+          <a:effectRef idx="0">
+            <a:schemeClr val="accent1"/>
+          </a:effectRef>
+          <a:fontRef idx="minor">
+            <a:schemeClr val="lt1"/>
+          </a:fontRef>
+        </p:style>
+      </p:sp>
+      <p:grpSp>
+        <p:nvGrpSpPr>
+          <p:cNvPr id="75" name="Group 74">
+            <a:extLst>
+              <a:ext uri="{FF2B5EF4-FFF2-40B4-BE49-F238E27FC236}">
+                <a16:creationId xmlns:a16="http://schemas.microsoft.com/office/drawing/2014/main" id="{E26428D7-C6F3-473D-A360-A3F5C3E8728C}"/>
+              </a:ext>
+              <a:ext uri="{C183D7F6-B498-43B3-948B-1728B52AA6E4}">
+                <adec:decorative xmlns:adec="http://schemas.microsoft.com/office/drawing/2017/decorative" val="1"/>
+              </a:ext>
+            </a:extLst>
+          </p:cNvPr>
+          <p:cNvGrpSpPr>
+            <a:grpSpLocks noGrp="1" noUngrp="1" noRot="1" noChangeAspect="1" noMove="1" noResize="1"/>
+          </p:cNvGrpSpPr>
+          <p:nvPr>
+            <p:extLst>
+              <p:ext uri="{386F3935-93C4-4BCD-93E2-E3B085C9AB24}">
+                <p16:designElem xmlns:p16="http://schemas.microsoft.com/office/powerpoint/2015/main" val="1"/>
+              </p:ext>
+            </p:extLst>
+          </p:nvPr>
+        </p:nvGrpSpPr>
+        <p:grpSpPr>
+          <a:xfrm>
+            <a:off x="5250180" y="1267730"/>
+            <a:ext cx="1691640" cy="615934"/>
+            <a:chOff x="5250180" y="1267730"/>
+            <a:chExt cx="1691640" cy="615934"/>
+          </a:xfrm>
+        </p:grpSpPr>
+        <p:cxnSp>
+          <p:nvCxnSpPr>
+            <p:cNvPr id="76" name="Straight Connector 75">
+              <a:extLst>
+                <a:ext uri="{FF2B5EF4-FFF2-40B4-BE49-F238E27FC236}">
+                  <a16:creationId xmlns:a16="http://schemas.microsoft.com/office/drawing/2014/main" id="{05CDC370-AE44-4300-98BA-FE204E881765}"/>
+                </a:ext>
+                <a:ext uri="{C183D7F6-B498-43B3-948B-1728B52AA6E4}">
+                  <adec:decorative xmlns:adec="http://schemas.microsoft.com/office/drawing/2017/decorative" val="1"/>
+                </a:ext>
+              </a:extLst>
+            </p:cNvPr>
+            <p:cNvCxnSpPr/>
+            <p:nvPr>
+              <p:extLst>
+                <p:ext uri="{386F3935-93C4-4BCD-93E2-E3B085C9AB24}">
+                  <p16:designElem xmlns:p16="http://schemas.microsoft.com/office/powerpoint/2015/main" val="1"/>
+                </p:ext>
+              </p:extLst>
+            </p:nvPr>
+          </p:nvCxnSpPr>
+          <p:spPr>
+            <a:xfrm>
+              <a:off x="5250180" y="1267730"/>
+              <a:ext cx="0" cy="612648"/>
+            </a:xfrm>
+            <a:prstGeom prst="line">
+              <a:avLst/>
+            </a:prstGeom>
+            <a:solidFill>
+              <a:schemeClr val="tx1">
+                <a:lumMod val="85000"/>
+                <a:lumOff val="15000"/>
+              </a:schemeClr>
+            </a:solidFill>
+            <a:ln>
+              <a:solidFill>
+                <a:srgbClr val="FFFFFF"/>
+              </a:solidFill>
+              <a:miter lim="800000"/>
+            </a:ln>
+          </p:spPr>
+          <p:style>
+            <a:lnRef idx="1">
+              <a:schemeClr val="accent1"/>
+            </a:lnRef>
+            <a:fillRef idx="0">
+              <a:schemeClr val="accent1"/>
+            </a:fillRef>
+            <a:effectRef idx="0">
+              <a:schemeClr val="accent1"/>
+            </a:effectRef>
+            <a:fontRef idx="minor">
+              <a:schemeClr val="tx1"/>
+            </a:fontRef>
+          </p:style>
+        </p:cxnSp>
+        <p:cxnSp>
+          <p:nvCxnSpPr>
+            <p:cNvPr id="77" name="Straight Connector 76">
+              <a:extLst>
+                <a:ext uri="{FF2B5EF4-FFF2-40B4-BE49-F238E27FC236}">
+                  <a16:creationId xmlns:a16="http://schemas.microsoft.com/office/drawing/2014/main" id="{47B15501-CB9A-4642-80EE-2876EF039EB8}"/>
+                </a:ext>
+                <a:ext uri="{C183D7F6-B498-43B3-948B-1728B52AA6E4}">
+                  <adec:decorative xmlns:adec="http://schemas.microsoft.com/office/drawing/2017/decorative" val="1"/>
+                </a:ext>
+              </a:extLst>
+            </p:cNvPr>
+            <p:cNvCxnSpPr/>
+            <p:nvPr>
+              <p:extLst>
+                <p:ext uri="{386F3935-93C4-4BCD-93E2-E3B085C9AB24}">
+                  <p16:designElem xmlns:p16="http://schemas.microsoft.com/office/powerpoint/2015/main" val="1"/>
+                </p:ext>
+              </p:extLst>
+            </p:nvPr>
+          </p:nvCxnSpPr>
+          <p:spPr>
+            <a:xfrm>
+              <a:off x="6941820" y="1267730"/>
+              <a:ext cx="0" cy="612648"/>
+            </a:xfrm>
+            <a:prstGeom prst="line">
+              <a:avLst/>
+            </a:prstGeom>
+            <a:solidFill>
+              <a:schemeClr val="tx1">
+                <a:lumMod val="85000"/>
+                <a:lumOff val="15000"/>
+              </a:schemeClr>
+            </a:solidFill>
+            <a:ln>
+              <a:solidFill>
+                <a:srgbClr val="FFFFFF"/>
+              </a:solidFill>
+              <a:miter lim="800000"/>
+            </a:ln>
+          </p:spPr>
+          <p:style>
+            <a:lnRef idx="1">
+              <a:schemeClr val="accent1"/>
+            </a:lnRef>
+            <a:fillRef idx="0">
+              <a:schemeClr val="accent1"/>
+            </a:fillRef>
+            <a:effectRef idx="0">
+              <a:schemeClr val="accent1"/>
+            </a:effectRef>
+            <a:fontRef idx="minor">
+              <a:schemeClr val="tx1"/>
+            </a:fontRef>
+          </p:style>
+        </p:cxnSp>
+        <p:cxnSp>
+          <p:nvCxnSpPr>
+            <p:cNvPr id="78" name="Straight Connector 77">
+              <a:extLst>
+                <a:ext uri="{FF2B5EF4-FFF2-40B4-BE49-F238E27FC236}">
+                  <a16:creationId xmlns:a16="http://schemas.microsoft.com/office/drawing/2014/main" id="{6AFF9525-325F-47B3-A63C-93C12253AD76}"/>
+                </a:ext>
+                <a:ext uri="{C183D7F6-B498-43B3-948B-1728B52AA6E4}">
+                  <adec:decorative xmlns:adec="http://schemas.microsoft.com/office/drawing/2017/decorative" val="1"/>
+                </a:ext>
+              </a:extLst>
+            </p:cNvPr>
+            <p:cNvCxnSpPr/>
+            <p:nvPr>
+              <p:extLst>
+                <p:ext uri="{386F3935-93C4-4BCD-93E2-E3B085C9AB24}">
+                  <p16:designElem xmlns:p16="http://schemas.microsoft.com/office/powerpoint/2015/main" val="1"/>
+                </p:ext>
+              </p:extLst>
+            </p:nvPr>
+          </p:nvCxnSpPr>
+          <p:spPr>
+            <a:xfrm>
+              <a:off x="5250180" y="1883664"/>
+              <a:ext cx="1691640" cy="0"/>
+            </a:xfrm>
+            <a:prstGeom prst="line">
+              <a:avLst/>
+            </a:prstGeom>
+            <a:solidFill>
+              <a:schemeClr val="tx1">
+                <a:lumMod val="85000"/>
+                <a:lumOff val="15000"/>
+              </a:schemeClr>
+            </a:solidFill>
+            <a:ln>
+              <a:solidFill>
+                <a:srgbClr val="FFFFFF"/>
+              </a:solidFill>
+              <a:miter lim="800000"/>
+            </a:ln>
+          </p:spPr>
+          <p:style>
+            <a:lnRef idx="1">
+              <a:schemeClr val="accent1"/>
+            </a:lnRef>
+            <a:fillRef idx="0">
+              <a:schemeClr val="accent1"/>
+            </a:fillRef>
+            <a:effectRef idx="0">
+              <a:schemeClr val="accent1"/>
+            </a:effectRef>
+            <a:fontRef idx="minor">
+              <a:schemeClr val="tx1"/>
+            </a:fontRef>
+          </p:style>
+        </p:cxnSp>
+      </p:grpSp>
+      <p:sp>
+        <p:nvSpPr>
+          <p:cNvPr id="80" name="Rectangle 79">
+            <a:extLst>
+              <a:ext uri="{FF2B5EF4-FFF2-40B4-BE49-F238E27FC236}">
+                <a16:creationId xmlns:a16="http://schemas.microsoft.com/office/drawing/2014/main" id="{D071C0CD-5EFD-45A1-AAFD-61C3D4A65188}"/>
+              </a:ext>
+              <a:ext uri="{C183D7F6-B498-43B3-948B-1728B52AA6E4}">
+                <adec:decorative xmlns:adec="http://schemas.microsoft.com/office/drawing/2017/decorative" val="1"/>
+              </a:ext>
+            </a:extLst>
+          </p:cNvPr>
+          <p:cNvSpPr>
+            <a:spLocks noGrp="1" noRot="1" noChangeAspect="1" noMove="1" noResize="1" noEditPoints="1" noAdjustHandles="1" noChangeArrowheads="1" noChangeShapeType="1" noTextEdit="1"/>
+          </p:cNvSpPr>
+          <p:nvPr>
+            <p:extLst>
+              <p:ext uri="{386F3935-93C4-4BCD-93E2-E3B085C9AB24}">
+                <p16:designElem xmlns:p16="http://schemas.microsoft.com/office/powerpoint/2015/main" val="1"/>
+              </p:ext>
+            </p:extLst>
+          </p:nvPr>
+        </p:nvSpPr>
+        <p:spPr>
+          <a:xfrm>
+            <a:off x="0" y="0"/>
+            <a:ext cx="12192000" cy="6858000"/>
+          </a:xfrm>
+          <a:prstGeom prst="rect">
+            <a:avLst/>
+          </a:prstGeom>
+          <a:solidFill>
+            <a:schemeClr val="accent1"/>
+          </a:solidFill>
+          <a:ln>
+            <a:noFill/>
+          </a:ln>
+        </p:spPr>
+        <p:style>
+          <a:lnRef idx="2">
+            <a:schemeClr val="accent1">
+              <a:shade val="50000"/>
+            </a:schemeClr>
+          </a:lnRef>
+          <a:fillRef idx="1002">
+            <a:schemeClr val="lt2"/>
+          </a:fillRef>
+          <a:effectRef idx="0">
+            <a:schemeClr val="accent1"/>
+          </a:effectRef>
+          <a:fontRef idx="minor">
+            <a:schemeClr val="lt1"/>
+          </a:fontRef>
+        </p:style>
+        <p:txBody>
+          <a:bodyPr rtlCol="0" anchor="ctr"/>
+          <a:lstStyle/>
+          <a:p>
+            <a:pPr algn="ctr"/>
+            <a:endParaRPr lang="en-US"/>
+          </a:p>
+        </p:txBody>
+      </p:sp>
+      <p:sp>
+        <p:nvSpPr>
+          <p:cNvPr id="82" name="Rectangle 81">
+            <a:extLst>
+              <a:ext uri="{FF2B5EF4-FFF2-40B4-BE49-F238E27FC236}">
+                <a16:creationId xmlns:a16="http://schemas.microsoft.com/office/drawing/2014/main" id="{8A03302C-20A2-4C4F-9760-E85AE1041385}"/>
+              </a:ext>
+              <a:ext uri="{C183D7F6-B498-43B3-948B-1728B52AA6E4}">
+                <adec:decorative xmlns:adec="http://schemas.microsoft.com/office/drawing/2017/decorative" val="1"/>
+              </a:ext>
+            </a:extLst>
+          </p:cNvPr>
+          <p:cNvSpPr>
+            <a:spLocks noGrp="1" noRot="1" noChangeAspect="1" noMove="1" noResize="1" noEditPoints="1" noAdjustHandles="1" noChangeArrowheads="1" noChangeShapeType="1" noTextEdit="1"/>
+          </p:cNvSpPr>
+          <p:nvPr>
+            <p:extLst>
+              <p:ext uri="{386F3935-93C4-4BCD-93E2-E3B085C9AB24}">
+                <p16:designElem xmlns:p16="http://schemas.microsoft.com/office/powerpoint/2015/main" val="1"/>
+              </p:ext>
+            </p:extLst>
+          </p:nvPr>
+        </p:nvSpPr>
+        <p:spPr>
+          <a:xfrm>
+            <a:off x="643337" y="643464"/>
+            <a:ext cx="10912338" cy="5571072"/>
+          </a:xfrm>
+          <a:prstGeom prst="rect">
+            <a:avLst/>
+          </a:prstGeom>
+          <a:solidFill>
+            <a:srgbClr val="FFFFFF"/>
+          </a:solidFill>
+          <a:ln w="6350" cap="flat" cmpd="sng" algn="ctr">
+            <a:noFill/>
+            <a:prstDash val="solid"/>
+          </a:ln>
+          <a:effectLst>
+            <a:outerShdw blurRad="50800" algn="ctr" rotWithShape="0">
+              <a:prstClr val="black">
+                <a:alpha val="66000"/>
+              </a:prstClr>
+            </a:outerShdw>
+            <a:softEdge rad="0"/>
+          </a:effectLst>
+        </p:spPr>
+      </p:sp>
+      <p:sp useBgFill="1">
+        <p:nvSpPr>
+          <p:cNvPr id="84" name="Rectangle 83">
+            <a:extLst>
+              <a:ext uri="{FF2B5EF4-FFF2-40B4-BE49-F238E27FC236}">
+                <a16:creationId xmlns:a16="http://schemas.microsoft.com/office/drawing/2014/main" id="{D00F093B-0739-4429-B30D-D72924D08871}"/>
+              </a:ext>
+              <a:ext uri="{C183D7F6-B498-43B3-948B-1728B52AA6E4}">
+                <adec:decorative xmlns:adec="http://schemas.microsoft.com/office/drawing/2017/decorative" val="1"/>
+              </a:ext>
+            </a:extLst>
+          </p:cNvPr>
+          <p:cNvSpPr>
+            <a:spLocks noGrp="1" noRot="1" noChangeAspect="1" noMove="1" noResize="1" noEditPoints="1" noAdjustHandles="1" noChangeArrowheads="1" noChangeShapeType="1" noTextEdit="1"/>
+          </p:cNvSpPr>
+          <p:nvPr>
+            <p:extLst>
+              <p:ext uri="{386F3935-93C4-4BCD-93E2-E3B085C9AB24}">
+                <p16:designElem xmlns:p16="http://schemas.microsoft.com/office/powerpoint/2015/main" val="1"/>
+              </p:ext>
+            </p:extLst>
+          </p:nvPr>
+        </p:nvSpPr>
+        <p:spPr>
+          <a:xfrm>
+            <a:off x="809702" y="809244"/>
+            <a:ext cx="10579608" cy="5239512"/>
+          </a:xfrm>
+          <a:prstGeom prst="rect">
+            <a:avLst/>
+          </a:prstGeom>
+          <a:ln w="6350" cap="sq" cmpd="sng" algn="ctr">
+            <a:solidFill>
+              <a:schemeClr val="tx1">
+                <a:lumMod val="75000"/>
+                <a:lumOff val="25000"/>
+              </a:schemeClr>
+            </a:solidFill>
+            <a:prstDash val="solid"/>
+            <a:miter lim="800000"/>
+          </a:ln>
+          <a:effectLst/>
+        </p:spPr>
+      </p:sp>
+      <p:sp>
+        <p:nvSpPr>
+          <p:cNvPr id="2" name="Title 1">
+            <a:extLst>
+              <a:ext uri="{FF2B5EF4-FFF2-40B4-BE49-F238E27FC236}">
+                <a16:creationId xmlns:a16="http://schemas.microsoft.com/office/drawing/2014/main" id="{45FE64F7-323E-4148-8304-8E70372E1808}"/>
+              </a:ext>
+            </a:extLst>
+          </p:cNvPr>
+          <p:cNvSpPr>
+            <a:spLocks noGrp="1"/>
+          </p:cNvSpPr>
+          <p:nvPr>
+            <p:ph type="title"/>
+          </p:nvPr>
+        </p:nvSpPr>
+        <p:spPr>
+          <a:xfrm>
+            <a:off x="947146" y="1830862"/>
+            <a:ext cx="10435152" cy="3391452"/>
+          </a:xfrm>
+          <a:effectLst>
+            <a:outerShdw blurRad="50800" dist="38100" dir="2700000" algn="tl" rotWithShape="0">
+              <a:prstClr val="black">
+                <a:alpha val="40000"/>
+              </a:prstClr>
+            </a:outerShdw>
+          </a:effectLst>
+        </p:spPr>
+        <p:txBody>
+          <a:bodyPr vert="horz" lIns="91440" tIns="45720" rIns="91440" bIns="45720" rtlCol="0" anchor="ctr">
+            <a:normAutofit fontScale="90000"/>
+          </a:bodyPr>
+          <a:lstStyle/>
+          <a:p>
+            <a:pPr algn="ctr">
+              <a:lnSpc>
+                <a:spcPct val="83000"/>
+              </a:lnSpc>
+            </a:pPr>
+            <a:r>
+              <a:rPr lang="en-US" sz="4400" b="1" cap="all" spc="-100" dirty="0"/>
+              <a:t>Factors that impact the unemployment RATES</a:t>
+            </a:r>
+            <a:br>
+              <a:rPr lang="en-US" sz="5300" cap="all" spc="-100" dirty="0"/>
+            </a:br>
+            <a:r>
+              <a:rPr lang="en-US" sz="5300" cap="all" spc="-100" dirty="0"/>
+              <a:t>  </a:t>
+            </a:r>
+            <a:br>
+              <a:rPr lang="en-US" sz="5300" cap="all" spc="-100" dirty="0"/>
+            </a:br>
+            <a:br>
+              <a:rPr lang="en-US" sz="5300" cap="all" spc="-100" dirty="0"/>
+            </a:br>
+            <a:br>
+              <a:rPr lang="en-US" sz="4600" cap="all" spc="-100" dirty="0"/>
+            </a:br>
+            <a:br>
+              <a:rPr lang="en-US" sz="4600" cap="all" spc="-100" dirty="0"/>
+            </a:br>
+            <a:br>
+              <a:rPr lang="en-US" sz="4600" cap="all" spc="-100" dirty="0"/>
+            </a:br>
+            <a:r>
+              <a:rPr lang="en-US" sz="4600" cap="all" spc="-100" dirty="0"/>
+              <a:t> </a:t>
+            </a:r>
+          </a:p>
+        </p:txBody>
+      </p:sp>
+      <p:sp>
+        <p:nvSpPr>
+          <p:cNvPr id="86" name="Rectangle 85">
+            <a:extLst>
+              <a:ext uri="{FF2B5EF4-FFF2-40B4-BE49-F238E27FC236}">
+                <a16:creationId xmlns:a16="http://schemas.microsoft.com/office/drawing/2014/main" id="{1BB92999-6A40-480A-8965-2F20DFB032B5}"/>
+              </a:ext>
+              <a:ext uri="{C183D7F6-B498-43B3-948B-1728B52AA6E4}">
+                <adec:decorative xmlns:adec="http://schemas.microsoft.com/office/drawing/2017/decorative" val="1"/>
+              </a:ext>
+            </a:extLst>
+          </p:cNvPr>
+          <p:cNvSpPr>
+            <a:spLocks noGrp="1" noRot="1" noChangeAspect="1" noMove="1" noResize="1" noEditPoints="1" noAdjustHandles="1" noChangeArrowheads="1" noChangeShapeType="1" noTextEdit="1"/>
+          </p:cNvSpPr>
+          <p:nvPr>
+            <p:extLst>
+              <p:ext uri="{386F3935-93C4-4BCD-93E2-E3B085C9AB24}">
+                <p16:designElem xmlns:p16="http://schemas.microsoft.com/office/powerpoint/2015/main" val="1"/>
+              </p:ext>
+            </p:extLst>
+          </p:nvPr>
+        </p:nvSpPr>
+        <p:spPr>
+          <a:xfrm>
+            <a:off x="5135880" y="640856"/>
+            <a:ext cx="1920240" cy="731520"/>
+          </a:xfrm>
+          <a:prstGeom prst="rect">
+            <a:avLst/>
+          </a:prstGeom>
+          <a:solidFill>
+            <a:srgbClr val="D9D9D9"/>
+          </a:solidFill>
+          <a:ln>
+            <a:noFill/>
+          </a:ln>
+        </p:spPr>
+        <p:style>
+          <a:lnRef idx="2">
+            <a:schemeClr val="accent1">
+              <a:shade val="50000"/>
+            </a:schemeClr>
+          </a:lnRef>
+          <a:fillRef idx="1">
+            <a:schemeClr val="accent1"/>
+          </a:fillRef>
+          <a:effectRef idx="0">
+            <a:schemeClr val="accent1"/>
+          </a:effectRef>
+          <a:fontRef idx="minor">
+            <a:schemeClr val="lt1"/>
+          </a:fontRef>
+        </p:style>
+      </p:sp>
+      <p:cxnSp>
+        <p:nvCxnSpPr>
+          <p:cNvPr id="88" name="Straight Connector 87">
+            <a:extLst>
+              <a:ext uri="{FF2B5EF4-FFF2-40B4-BE49-F238E27FC236}">
+                <a16:creationId xmlns:a16="http://schemas.microsoft.com/office/drawing/2014/main" id="{15573B87-7D61-460C-9ADA-EF63674E3A97}"/>
+              </a:ext>
+              <a:ext uri="{C183D7F6-B498-43B3-948B-1728B52AA6E4}">
+                <adec:decorative xmlns:adec="http://schemas.microsoft.com/office/drawing/2017/decorative" val="1"/>
+              </a:ext>
+            </a:extLst>
+          </p:cNvPr>
+          <p:cNvCxnSpPr>
+            <a:cxnSpLocks noGrp="1" noRot="1" noChangeAspect="1" noMove="1" noResize="1" noEditPoints="1" noAdjustHandles="1" noChangeArrowheads="1" noChangeShapeType="1"/>
+          </p:cNvCxnSpPr>
+          <p:nvPr>
+            <p:extLst>
+              <p:ext uri="{386F3935-93C4-4BCD-93E2-E3B085C9AB24}">
+                <p16:designElem xmlns:p16="http://schemas.microsoft.com/office/powerpoint/2015/main" val="1"/>
+              </p:ext>
+            </p:extLst>
+          </p:nvPr>
+        </p:nvCxnSpPr>
+        <p:spPr>
+          <a:xfrm>
+            <a:off x="5250180" y="640855"/>
+            <a:ext cx="0" cy="640080"/>
+          </a:xfrm>
+          <a:prstGeom prst="line">
+            <a:avLst/>
+          </a:prstGeom>
+          <a:solidFill>
+            <a:schemeClr val="tx1">
+              <a:lumMod val="85000"/>
+              <a:lumOff val="15000"/>
+            </a:schemeClr>
+          </a:solidFill>
+          <a:ln>
+            <a:solidFill>
+              <a:srgbClr val="000000"/>
+            </a:solidFill>
+            <a:miter lim="800000"/>
+          </a:ln>
+        </p:spPr>
+        <p:style>
+          <a:lnRef idx="1">
+            <a:schemeClr val="accent1"/>
+          </a:lnRef>
+          <a:fillRef idx="0">
+            <a:schemeClr val="accent1"/>
+          </a:fillRef>
+          <a:effectRef idx="0">
+            <a:schemeClr val="accent1"/>
+          </a:effectRef>
+          <a:fontRef idx="minor">
+            <a:schemeClr val="tx1"/>
+          </a:fontRef>
+        </p:style>
+      </p:cxnSp>
+      <p:cxnSp>
+        <p:nvCxnSpPr>
+          <p:cNvPr id="90" name="Straight Connector 89">
+            <a:extLst>
+              <a:ext uri="{FF2B5EF4-FFF2-40B4-BE49-F238E27FC236}">
+                <a16:creationId xmlns:a16="http://schemas.microsoft.com/office/drawing/2014/main" id="{0AAF6B7C-985D-4351-9564-8DBDF5BB03EA}"/>
+              </a:ext>
+              <a:ext uri="{C183D7F6-B498-43B3-948B-1728B52AA6E4}">
+                <adec:decorative xmlns:adec="http://schemas.microsoft.com/office/drawing/2017/decorative" val="1"/>
+              </a:ext>
+            </a:extLst>
+          </p:cNvPr>
+          <p:cNvCxnSpPr>
+            <a:cxnSpLocks noGrp="1" noRot="1" noChangeAspect="1" noMove="1" noResize="1" noEditPoints="1" noAdjustHandles="1" noChangeArrowheads="1" noChangeShapeType="1"/>
+          </p:cNvCxnSpPr>
+          <p:nvPr>
+            <p:extLst>
+              <p:ext uri="{386F3935-93C4-4BCD-93E2-E3B085C9AB24}">
+                <p16:designElem xmlns:p16="http://schemas.microsoft.com/office/powerpoint/2015/main" val="1"/>
+              </p:ext>
+            </p:extLst>
+          </p:nvPr>
+        </p:nvCxnSpPr>
+        <p:spPr>
+          <a:xfrm>
+            <a:off x="6941820" y="640855"/>
+            <a:ext cx="0" cy="640080"/>
+          </a:xfrm>
+          <a:prstGeom prst="line">
+            <a:avLst/>
+          </a:prstGeom>
+          <a:solidFill>
+            <a:schemeClr val="tx1">
+              <a:lumMod val="85000"/>
+              <a:lumOff val="15000"/>
+            </a:schemeClr>
+          </a:solidFill>
+          <a:ln>
+            <a:solidFill>
+              <a:srgbClr val="000000"/>
+            </a:solidFill>
+            <a:miter lim="800000"/>
+          </a:ln>
+        </p:spPr>
+        <p:style>
+          <a:lnRef idx="1">
+            <a:schemeClr val="accent1"/>
+          </a:lnRef>
+          <a:fillRef idx="0">
+            <a:schemeClr val="accent1"/>
+          </a:fillRef>
+          <a:effectRef idx="0">
+            <a:schemeClr val="accent1"/>
+          </a:effectRef>
+          <a:fontRef idx="minor">
+            <a:schemeClr val="tx1"/>
+          </a:fontRef>
+        </p:style>
+      </p:cxnSp>
+      <p:cxnSp>
+        <p:nvCxnSpPr>
+          <p:cNvPr id="92" name="Straight Connector 91">
+            <a:extLst>
+              <a:ext uri="{FF2B5EF4-FFF2-40B4-BE49-F238E27FC236}">
+                <a16:creationId xmlns:a16="http://schemas.microsoft.com/office/drawing/2014/main" id="{F88433F4-33AB-4CE1-9DE3-72A8403654F1}"/>
+              </a:ext>
+              <a:ext uri="{C183D7F6-B498-43B3-948B-1728B52AA6E4}">
+                <adec:decorative xmlns:adec="http://schemas.microsoft.com/office/drawing/2017/decorative" val="1"/>
+              </a:ext>
+            </a:extLst>
+          </p:cNvPr>
+          <p:cNvCxnSpPr>
+            <a:cxnSpLocks noGrp="1" noRot="1" noChangeAspect="1" noMove="1" noResize="1" noEditPoints="1" noAdjustHandles="1" noChangeArrowheads="1" noChangeShapeType="1"/>
+          </p:cNvCxnSpPr>
+          <p:nvPr>
+            <p:extLst>
+              <p:ext uri="{386F3935-93C4-4BCD-93E2-E3B085C9AB24}">
+                <p16:designElem xmlns:p16="http://schemas.microsoft.com/office/powerpoint/2015/main" val="1"/>
+              </p:ext>
+            </p:extLst>
+          </p:nvPr>
+        </p:nvCxnSpPr>
+        <p:spPr>
+          <a:xfrm>
+            <a:off x="5250180" y="1286150"/>
+            <a:ext cx="1691640" cy="0"/>
+          </a:xfrm>
+          <a:prstGeom prst="line">
+            <a:avLst/>
+          </a:prstGeom>
+          <a:solidFill>
+            <a:schemeClr val="tx1">
+              <a:lumMod val="85000"/>
+              <a:lumOff val="15000"/>
+            </a:schemeClr>
+          </a:solidFill>
+          <a:ln>
+            <a:solidFill>
+              <a:srgbClr val="000000"/>
+            </a:solidFill>
+            <a:miter lim="800000"/>
+          </a:ln>
+        </p:spPr>
+        <p:style>
+          <a:lnRef idx="1">
+            <a:schemeClr val="accent1"/>
+          </a:lnRef>
+          <a:fillRef idx="0">
+            <a:schemeClr val="accent1"/>
+          </a:fillRef>
+          <a:effectRef idx="0">
+            <a:schemeClr val="accent1"/>
+          </a:effectRef>
+          <a:fontRef idx="minor">
+            <a:schemeClr val="tx1"/>
+          </a:fontRef>
+        </p:style>
+      </p:cxnSp>
+    </p:spTree>
+    <p:extLst>
+      <p:ext uri="{BB962C8B-B14F-4D97-AF65-F5344CB8AC3E}">
+        <p14:creationId xmlns:p14="http://schemas.microsoft.com/office/powerpoint/2010/main" val="1997359713"/>
+      </p:ext>
+    </p:extLst>
+  </p:cSld>
+  <p:clrMapOvr>
+    <a:masterClrMapping/>
+  </p:clrMapOvr>
+</p:sld>
+</file>
+
+<file path=ppt/slides/slide8.xml><?xml version="1.0" encoding="utf-8"?>
+<p:sld xmlns:a="http://schemas.openxmlformats.org/drawingml/2006/main" xmlns:r="http://schemas.openxmlformats.org/officeDocument/2006/relationships" xmlns:p="http://schemas.openxmlformats.org/presentationml/2006/main">
+  <p:cSld>
+    <p:spTree>
+      <p:nvGrpSpPr>
+        <p:cNvPr id="1" name=""/>
+        <p:cNvGrpSpPr/>
+        <p:nvPr/>
+      </p:nvGrpSpPr>
+      <p:grpSpPr>
+        <a:xfrm>
+          <a:off x="0" y="0"/>
+          <a:ext cx="0" cy="0"/>
+          <a:chOff x="0" y="0"/>
+          <a:chExt cx="0" cy="0"/>
+        </a:xfrm>
+      </p:grpSpPr>
+      <p:sp>
+        <p:nvSpPr>
+          <p:cNvPr id="2" name="Picture Placeholder 1">
+            <a:extLst>
+              <a:ext uri="{FF2B5EF4-FFF2-40B4-BE49-F238E27FC236}">
+                <a16:creationId xmlns:a16="http://schemas.microsoft.com/office/drawing/2014/main" id="{BF27F568-9F1F-4461-82C4-9663B6946528}"/>
+              </a:ext>
+            </a:extLst>
+          </p:cNvPr>
+          <p:cNvSpPr>
+            <a:spLocks noGrp="1"/>
+          </p:cNvSpPr>
+          <p:nvPr>
+            <p:ph type="pic" idx="1"/>
+          </p:nvPr>
+        </p:nvSpPr>
+        <p:spPr/>
+      </p:sp>
+      <p:sp>
+        <p:nvSpPr>
+          <p:cNvPr id="3" name="Title 2">
+            <a:extLst>
+              <a:ext uri="{FF2B5EF4-FFF2-40B4-BE49-F238E27FC236}">
+                <a16:creationId xmlns:a16="http://schemas.microsoft.com/office/drawing/2014/main" id="{0D9B839F-4D4F-4D72-B116-C12D388F7896}"/>
+              </a:ext>
+            </a:extLst>
+          </p:cNvPr>
+          <p:cNvSpPr>
+            <a:spLocks noGrp="1"/>
+          </p:cNvSpPr>
+          <p:nvPr>
+            <p:ph type="title"/>
+          </p:nvPr>
+        </p:nvSpPr>
+        <p:spPr>
+          <a:xfrm>
+            <a:off x="8477250" y="603504"/>
+            <a:ext cx="3144774" cy="856180"/>
+          </a:xfrm>
+        </p:spPr>
+        <p:txBody>
+          <a:bodyPr/>
+          <a:lstStyle/>
+          <a:p>
+            <a:r>
+              <a:rPr lang="en-US" sz="2400" b="1" cap="all" spc="-100" dirty="0"/>
+              <a:t>ADULT POPULATION  </a:t>
+            </a:r>
+            <a:r>
+              <a:rPr lang="en-US" sz="2400" b="1" cap="all" spc="-100" dirty="0" err="1"/>
+              <a:t>v.s</a:t>
+            </a:r>
+            <a:r>
+              <a:rPr lang="en-US" sz="2400" b="1" cap="all" spc="-100" dirty="0"/>
+              <a:t>.  POVERTY RATE</a:t>
+            </a:r>
+            <a:endParaRPr lang="en-US" sz="2400" dirty="0"/>
+          </a:p>
+        </p:txBody>
+      </p:sp>
+      <p:sp>
+        <p:nvSpPr>
+          <p:cNvPr id="4" name="Text Placeholder 3">
+            <a:extLst>
+              <a:ext uri="{FF2B5EF4-FFF2-40B4-BE49-F238E27FC236}">
+                <a16:creationId xmlns:a16="http://schemas.microsoft.com/office/drawing/2014/main" id="{C396DFA2-9AF4-4A82-9B9A-EDD38FDFCFEC}"/>
+              </a:ext>
+            </a:extLst>
+          </p:cNvPr>
+          <p:cNvSpPr>
+            <a:spLocks noGrp="1"/>
+          </p:cNvSpPr>
+          <p:nvPr>
+            <p:ph type="body" sz="half" idx="2"/>
+          </p:nvPr>
+        </p:nvSpPr>
+        <p:spPr>
+          <a:xfrm>
+            <a:off x="8477250" y="1610686"/>
+            <a:ext cx="3144774" cy="4287194"/>
+          </a:xfrm>
+        </p:spPr>
+        <p:txBody>
+          <a:bodyPr>
+            <a:normAutofit fontScale="77500" lnSpcReduction="20000"/>
+          </a:bodyPr>
+          <a:lstStyle/>
+          <a:p>
+            <a:r>
+              <a:rPr lang="en-US" sz="1800" b="1" i="0" dirty="0">
+                <a:solidFill>
+                  <a:srgbClr val="1D1C1D"/>
+                </a:solidFill>
+                <a:effectLst/>
+                <a:latin typeface="Slack-Lato"/>
+              </a:rPr>
+              <a:t>Hypothesis: </a:t>
+            </a:r>
+            <a:r>
+              <a:rPr lang="en-US" sz="1800" b="0" i="0" dirty="0">
+                <a:solidFill>
+                  <a:srgbClr val="1D1C1D"/>
+                </a:solidFill>
+                <a:effectLst/>
+                <a:latin typeface="Slack-Lato"/>
+              </a:rPr>
+              <a:t>Higher the Adult Population %, the lower the poverty rates %</a:t>
+            </a:r>
+            <a:br>
+              <a:rPr lang="en-US" sz="1800" b="0" i="0" dirty="0">
+                <a:solidFill>
+                  <a:srgbClr val="1D1C1D"/>
+                </a:solidFill>
+                <a:effectLst/>
+                <a:latin typeface="Slack-Lato"/>
+              </a:rPr>
+            </a:br>
+            <a:br>
+              <a:rPr lang="en-US" sz="1800" b="0" i="0" dirty="0">
+                <a:solidFill>
+                  <a:srgbClr val="1D1C1D"/>
+                </a:solidFill>
+                <a:effectLst/>
+                <a:latin typeface="Slack-Lato"/>
+              </a:rPr>
+            </a:br>
+            <a:r>
+              <a:rPr lang="en-US" sz="1800" b="1" i="0" dirty="0">
+                <a:solidFill>
+                  <a:srgbClr val="1D1C1D"/>
+                </a:solidFill>
+                <a:effectLst/>
+                <a:latin typeface="Slack-Lato"/>
+              </a:rPr>
+              <a:t>Findings: </a:t>
+            </a:r>
+            <a:br>
+              <a:rPr lang="en-US" sz="1800" b="1" i="0" dirty="0">
+                <a:solidFill>
+                  <a:srgbClr val="1D1C1D"/>
+                </a:solidFill>
+                <a:effectLst/>
+                <a:latin typeface="Slack-Lato"/>
+              </a:rPr>
+            </a:br>
+            <a:r>
+              <a:rPr lang="en-US" sz="1800" b="0" i="0" dirty="0">
+                <a:solidFill>
+                  <a:srgbClr val="1D1C1D"/>
+                </a:solidFill>
+                <a:effectLst/>
+                <a:latin typeface="Slack-Lato"/>
+              </a:rPr>
+              <a:t>Poverty dropped in 2017 from 2015 with an increase in adult population in majority of states.</a:t>
+            </a:r>
+            <a:br>
+              <a:rPr lang="en-US" sz="1800" dirty="0"/>
+            </a:br>
+            <a:br>
+              <a:rPr lang="en-US" sz="1800" dirty="0"/>
+            </a:br>
+            <a:r>
+              <a:rPr lang="en-US" sz="1800" b="0" i="0" dirty="0">
+                <a:solidFill>
+                  <a:srgbClr val="1D1C1D"/>
+                </a:solidFill>
+                <a:effectLst/>
+                <a:latin typeface="Slack-Lato"/>
+              </a:rPr>
+              <a:t>The lowered poverty rate could be due to the 2016 election and new regulations imposed by the new administration.</a:t>
+            </a:r>
+            <a:br>
+              <a:rPr lang="en-US" sz="1800" dirty="0"/>
+            </a:br>
+            <a:br>
+              <a:rPr lang="en-US" sz="1800" dirty="0"/>
+            </a:br>
+            <a:r>
+              <a:rPr lang="en-US" sz="1800" b="0" i="0" dirty="0">
+                <a:solidFill>
+                  <a:srgbClr val="1D1C1D"/>
+                </a:solidFill>
+                <a:effectLst/>
+                <a:latin typeface="Slack-Lato"/>
+              </a:rPr>
+              <a:t>The overall percentage numbers of both Poverty and Adult Population run mostly in tandem with each other.</a:t>
+            </a:r>
+            <a:br>
+              <a:rPr lang="en-US" sz="1800" dirty="0"/>
+            </a:br>
+            <a:br>
+              <a:rPr lang="en-US" sz="1800" dirty="0"/>
+            </a:br>
+            <a:r>
+              <a:rPr lang="en-US" sz="1800" b="0" i="0" dirty="0">
+                <a:solidFill>
+                  <a:srgbClr val="1D1C1D"/>
+                </a:solidFill>
+                <a:effectLst/>
+                <a:latin typeface="Slack-Lato"/>
+              </a:rPr>
+              <a:t>New Hampshire appeared in the top 5 for both years under lowest overall poverty percentage and highest overall adult population percentage.</a:t>
+            </a:r>
+            <a:endParaRPr lang="en-US" dirty="0"/>
+          </a:p>
+        </p:txBody>
+      </p:sp>
+    </p:spTree>
+    <p:extLst>
+      <p:ext uri="{BB962C8B-B14F-4D97-AF65-F5344CB8AC3E}">
+        <p14:creationId xmlns:p14="http://schemas.microsoft.com/office/powerpoint/2010/main" val="1031240493"/>
+      </p:ext>
+    </p:extLst>
+  </p:cSld>
+  <p:clrMapOvr>
+    <a:masterClrMapping/>
+  </p:clrMapOvr>
+</p:sld>
+</file>
+
+<file path=ppt/slides/slide9.xml><?xml version="1.0" encoding="utf-8"?>
+<p:sld xmlns:a="http://schemas.openxmlformats.org/drawingml/2006/main" xmlns:r="http://schemas.openxmlformats.org/officeDocument/2006/relationships" xmlns:p="http://schemas.openxmlformats.org/presentationml/2006/main">
+  <p:cSld>
+    <p:bg>
+      <p:bgPr>
+        <a:solidFill>
+          <a:schemeClr val="bg1">
+            <a:lumMod val="95000"/>
+          </a:schemeClr>
+        </a:solidFill>
+        <a:effectLst/>
+      </p:bgPr>
+    </p:bg>
+    <p:spTree>
+      <p:nvGrpSpPr>
+        <p:cNvPr id="1" name=""/>
+        <p:cNvGrpSpPr/>
+        <p:nvPr/>
+      </p:nvGrpSpPr>
+      <p:grpSpPr>
+        <a:xfrm>
+          <a:off x="0" y="0"/>
+          <a:ext cx="0" cy="0"/>
+          <a:chOff x="0" y="0"/>
+          <a:chExt cx="0" cy="0"/>
+        </a:xfrm>
+      </p:grpSpPr>
+      <p:sp>
+        <p:nvSpPr>
+          <p:cNvPr id="67" name="Rectangle 66">
+            <a:extLst>
+              <a:ext uri="{FF2B5EF4-FFF2-40B4-BE49-F238E27FC236}">
+                <a16:creationId xmlns:a16="http://schemas.microsoft.com/office/drawing/2014/main" id="{904DB13E-F722-4ED6-BB00-556651E95281}"/>
+              </a:ext>
+              <a:ext uri="{C183D7F6-B498-43B3-948B-1728B52AA6E4}">
+                <adec:decorative xmlns:adec="http://schemas.microsoft.com/office/drawing/2017/decorative" val="1"/>
+              </a:ext>
+            </a:extLst>
+          </p:cNvPr>
+          <p:cNvSpPr>
+            <a:spLocks noGrp="1" noRot="1" noChangeAspect="1" noMove="1" noResize="1" noEditPoints="1" noAdjustHandles="1" noChangeArrowheads="1" noChangeShapeType="1" noTextEdit="1"/>
+          </p:cNvSpPr>
+          <p:nvPr>
+            <p:extLst>
+              <p:ext uri="{386F3935-93C4-4BCD-93E2-E3B085C9AB24}">
+                <p16:designElem xmlns:p16="http://schemas.microsoft.com/office/powerpoint/2015/main" val="1"/>
+              </p:ext>
+            </p:extLst>
+          </p:nvPr>
+        </p:nvSpPr>
+        <p:spPr>
+          <a:xfrm>
+            <a:off x="0" y="0"/>
+            <a:ext cx="12192000" cy="6858000"/>
+          </a:xfrm>
+          <a:prstGeom prst="rect">
+            <a:avLst/>
+          </a:prstGeom>
+          <a:solidFill>
+            <a:schemeClr val="tx1">
+              <a:lumMod val="65000"/>
+              <a:lumOff val="35000"/>
+            </a:schemeClr>
+          </a:solidFill>
+          <a:ln>
+            <a:noFill/>
+          </a:ln>
+        </p:spPr>
+        <p:style>
+          <a:lnRef idx="2">
+            <a:schemeClr val="accent1">
+              <a:shade val="50000"/>
+            </a:schemeClr>
+          </a:lnRef>
+          <a:fillRef idx="1">
+            <a:schemeClr val="accent1"/>
+          </a:fillRef>
+          <a:effectRef idx="0">
+            <a:schemeClr val="accent1"/>
+          </a:effectRef>
+          <a:fontRef idx="minor">
+            <a:schemeClr val="lt1"/>
+          </a:fontRef>
+        </p:style>
+        <p:txBody>
+          <a:bodyPr rtlCol="0" anchor="ctr"/>
+          <a:lstStyle/>
+          <a:p>
+            <a:pPr algn="ctr"/>
+            <a:endParaRPr lang="en-US"/>
+          </a:p>
+        </p:txBody>
+      </p:sp>
+      <p:sp useBgFill="1">
+        <p:nvSpPr>
+          <p:cNvPr id="69" name="Rectangle 68">
+            <a:extLst>
+              <a:ext uri="{FF2B5EF4-FFF2-40B4-BE49-F238E27FC236}">
+                <a16:creationId xmlns:a16="http://schemas.microsoft.com/office/drawing/2014/main" id="{7B58A187-A4B1-42EB-A4C7-8635BA507BCE}"/>
+              </a:ext>
+              <a:ext uri="{C183D7F6-B498-43B3-948B-1728B52AA6E4}">
+                <adec:decorative xmlns:adec="http://schemas.microsoft.com/office/drawing/2017/decorative" val="1"/>
+              </a:ext>
+            </a:extLst>
+          </p:cNvPr>
+          <p:cNvSpPr>
+            <a:spLocks noGrp="1" noRot="1" noChangeAspect="1" noMove="1" noResize="1" noEditPoints="1" noAdjustHandles="1" noChangeArrowheads="1" noChangeShapeType="1" noTextEdit="1"/>
+          </p:cNvSpPr>
+          <p:nvPr>
+            <p:extLst>
+              <p:ext uri="{386F3935-93C4-4BCD-93E2-E3B085C9AB24}">
+                <p16:designElem xmlns:p16="http://schemas.microsoft.com/office/powerpoint/2015/main" val="1"/>
+              </p:ext>
+            </p:extLst>
+          </p:nvPr>
+        </p:nvSpPr>
+        <p:spPr>
+          <a:xfrm>
+            <a:off x="1307870" y="1267730"/>
+            <a:ext cx="9576262" cy="4307950"/>
+          </a:xfrm>
+          <a:prstGeom prst="rect">
+            <a:avLst/>
+          </a:prstGeom>
+          <a:ln w="6350" cap="flat" cmpd="sng" algn="ctr">
+            <a:noFill/>
+            <a:prstDash val="solid"/>
+          </a:ln>
+          <a:effectLst>
+            <a:outerShdw blurRad="50800" algn="ctr" rotWithShape="0">
+              <a:prstClr val="black">
+                <a:alpha val="66000"/>
+              </a:prstClr>
+            </a:outerShdw>
+            <a:softEdge rad="0"/>
+          </a:effectLst>
+        </p:spPr>
+      </p:sp>
+      <p:sp>
+        <p:nvSpPr>
+          <p:cNvPr id="71" name="Rectangle 70">
+            <a:extLst>
+              <a:ext uri="{FF2B5EF4-FFF2-40B4-BE49-F238E27FC236}">
+                <a16:creationId xmlns:a16="http://schemas.microsoft.com/office/drawing/2014/main" id="{37F14E7F-3054-458C-ACF9-A8DA1757C65C}"/>
+              </a:ext>
+              <a:ext uri="{C183D7F6-B498-43B3-948B-1728B52AA6E4}">
+                <adec:decorative xmlns:adec="http://schemas.microsoft.com/office/drawing/2017/decorative" val="1"/>
+              </a:ext>
+            </a:extLst>
+          </p:cNvPr>
+          <p:cNvSpPr>
+            <a:spLocks noGrp="1" noRot="1" noChangeAspect="1" noMove="1" noResize="1" noEditPoints="1" noAdjustHandles="1" noChangeArrowheads="1" noChangeShapeType="1" noTextEdit="1"/>
+          </p:cNvSpPr>
+          <p:nvPr>
+            <p:extLst>
+              <p:ext uri="{386F3935-93C4-4BCD-93E2-E3B085C9AB24}">
+                <p16:designElem xmlns:p16="http://schemas.microsoft.com/office/powerpoint/2015/main" val="1"/>
+              </p:ext>
+            </p:extLst>
+          </p:nvPr>
+        </p:nvSpPr>
+        <p:spPr>
+          <a:xfrm>
+            <a:off x="1447801" y="1411615"/>
+            <a:ext cx="9296400" cy="4034770"/>
+          </a:xfrm>
+          <a:prstGeom prst="rect">
+            <a:avLst/>
+          </a:prstGeom>
+          <a:noFill/>
+          <a:ln w="6350" cap="sq" cmpd="sng" algn="ctr">
+            <a:solidFill>
+              <a:schemeClr val="tx1">
+                <a:lumMod val="75000"/>
+                <a:lumOff val="25000"/>
+              </a:schemeClr>
+            </a:solidFill>
+            <a:prstDash val="solid"/>
+            <a:miter lim="800000"/>
+          </a:ln>
+          <a:effectLst/>
+        </p:spPr>
+      </p:sp>
+      <p:sp>
+        <p:nvSpPr>
+          <p:cNvPr id="73" name="Rectangle 72">
+            <a:extLst>
+              <a:ext uri="{FF2B5EF4-FFF2-40B4-BE49-F238E27FC236}">
+                <a16:creationId xmlns:a16="http://schemas.microsoft.com/office/drawing/2014/main" id="{93747C1C-97FC-4D70-A6C8-A01FBCF5A9DC}"/>
+              </a:ext>
+              <a:ext uri="{C183D7F6-B498-43B3-948B-1728B52AA6E4}">
+                <adec:decorative xmlns:adec="http://schemas.microsoft.com/office/drawing/2017/decorative" val="1"/>
+              </a:ext>
+            </a:extLst>
+          </p:cNvPr>
+          <p:cNvSpPr>
+            <a:spLocks noGrp="1" noRot="1" noChangeAspect="1" noMove="1" noResize="1" noEditPoints="1" noAdjustHandles="1" noChangeArrowheads="1" noChangeShapeType="1" noTextEdit="1"/>
+          </p:cNvSpPr>
+          <p:nvPr>
+            <p:extLst>
+              <p:ext uri="{386F3935-93C4-4BCD-93E2-E3B085C9AB24}">
+                <p16:designElem xmlns:p16="http://schemas.microsoft.com/office/powerpoint/2015/main" val="1"/>
+              </p:ext>
+            </p:extLst>
+          </p:nvPr>
+        </p:nvSpPr>
+        <p:spPr>
+          <a:xfrm>
+            <a:off x="5135880" y="1267730"/>
+            <a:ext cx="1920240" cy="731520"/>
+          </a:xfrm>
+          <a:prstGeom prst="rect">
+            <a:avLst/>
+          </a:prstGeom>
+          <a:solidFill>
+            <a:schemeClr val="accent1"/>
+          </a:solidFill>
+          <a:ln>
+            <a:noFill/>
+          </a:ln>
+        </p:spPr>
+        <p:style>
+          <a:lnRef idx="2">
+            <a:schemeClr val="accent1">
+              <a:shade val="50000"/>
+            </a:schemeClr>
+          </a:lnRef>
+          <a:fillRef idx="1">
+            <a:schemeClr val="accent1"/>
+          </a:fillRef>
+          <a:effectRef idx="0">
+            <a:schemeClr val="accent1"/>
+          </a:effectRef>
+          <a:fontRef idx="minor">
+            <a:schemeClr val="lt1"/>
+          </a:fontRef>
+        </p:style>
+      </p:sp>
+      <p:grpSp>
+        <p:nvGrpSpPr>
+          <p:cNvPr id="75" name="Group 74">
+            <a:extLst>
+              <a:ext uri="{FF2B5EF4-FFF2-40B4-BE49-F238E27FC236}">
+                <a16:creationId xmlns:a16="http://schemas.microsoft.com/office/drawing/2014/main" id="{E26428D7-C6F3-473D-A360-A3F5C3E8728C}"/>
+              </a:ext>
+              <a:ext uri="{C183D7F6-B498-43B3-948B-1728B52AA6E4}">
+                <adec:decorative xmlns:adec="http://schemas.microsoft.com/office/drawing/2017/decorative" val="1"/>
+              </a:ext>
+            </a:extLst>
+          </p:cNvPr>
+          <p:cNvGrpSpPr>
+            <a:grpSpLocks noGrp="1" noUngrp="1" noRot="1" noChangeAspect="1" noMove="1" noResize="1"/>
+          </p:cNvGrpSpPr>
+          <p:nvPr>
+            <p:extLst>
+              <p:ext uri="{386F3935-93C4-4BCD-93E2-E3B085C9AB24}">
+                <p16:designElem xmlns:p16="http://schemas.microsoft.com/office/powerpoint/2015/main" val="1"/>
+              </p:ext>
+            </p:extLst>
+          </p:nvPr>
+        </p:nvGrpSpPr>
+        <p:grpSpPr>
+          <a:xfrm>
+            <a:off x="5250180" y="1267730"/>
+            <a:ext cx="1691640" cy="615934"/>
+            <a:chOff x="5250180" y="1267730"/>
+            <a:chExt cx="1691640" cy="615934"/>
+          </a:xfrm>
+        </p:grpSpPr>
+        <p:cxnSp>
+          <p:nvCxnSpPr>
+            <p:cNvPr id="76" name="Straight Connector 75">
+              <a:extLst>
+                <a:ext uri="{FF2B5EF4-FFF2-40B4-BE49-F238E27FC236}">
+                  <a16:creationId xmlns:a16="http://schemas.microsoft.com/office/drawing/2014/main" id="{05CDC370-AE44-4300-98BA-FE204E881765}"/>
+                </a:ext>
+                <a:ext uri="{C183D7F6-B498-43B3-948B-1728B52AA6E4}">
+                  <adec:decorative xmlns:adec="http://schemas.microsoft.com/office/drawing/2017/decorative" val="1"/>
+                </a:ext>
+              </a:extLst>
+            </p:cNvPr>
+            <p:cNvCxnSpPr/>
+            <p:nvPr>
+              <p:extLst>
+                <p:ext uri="{386F3935-93C4-4BCD-93E2-E3B085C9AB24}">
+                  <p16:designElem xmlns:p16="http://schemas.microsoft.com/office/powerpoint/2015/main" val="1"/>
+                </p:ext>
+              </p:extLst>
+            </p:nvPr>
+          </p:nvCxnSpPr>
+          <p:spPr>
+            <a:xfrm>
+              <a:off x="5250180" y="1267730"/>
+              <a:ext cx="0" cy="612648"/>
+            </a:xfrm>
+            <a:prstGeom prst="line">
+              <a:avLst/>
+            </a:prstGeom>
+            <a:solidFill>
+              <a:schemeClr val="tx1">
+                <a:lumMod val="85000"/>
+                <a:lumOff val="15000"/>
+              </a:schemeClr>
+            </a:solidFill>
+            <a:ln>
+              <a:solidFill>
+                <a:srgbClr val="FFFFFF"/>
+              </a:solidFill>
+              <a:miter lim="800000"/>
+            </a:ln>
+          </p:spPr>
+          <p:style>
+            <a:lnRef idx="1">
+              <a:schemeClr val="accent1"/>
+            </a:lnRef>
+            <a:fillRef idx="0">
+              <a:schemeClr val="accent1"/>
+            </a:fillRef>
+            <a:effectRef idx="0">
+              <a:schemeClr val="accent1"/>
+            </a:effectRef>
+            <a:fontRef idx="minor">
+              <a:schemeClr val="tx1"/>
+            </a:fontRef>
+          </p:style>
+        </p:cxnSp>
+        <p:cxnSp>
+          <p:nvCxnSpPr>
+            <p:cNvPr id="77" name="Straight Connector 76">
+              <a:extLst>
+                <a:ext uri="{FF2B5EF4-FFF2-40B4-BE49-F238E27FC236}">
+                  <a16:creationId xmlns:a16="http://schemas.microsoft.com/office/drawing/2014/main" id="{47B15501-CB9A-4642-80EE-2876EF039EB8}"/>
+                </a:ext>
+                <a:ext uri="{C183D7F6-B498-43B3-948B-1728B52AA6E4}">
+                  <adec:decorative xmlns:adec="http://schemas.microsoft.com/office/drawing/2017/decorative" val="1"/>
+                </a:ext>
+              </a:extLst>
+            </p:cNvPr>
+            <p:cNvCxnSpPr/>
+            <p:nvPr>
+              <p:extLst>
+                <p:ext uri="{386F3935-93C4-4BCD-93E2-E3B085C9AB24}">
+                  <p16:designElem xmlns:p16="http://schemas.microsoft.com/office/powerpoint/2015/main" val="1"/>
+                </p:ext>
+              </p:extLst>
+            </p:nvPr>
+          </p:nvCxnSpPr>
+          <p:spPr>
+            <a:xfrm>
+              <a:off x="6941820" y="1267730"/>
+              <a:ext cx="0" cy="612648"/>
+            </a:xfrm>
+            <a:prstGeom prst="line">
+              <a:avLst/>
+            </a:prstGeom>
+            <a:solidFill>
+              <a:schemeClr val="tx1">
+                <a:lumMod val="85000"/>
+                <a:lumOff val="15000"/>
+              </a:schemeClr>
+            </a:solidFill>
+            <a:ln>
+              <a:solidFill>
+                <a:srgbClr val="FFFFFF"/>
+              </a:solidFill>
+              <a:miter lim="800000"/>
+            </a:ln>
+          </p:spPr>
+          <p:style>
+            <a:lnRef idx="1">
+              <a:schemeClr val="accent1"/>
+            </a:lnRef>
+            <a:fillRef idx="0">
+              <a:schemeClr val="accent1"/>
+            </a:fillRef>
+            <a:effectRef idx="0">
+              <a:schemeClr val="accent1"/>
+            </a:effectRef>
+            <a:fontRef idx="minor">
+              <a:schemeClr val="tx1"/>
+            </a:fontRef>
+          </p:style>
+        </p:cxnSp>
+        <p:cxnSp>
+          <p:nvCxnSpPr>
+            <p:cNvPr id="78" name="Straight Connector 77">
+              <a:extLst>
+                <a:ext uri="{FF2B5EF4-FFF2-40B4-BE49-F238E27FC236}">
+                  <a16:creationId xmlns:a16="http://schemas.microsoft.com/office/drawing/2014/main" id="{6AFF9525-325F-47B3-A63C-93C12253AD76}"/>
+                </a:ext>
+                <a:ext uri="{C183D7F6-B498-43B3-948B-1728B52AA6E4}">
+                  <adec:decorative xmlns:adec="http://schemas.microsoft.com/office/drawing/2017/decorative" val="1"/>
+                </a:ext>
+              </a:extLst>
+            </p:cNvPr>
+            <p:cNvCxnSpPr/>
+            <p:nvPr>
+              <p:extLst>
+                <p:ext uri="{386F3935-93C4-4BCD-93E2-E3B085C9AB24}">
+                  <p16:designElem xmlns:p16="http://schemas.microsoft.com/office/powerpoint/2015/main" val="1"/>
+                </p:ext>
+              </p:extLst>
+            </p:nvPr>
+          </p:nvCxnSpPr>
+          <p:spPr>
+            <a:xfrm>
+              <a:off x="5250180" y="1883664"/>
+              <a:ext cx="1691640" cy="0"/>
+            </a:xfrm>
+            <a:prstGeom prst="line">
+              <a:avLst/>
+            </a:prstGeom>
+            <a:solidFill>
+              <a:schemeClr val="tx1">
+                <a:lumMod val="85000"/>
+                <a:lumOff val="15000"/>
+              </a:schemeClr>
+            </a:solidFill>
+            <a:ln>
+              <a:solidFill>
+                <a:srgbClr val="FFFFFF"/>
+              </a:solidFill>
+              <a:miter lim="800000"/>
+            </a:ln>
+          </p:spPr>
+          <p:style>
+            <a:lnRef idx="1">
+              <a:schemeClr val="accent1"/>
+            </a:lnRef>
+            <a:fillRef idx="0">
+              <a:schemeClr val="accent1"/>
+            </a:fillRef>
+            <a:effectRef idx="0">
+              <a:schemeClr val="accent1"/>
+            </a:effectRef>
+            <a:fontRef idx="minor">
+              <a:schemeClr val="tx1"/>
+            </a:fontRef>
+          </p:style>
+        </p:cxnSp>
+      </p:grpSp>
+      <p:sp>
+        <p:nvSpPr>
+          <p:cNvPr id="80" name="Rectangle 79">
+            <a:extLst>
+              <a:ext uri="{FF2B5EF4-FFF2-40B4-BE49-F238E27FC236}">
+                <a16:creationId xmlns:a16="http://schemas.microsoft.com/office/drawing/2014/main" id="{D071C0CD-5EFD-45A1-AAFD-61C3D4A65188}"/>
+              </a:ext>
+              <a:ext uri="{C183D7F6-B498-43B3-948B-1728B52AA6E4}">
+                <adec:decorative xmlns:adec="http://schemas.microsoft.com/office/drawing/2017/decorative" val="1"/>
+              </a:ext>
+            </a:extLst>
+          </p:cNvPr>
+          <p:cNvSpPr>
+            <a:spLocks noGrp="1" noRot="1" noChangeAspect="1" noMove="1" noResize="1" noEditPoints="1" noAdjustHandles="1" noChangeArrowheads="1" noChangeShapeType="1" noTextEdit="1"/>
+          </p:cNvSpPr>
+          <p:nvPr>
+            <p:extLst>
+              <p:ext uri="{386F3935-93C4-4BCD-93E2-E3B085C9AB24}">
+                <p16:designElem xmlns:p16="http://schemas.microsoft.com/office/powerpoint/2015/main" val="1"/>
+              </p:ext>
+            </p:extLst>
+          </p:nvPr>
+        </p:nvSpPr>
+        <p:spPr>
+          <a:xfrm>
+            <a:off x="0" y="0"/>
+            <a:ext cx="12192000" cy="6858000"/>
+          </a:xfrm>
+          <a:prstGeom prst="rect">
+            <a:avLst/>
+          </a:prstGeom>
+          <a:solidFill>
+            <a:schemeClr val="accent1"/>
+          </a:solidFill>
+          <a:ln>
+            <a:noFill/>
+          </a:ln>
+        </p:spPr>
+        <p:style>
+          <a:lnRef idx="2">
+            <a:schemeClr val="accent1">
+              <a:shade val="50000"/>
+            </a:schemeClr>
+          </a:lnRef>
+          <a:fillRef idx="1002">
+            <a:schemeClr val="lt2"/>
+          </a:fillRef>
+          <a:effectRef idx="0">
+            <a:schemeClr val="accent1"/>
+          </a:effectRef>
+          <a:fontRef idx="minor">
+            <a:schemeClr val="lt1"/>
+          </a:fontRef>
+        </p:style>
+        <p:txBody>
+          <a:bodyPr rtlCol="0" anchor="ctr"/>
+          <a:lstStyle/>
+          <a:p>
+            <a:pPr algn="ctr"/>
+            <a:endParaRPr lang="en-US"/>
+          </a:p>
+        </p:txBody>
+      </p:sp>
+      <p:sp>
+        <p:nvSpPr>
+          <p:cNvPr id="82" name="Rectangle 81">
+            <a:extLst>
+              <a:ext uri="{FF2B5EF4-FFF2-40B4-BE49-F238E27FC236}">
+                <a16:creationId xmlns:a16="http://schemas.microsoft.com/office/drawing/2014/main" id="{8A03302C-20A2-4C4F-9760-E85AE1041385}"/>
+              </a:ext>
+              <a:ext uri="{C183D7F6-B498-43B3-948B-1728B52AA6E4}">
+                <adec:decorative xmlns:adec="http://schemas.microsoft.com/office/drawing/2017/decorative" val="1"/>
+              </a:ext>
+            </a:extLst>
+          </p:cNvPr>
+          <p:cNvSpPr>
+            <a:spLocks noGrp="1" noRot="1" noChangeAspect="1" noMove="1" noResize="1" noEditPoints="1" noAdjustHandles="1" noChangeArrowheads="1" noChangeShapeType="1" noTextEdit="1"/>
+          </p:cNvSpPr>
+          <p:nvPr>
+            <p:extLst>
+              <p:ext uri="{386F3935-93C4-4BCD-93E2-E3B085C9AB24}">
+                <p16:designElem xmlns:p16="http://schemas.microsoft.com/office/powerpoint/2015/main" val="1"/>
+              </p:ext>
+            </p:extLst>
+          </p:nvPr>
+        </p:nvSpPr>
+        <p:spPr>
+          <a:xfrm>
+            <a:off x="643337" y="643464"/>
+            <a:ext cx="10912338" cy="5571072"/>
+          </a:xfrm>
+          <a:prstGeom prst="rect">
+            <a:avLst/>
+          </a:prstGeom>
+          <a:solidFill>
+            <a:srgbClr val="FFFFFF"/>
+          </a:solidFill>
+          <a:ln w="6350" cap="flat" cmpd="sng" algn="ctr">
+            <a:noFill/>
+            <a:prstDash val="solid"/>
+          </a:ln>
+          <a:effectLst>
+            <a:outerShdw blurRad="50800" algn="ctr" rotWithShape="0">
+              <a:prstClr val="black">
+                <a:alpha val="66000"/>
+              </a:prstClr>
+            </a:outerShdw>
+            <a:softEdge rad="0"/>
+          </a:effectLst>
+        </p:spPr>
+      </p:sp>
+      <p:sp useBgFill="1">
+        <p:nvSpPr>
+          <p:cNvPr id="84" name="Rectangle 83">
+            <a:extLst>
+              <a:ext uri="{FF2B5EF4-FFF2-40B4-BE49-F238E27FC236}">
+                <a16:creationId xmlns:a16="http://schemas.microsoft.com/office/drawing/2014/main" id="{D00F093B-0739-4429-B30D-D72924D08871}"/>
+              </a:ext>
+              <a:ext uri="{C183D7F6-B498-43B3-948B-1728B52AA6E4}">
+                <adec:decorative xmlns:adec="http://schemas.microsoft.com/office/drawing/2017/decorative" val="1"/>
+              </a:ext>
+            </a:extLst>
+          </p:cNvPr>
+          <p:cNvSpPr>
+            <a:spLocks noGrp="1" noRot="1" noChangeAspect="1" noMove="1" noResize="1" noEditPoints="1" noAdjustHandles="1" noChangeArrowheads="1" noChangeShapeType="1" noTextEdit="1"/>
+          </p:cNvSpPr>
+          <p:nvPr>
+            <p:extLst>
+              <p:ext uri="{386F3935-93C4-4BCD-93E2-E3B085C9AB24}">
+                <p16:designElem xmlns:p16="http://schemas.microsoft.com/office/powerpoint/2015/main" val="1"/>
+              </p:ext>
+            </p:extLst>
+          </p:nvPr>
+        </p:nvSpPr>
+        <p:spPr>
+          <a:xfrm>
+            <a:off x="809702" y="809244"/>
+            <a:ext cx="10579608" cy="5239512"/>
+          </a:xfrm>
+          <a:prstGeom prst="rect">
+            <a:avLst/>
+          </a:prstGeom>
+          <a:ln w="6350" cap="sq" cmpd="sng" algn="ctr">
+            <a:solidFill>
+              <a:schemeClr val="tx1">
+                <a:lumMod val="75000"/>
+                <a:lumOff val="25000"/>
+              </a:schemeClr>
+            </a:solidFill>
+            <a:prstDash val="solid"/>
+            <a:miter lim="800000"/>
+          </a:ln>
+          <a:effectLst/>
+        </p:spPr>
+      </p:sp>
+      <p:sp>
+        <p:nvSpPr>
+          <p:cNvPr id="2" name="Title 1">
+            <a:extLst>
+              <a:ext uri="{FF2B5EF4-FFF2-40B4-BE49-F238E27FC236}">
+                <a16:creationId xmlns:a16="http://schemas.microsoft.com/office/drawing/2014/main" id="{45FE64F7-323E-4148-8304-8E70372E1808}"/>
+              </a:ext>
+            </a:extLst>
+          </p:cNvPr>
+          <p:cNvSpPr>
+            <a:spLocks noGrp="1"/>
+          </p:cNvSpPr>
+          <p:nvPr>
+            <p:ph type="title"/>
+          </p:nvPr>
+        </p:nvSpPr>
+        <p:spPr>
+          <a:xfrm>
+            <a:off x="947146" y="1830862"/>
+            <a:ext cx="10435152" cy="3391452"/>
+          </a:xfrm>
+          <a:effectLst>
+            <a:outerShdw blurRad="50800" dist="38100" dir="2700000" algn="tl" rotWithShape="0">
+              <a:prstClr val="black">
+                <a:alpha val="40000"/>
+              </a:prstClr>
+            </a:outerShdw>
+          </a:effectLst>
+        </p:spPr>
+        <p:txBody>
+          <a:bodyPr vert="horz" lIns="91440" tIns="45720" rIns="91440" bIns="45720" rtlCol="0" anchor="ctr">
+            <a:normAutofit fontScale="90000"/>
+          </a:bodyPr>
+          <a:lstStyle/>
+          <a:p>
+            <a:pPr algn="ctr">
+              <a:lnSpc>
+                <a:spcPct val="83000"/>
+              </a:lnSpc>
+            </a:pPr>
+            <a:r>
+              <a:rPr lang="en-US" sz="4400" b="1" cap="all" spc="-100" dirty="0"/>
+              <a:t>CONCLUSIONS</a:t>
+            </a:r>
+            <a:br>
+              <a:rPr lang="en-US" sz="5300" cap="all" spc="-100" dirty="0"/>
+            </a:br>
+            <a:r>
+              <a:rPr lang="en-US" sz="5300" cap="all" spc="-100" dirty="0"/>
+              <a:t>  </a:t>
+            </a:r>
+            <a:br>
+              <a:rPr lang="en-US" sz="5300" cap="all" spc="-100" dirty="0"/>
+            </a:br>
+            <a:br>
+              <a:rPr lang="en-US" sz="5300" cap="all" spc="-100" dirty="0"/>
+            </a:br>
+            <a:br>
+              <a:rPr lang="en-US" sz="4600" cap="all" spc="-100" dirty="0"/>
+            </a:br>
+            <a:br>
+              <a:rPr lang="en-US" sz="4600" cap="all" spc="-100" dirty="0"/>
+            </a:br>
+            <a:br>
+              <a:rPr lang="en-US" sz="4600" cap="all" spc="-100" dirty="0"/>
+            </a:br>
+            <a:r>
+              <a:rPr lang="en-US" sz="4600" cap="all" spc="-100" dirty="0"/>
+              <a:t> </a:t>
+            </a:r>
+          </a:p>
+        </p:txBody>
+      </p:sp>
+      <p:sp>
+        <p:nvSpPr>
+          <p:cNvPr id="86" name="Rectangle 85">
+            <a:extLst>
+              <a:ext uri="{FF2B5EF4-FFF2-40B4-BE49-F238E27FC236}">
+                <a16:creationId xmlns:a16="http://schemas.microsoft.com/office/drawing/2014/main" id="{1BB92999-6A40-480A-8965-2F20DFB032B5}"/>
+              </a:ext>
+              <a:ext uri="{C183D7F6-B498-43B3-948B-1728B52AA6E4}">
+                <adec:decorative xmlns:adec="http://schemas.microsoft.com/office/drawing/2017/decorative" val="1"/>
+              </a:ext>
+            </a:extLst>
+          </p:cNvPr>
+          <p:cNvSpPr>
+            <a:spLocks noGrp="1" noRot="1" noChangeAspect="1" noMove="1" noResize="1" noEditPoints="1" noAdjustHandles="1" noChangeArrowheads="1" noChangeShapeType="1" noTextEdit="1"/>
+          </p:cNvSpPr>
+          <p:nvPr>
+            <p:extLst>
+              <p:ext uri="{386F3935-93C4-4BCD-93E2-E3B085C9AB24}">
+                <p16:designElem xmlns:p16="http://schemas.microsoft.com/office/powerpoint/2015/main" val="1"/>
+              </p:ext>
+            </p:extLst>
+          </p:nvPr>
+        </p:nvSpPr>
+        <p:spPr>
+          <a:xfrm>
+            <a:off x="5135880" y="640856"/>
+            <a:ext cx="1920240" cy="731520"/>
+          </a:xfrm>
+          <a:prstGeom prst="rect">
+            <a:avLst/>
+          </a:prstGeom>
+          <a:solidFill>
+            <a:srgbClr val="D9D9D9"/>
+          </a:solidFill>
+          <a:ln>
+            <a:noFill/>
+          </a:ln>
+        </p:spPr>
+        <p:style>
+          <a:lnRef idx="2">
+            <a:schemeClr val="accent1">
+              <a:shade val="50000"/>
+            </a:schemeClr>
+          </a:lnRef>
+          <a:fillRef idx="1">
+            <a:schemeClr val="accent1"/>
+          </a:fillRef>
+          <a:effectRef idx="0">
+            <a:schemeClr val="accent1"/>
+          </a:effectRef>
+          <a:fontRef idx="minor">
+            <a:schemeClr val="lt1"/>
+          </a:fontRef>
+        </p:style>
+      </p:sp>
+      <p:cxnSp>
+        <p:nvCxnSpPr>
+          <p:cNvPr id="88" name="Straight Connector 87">
+            <a:extLst>
+              <a:ext uri="{FF2B5EF4-FFF2-40B4-BE49-F238E27FC236}">
+                <a16:creationId xmlns:a16="http://schemas.microsoft.com/office/drawing/2014/main" id="{15573B87-7D61-460C-9ADA-EF63674E3A97}"/>
+              </a:ext>
+              <a:ext uri="{C183D7F6-B498-43B3-948B-1728B52AA6E4}">
+                <adec:decorative xmlns:adec="http://schemas.microsoft.com/office/drawing/2017/decorative" val="1"/>
+              </a:ext>
+            </a:extLst>
+          </p:cNvPr>
+          <p:cNvCxnSpPr>
+            <a:cxnSpLocks noGrp="1" noRot="1" noChangeAspect="1" noMove="1" noResize="1" noEditPoints="1" noAdjustHandles="1" noChangeArrowheads="1" noChangeShapeType="1"/>
+          </p:cNvCxnSpPr>
+          <p:nvPr>
+            <p:extLst>
+              <p:ext uri="{386F3935-93C4-4BCD-93E2-E3B085C9AB24}">
+                <p16:designElem xmlns:p16="http://schemas.microsoft.com/office/powerpoint/2015/main" val="1"/>
+              </p:ext>
+            </p:extLst>
+          </p:nvPr>
+        </p:nvCxnSpPr>
+        <p:spPr>
+          <a:xfrm>
+            <a:off x="5250180" y="640855"/>
+            <a:ext cx="0" cy="640080"/>
+          </a:xfrm>
+          <a:prstGeom prst="line">
+            <a:avLst/>
+          </a:prstGeom>
+          <a:solidFill>
+            <a:schemeClr val="tx1">
+              <a:lumMod val="85000"/>
+              <a:lumOff val="15000"/>
+            </a:schemeClr>
+          </a:solidFill>
+          <a:ln>
+            <a:solidFill>
+              <a:srgbClr val="000000"/>
+            </a:solidFill>
+            <a:miter lim="800000"/>
+          </a:ln>
+        </p:spPr>
+        <p:style>
+          <a:lnRef idx="1">
+            <a:schemeClr val="accent1"/>
+          </a:lnRef>
+          <a:fillRef idx="0">
+            <a:schemeClr val="accent1"/>
+          </a:fillRef>
+          <a:effectRef idx="0">
+            <a:schemeClr val="accent1"/>
+          </a:effectRef>
+          <a:fontRef idx="minor">
+            <a:schemeClr val="tx1"/>
+          </a:fontRef>
+        </p:style>
+      </p:cxnSp>
+      <p:cxnSp>
+        <p:nvCxnSpPr>
+          <p:cNvPr id="90" name="Straight Connector 89">
+            <a:extLst>
+              <a:ext uri="{FF2B5EF4-FFF2-40B4-BE49-F238E27FC236}">
+                <a16:creationId xmlns:a16="http://schemas.microsoft.com/office/drawing/2014/main" id="{0AAF6B7C-985D-4351-9564-8DBDF5BB03EA}"/>
+              </a:ext>
+              <a:ext uri="{C183D7F6-B498-43B3-948B-1728B52AA6E4}">
+                <adec:decorative xmlns:adec="http://schemas.microsoft.com/office/drawing/2017/decorative" val="1"/>
+              </a:ext>
+            </a:extLst>
+          </p:cNvPr>
+          <p:cNvCxnSpPr>
+            <a:cxnSpLocks noGrp="1" noRot="1" noChangeAspect="1" noMove="1" noResize="1" noEditPoints="1" noAdjustHandles="1" noChangeArrowheads="1" noChangeShapeType="1"/>
+          </p:cNvCxnSpPr>
+          <p:nvPr>
+            <p:extLst>
+              <p:ext uri="{386F3935-93C4-4BCD-93E2-E3B085C9AB24}">
+                <p16:designElem xmlns:p16="http://schemas.microsoft.com/office/powerpoint/2015/main" val="1"/>
+              </p:ext>
+            </p:extLst>
+          </p:nvPr>
+        </p:nvCxnSpPr>
+        <p:spPr>
+          <a:xfrm>
+            <a:off x="6941820" y="640855"/>
+            <a:ext cx="0" cy="640080"/>
+          </a:xfrm>
+          <a:prstGeom prst="line">
+            <a:avLst/>
+          </a:prstGeom>
+          <a:solidFill>
+            <a:schemeClr val="tx1">
+              <a:lumMod val="85000"/>
+              <a:lumOff val="15000"/>
+            </a:schemeClr>
+          </a:solidFill>
+          <a:ln>
+            <a:solidFill>
+              <a:srgbClr val="000000"/>
+            </a:solidFill>
+            <a:miter lim="800000"/>
+          </a:ln>
+        </p:spPr>
+        <p:style>
+          <a:lnRef idx="1">
+            <a:schemeClr val="accent1"/>
+          </a:lnRef>
+          <a:fillRef idx="0">
+            <a:schemeClr val="accent1"/>
+          </a:fillRef>
+          <a:effectRef idx="0">
+            <a:schemeClr val="accent1"/>
+          </a:effectRef>
+          <a:fontRef idx="minor">
+            <a:schemeClr val="tx1"/>
+          </a:fontRef>
+        </p:style>
+      </p:cxnSp>
+      <p:cxnSp>
+        <p:nvCxnSpPr>
+          <p:cNvPr id="92" name="Straight Connector 91">
+            <a:extLst>
+              <a:ext uri="{FF2B5EF4-FFF2-40B4-BE49-F238E27FC236}">
+                <a16:creationId xmlns:a16="http://schemas.microsoft.com/office/drawing/2014/main" id="{F88433F4-33AB-4CE1-9DE3-72A8403654F1}"/>
+              </a:ext>
+              <a:ext uri="{C183D7F6-B498-43B3-948B-1728B52AA6E4}">
+                <adec:decorative xmlns:adec="http://schemas.microsoft.com/office/drawing/2017/decorative" val="1"/>
+              </a:ext>
+            </a:extLst>
+          </p:cNvPr>
+          <p:cNvCxnSpPr>
+            <a:cxnSpLocks noGrp="1" noRot="1" noChangeAspect="1" noMove="1" noResize="1" noEditPoints="1" noAdjustHandles="1" noChangeArrowheads="1" noChangeShapeType="1"/>
+          </p:cNvCxnSpPr>
+          <p:nvPr>
+            <p:extLst>
+              <p:ext uri="{386F3935-93C4-4BCD-93E2-E3B085C9AB24}">
+                <p16:designElem xmlns:p16="http://schemas.microsoft.com/office/powerpoint/2015/main" val="1"/>
+              </p:ext>
+            </p:extLst>
+          </p:nvPr>
+        </p:nvCxnSpPr>
+        <p:spPr>
+          <a:xfrm>
+            <a:off x="5250180" y="1286150"/>
+            <a:ext cx="1691640" cy="0"/>
+          </a:xfrm>
+          <a:prstGeom prst="line">
+            <a:avLst/>
+          </a:prstGeom>
+          <a:solidFill>
+            <a:schemeClr val="tx1">
+              <a:lumMod val="85000"/>
+              <a:lumOff val="15000"/>
+            </a:schemeClr>
+          </a:solidFill>
+          <a:ln>
+            <a:solidFill>
+              <a:srgbClr val="000000"/>
+            </a:solidFill>
+            <a:miter lim="800000"/>
+          </a:ln>
+        </p:spPr>
+        <p:style>
+          <a:lnRef idx="1">
+            <a:schemeClr val="accent1"/>
+          </a:lnRef>
+          <a:fillRef idx="0">
+            <a:schemeClr val="accent1"/>
+          </a:fillRef>
+          <a:effectRef idx="0">
+            <a:schemeClr val="accent1"/>
+          </a:effectRef>
+          <a:fontRef idx="minor">
+            <a:schemeClr val="tx1"/>
+          </a:fontRef>
+        </p:style>
+      </p:cxnSp>
+    </p:spTree>
+    <p:extLst>
+      <p:ext uri="{BB962C8B-B14F-4D97-AF65-F5344CB8AC3E}">
+        <p14:creationId xmlns:p14="http://schemas.microsoft.com/office/powerpoint/2010/main" val="4063821443"/>
       </p:ext>
     </p:extLst>
   </p:cSld>
